--- a/Project_Ice.pptx
+++ b/Project_Ice.pptx
@@ -5,40 +5,48 @@
     <p:sldMasterId id="2147483678" r:id="rId1"/>
   </p:sldMasterIdLst>
   <p:notesMasterIdLst>
-    <p:notesMasterId r:id="rId11"/>
+    <p:notesMasterId r:id="rId19"/>
   </p:notesMasterIdLst>
   <p:sldIdLst>
     <p:sldId id="256" r:id="rId2"/>
-    <p:sldId id="264" r:id="rId3"/>
-    <p:sldId id="257" r:id="rId4"/>
-    <p:sldId id="258" r:id="rId5"/>
-    <p:sldId id="259" r:id="rId6"/>
-    <p:sldId id="260" r:id="rId7"/>
-    <p:sldId id="261" r:id="rId8"/>
-    <p:sldId id="262" r:id="rId9"/>
-    <p:sldId id="263" r:id="rId10"/>
+    <p:sldId id="271" r:id="rId3"/>
+    <p:sldId id="272" r:id="rId4"/>
+    <p:sldId id="264" r:id="rId5"/>
+    <p:sldId id="257" r:id="rId6"/>
+    <p:sldId id="258" r:id="rId7"/>
+    <p:sldId id="265" r:id="rId8"/>
+    <p:sldId id="259" r:id="rId9"/>
+    <p:sldId id="266" r:id="rId10"/>
+    <p:sldId id="260" r:id="rId11"/>
+    <p:sldId id="267" r:id="rId12"/>
+    <p:sldId id="261" r:id="rId13"/>
+    <p:sldId id="268" r:id="rId14"/>
+    <p:sldId id="262" r:id="rId15"/>
+    <p:sldId id="269" r:id="rId16"/>
+    <p:sldId id="263" r:id="rId17"/>
+    <p:sldId id="270" r:id="rId18"/>
   </p:sldIdLst>
   <p:sldSz cx="9144000" cy="6858000" type="screen4x3"/>
   <p:notesSz cx="6858000" cy="9144000"/>
   <p:embeddedFontLst>
     <p:embeddedFont>
       <p:font typeface="Dosis" panose="02010600030101010101" charset="0"/>
-      <p:regular r:id="rId12"/>
-      <p:bold r:id="rId13"/>
+      <p:regular r:id="rId20"/>
+      <p:bold r:id="rId21"/>
+    </p:embeddedFont>
+    <p:embeddedFont>
+      <p:font typeface="Lato" panose="02010600030101010101" charset="0"/>
+      <p:regular r:id="rId22"/>
+      <p:bold r:id="rId23"/>
+      <p:italic r:id="rId24"/>
+      <p:boldItalic r:id="rId25"/>
     </p:embeddedFont>
     <p:embeddedFont>
       <p:font typeface="Source Sans Pro" panose="020B0503030403020204" pitchFamily="34" charset="0"/>
-      <p:regular r:id="rId14"/>
-      <p:bold r:id="rId15"/>
-      <p:italic r:id="rId16"/>
-      <p:boldItalic r:id="rId17"/>
-    </p:embeddedFont>
-    <p:embeddedFont>
-      <p:font typeface="Lato" panose="02010600030101010101" charset="0"/>
-      <p:regular r:id="rId18"/>
-      <p:bold r:id="rId19"/>
-      <p:italic r:id="rId20"/>
-      <p:boldItalic r:id="rId21"/>
+      <p:regular r:id="rId26"/>
+      <p:bold r:id="rId27"/>
+      <p:italic r:id="rId28"/>
+      <p:boldItalic r:id="rId29"/>
     </p:embeddedFont>
   </p:embeddedFontLst>
   <p:defaultTextStyle>
@@ -1321,6 +1329,2366 @@
 </file>
 
 <file path=ppt/slideLayouts/slideLayout1.xml><?xml version="1.0" encoding="utf-8"?>
+<p:sldLayout xmlns:a="http://schemas.openxmlformats.org/drawingml/2006/main" xmlns:r="http://schemas.openxmlformats.org/officeDocument/2006/relationships" xmlns:p="http://schemas.openxmlformats.org/presentationml/2006/main" preserve="1" userDrawn="1">
+  <p:cSld name="Custom Layout">
+    <p:spTree>
+      <p:nvGrpSpPr>
+        <p:cNvPr id="1" name=""/>
+        <p:cNvGrpSpPr/>
+        <p:nvPr/>
+      </p:nvGrpSpPr>
+      <p:grpSpPr>
+        <a:xfrm>
+          <a:off x="0" y="0"/>
+          <a:ext cx="0" cy="0"/>
+          <a:chOff x="0" y="0"/>
+          <a:chExt cx="0" cy="0"/>
+        </a:xfrm>
+      </p:grpSpPr>
+      <p:sp>
+        <p:nvSpPr>
+          <p:cNvPr id="2" name="Title 1"/>
+          <p:cNvSpPr>
+            <a:spLocks noGrp="1"/>
+          </p:cNvSpPr>
+          <p:nvPr>
+            <p:ph type="title"/>
+          </p:nvPr>
+        </p:nvSpPr>
+        <p:spPr/>
+        <p:txBody>
+          <a:bodyPr/>
+          <a:lstStyle/>
+          <a:p>
+            <a:r>
+              <a:rPr lang="en-US" dirty="0"/>
+              <a:t>Click to edit Master title style</a:t>
+            </a:r>
+            <a:endParaRPr lang="en-GB" dirty="0"/>
+          </a:p>
+        </p:txBody>
+      </p:sp>
+    </p:spTree>
+    <p:extLst>
+      <p:ext uri="{BB962C8B-B14F-4D97-AF65-F5344CB8AC3E}">
+        <p14:creationId xmlns:p14="http://schemas.microsoft.com/office/powerpoint/2010/main" val="2300029924"/>
+      </p:ext>
+    </p:extLst>
+  </p:cSld>
+  <p:clrMapOvr>
+    <a:masterClrMapping/>
+  </p:clrMapOvr>
+</p:sldLayout>
+</file>
+
+<file path=ppt/slideLayouts/slideLayout10.xml><?xml version="1.0" encoding="utf-8"?>
+<p:sldLayout xmlns:a="http://schemas.openxmlformats.org/drawingml/2006/main" xmlns:r="http://schemas.openxmlformats.org/officeDocument/2006/relationships" xmlns:p="http://schemas.openxmlformats.org/presentationml/2006/main">
+  <p:cSld name="List - Green">
+    <p:spTree>
+      <p:nvGrpSpPr>
+        <p:cNvPr id="1" name="Shape 36"/>
+        <p:cNvGrpSpPr/>
+        <p:nvPr/>
+      </p:nvGrpSpPr>
+      <p:grpSpPr>
+        <a:xfrm>
+          <a:off x="0" y="0"/>
+          <a:ext cx="0" cy="0"/>
+          <a:chOff x="0" y="0"/>
+          <a:chExt cx="0" cy="0"/>
+        </a:xfrm>
+      </p:grpSpPr>
+      <p:sp>
+        <p:nvSpPr>
+          <p:cNvPr id="37" name="Shape 37"/>
+          <p:cNvSpPr/>
+          <p:nvPr/>
+        </p:nvSpPr>
+        <p:spPr>
+          <a:xfrm>
+            <a:off x="0" y="0"/>
+            <a:ext cx="9144000" cy="1533299"/>
+          </a:xfrm>
+          <a:prstGeom prst="rect">
+            <a:avLst/>
+          </a:prstGeom>
+          <a:solidFill>
+            <a:srgbClr val="6AA84F"/>
+          </a:solidFill>
+          <a:ln>
+            <a:noFill/>
+          </a:ln>
+        </p:spPr>
+        <p:txBody>
+          <a:bodyPr lIns="91425" tIns="45700" rIns="91425" bIns="45700" anchor="ctr" anchorCtr="0">
+            <a:noAutofit/>
+          </a:bodyPr>
+          <a:lstStyle/>
+          <a:p>
+            <a:pPr lvl="0">
+              <a:spcBef>
+                <a:spcPts val="0"/>
+              </a:spcBef>
+              <a:buNone/>
+            </a:pPr>
+            <a:endParaRPr/>
+          </a:p>
+        </p:txBody>
+      </p:sp>
+      <p:cxnSp>
+        <p:nvCxnSpPr>
+          <p:cNvPr id="38" name="Shape 38"/>
+          <p:cNvCxnSpPr/>
+          <p:nvPr/>
+        </p:nvCxnSpPr>
+        <p:spPr>
+          <a:xfrm>
+            <a:off x="0" y="1503833"/>
+            <a:ext cx="9144000" cy="0"/>
+          </a:xfrm>
+          <a:prstGeom prst="straightConnector1">
+            <a:avLst/>
+          </a:prstGeom>
+          <a:noFill/>
+          <a:ln w="57150" cap="flat" cmpd="sng">
+            <a:solidFill>
+              <a:srgbClr val="000000">
+                <a:alpha val="14900"/>
+              </a:srgbClr>
+            </a:solidFill>
+            <a:prstDash val="solid"/>
+            <a:round/>
+            <a:headEnd type="none" w="med" len="med"/>
+            <a:tailEnd type="none" w="med" len="med"/>
+          </a:ln>
+        </p:spPr>
+      </p:cxnSp>
+      <p:sp>
+        <p:nvSpPr>
+          <p:cNvPr id="39" name="Shape 39"/>
+          <p:cNvSpPr txBox="1">
+            <a:spLocks noGrp="1"/>
+          </p:cNvSpPr>
+          <p:nvPr>
+            <p:ph type="title"/>
+          </p:nvPr>
+        </p:nvSpPr>
+        <p:spPr>
+          <a:xfrm>
+            <a:off x="457200" y="274637"/>
+            <a:ext cx="8229600" cy="1143299"/>
+          </a:xfrm>
+          <a:prstGeom prst="rect">
+            <a:avLst/>
+          </a:prstGeom>
+        </p:spPr>
+        <p:txBody>
+          <a:bodyPr lIns="91425" tIns="91425" rIns="91425" bIns="91425" anchor="b" anchorCtr="0"/>
+          <a:lstStyle>
+            <a:lvl1pPr lvl="0" rtl="0">
+              <a:spcBef>
+                <a:spcPts val="0"/>
+              </a:spcBef>
+              <a:buSzPct val="100000"/>
+              <a:buFont typeface="Dosis"/>
+              <a:defRPr sz="4800">
+                <a:latin typeface="Dosis"/>
+                <a:ea typeface="Dosis"/>
+                <a:cs typeface="Dosis"/>
+                <a:sym typeface="Dosis"/>
+              </a:defRPr>
+            </a:lvl1pPr>
+            <a:lvl2pPr lvl="1" rtl="0">
+              <a:spcBef>
+                <a:spcPts val="0"/>
+              </a:spcBef>
+              <a:buSzPct val="100000"/>
+              <a:defRPr sz="4800"/>
+            </a:lvl2pPr>
+            <a:lvl3pPr lvl="2" rtl="0">
+              <a:spcBef>
+                <a:spcPts val="0"/>
+              </a:spcBef>
+              <a:buSzPct val="100000"/>
+              <a:defRPr sz="4800"/>
+            </a:lvl3pPr>
+            <a:lvl4pPr lvl="3" rtl="0">
+              <a:spcBef>
+                <a:spcPts val="0"/>
+              </a:spcBef>
+              <a:buSzPct val="100000"/>
+              <a:defRPr sz="4800"/>
+            </a:lvl4pPr>
+            <a:lvl5pPr lvl="4" rtl="0">
+              <a:spcBef>
+                <a:spcPts val="0"/>
+              </a:spcBef>
+              <a:buSzPct val="100000"/>
+              <a:defRPr sz="4800"/>
+            </a:lvl5pPr>
+            <a:lvl6pPr lvl="5" rtl="0">
+              <a:spcBef>
+                <a:spcPts val="0"/>
+              </a:spcBef>
+              <a:buSzPct val="100000"/>
+              <a:defRPr sz="4800"/>
+            </a:lvl6pPr>
+            <a:lvl7pPr lvl="6" rtl="0">
+              <a:spcBef>
+                <a:spcPts val="0"/>
+              </a:spcBef>
+              <a:buSzPct val="100000"/>
+              <a:defRPr sz="4800"/>
+            </a:lvl7pPr>
+            <a:lvl8pPr lvl="7" rtl="0">
+              <a:spcBef>
+                <a:spcPts val="0"/>
+              </a:spcBef>
+              <a:buSzPct val="100000"/>
+              <a:defRPr sz="4800"/>
+            </a:lvl8pPr>
+            <a:lvl9pPr lvl="8" rtl="0">
+              <a:spcBef>
+                <a:spcPts val="0"/>
+              </a:spcBef>
+              <a:buSzPct val="100000"/>
+              <a:defRPr sz="4800"/>
+            </a:lvl9pPr>
+          </a:lstStyle>
+          <a:p>
+            <a:endParaRPr/>
+          </a:p>
+        </p:txBody>
+      </p:sp>
+      <p:sp>
+        <p:nvSpPr>
+          <p:cNvPr id="40" name="Shape 40"/>
+          <p:cNvSpPr txBox="1">
+            <a:spLocks noGrp="1"/>
+          </p:cNvSpPr>
+          <p:nvPr>
+            <p:ph type="body" idx="1"/>
+          </p:nvPr>
+        </p:nvSpPr>
+        <p:spPr>
+          <a:xfrm>
+            <a:off x="457200" y="1600200"/>
+            <a:ext cx="8229600" cy="4967700"/>
+          </a:xfrm>
+          <a:prstGeom prst="rect">
+            <a:avLst/>
+          </a:prstGeom>
+        </p:spPr>
+        <p:txBody>
+          <a:bodyPr lIns="91425" tIns="91425" rIns="91425" bIns="91425" anchor="t" anchorCtr="0"/>
+          <a:lstStyle>
+            <a:lvl1pPr lvl="0" rtl="0">
+              <a:lnSpc>
+                <a:spcPct val="115000"/>
+              </a:lnSpc>
+              <a:spcBef>
+                <a:spcPts val="0"/>
+              </a:spcBef>
+              <a:defRPr/>
+            </a:lvl1pPr>
+            <a:lvl2pPr lvl="1" rtl="0">
+              <a:lnSpc>
+                <a:spcPct val="115000"/>
+              </a:lnSpc>
+              <a:spcBef>
+                <a:spcPts val="0"/>
+              </a:spcBef>
+              <a:defRPr/>
+            </a:lvl2pPr>
+            <a:lvl3pPr lvl="2" rtl="0">
+              <a:lnSpc>
+                <a:spcPct val="115000"/>
+              </a:lnSpc>
+              <a:spcBef>
+                <a:spcPts val="0"/>
+              </a:spcBef>
+              <a:defRPr/>
+            </a:lvl3pPr>
+            <a:lvl4pPr lvl="3" rtl="0">
+              <a:lnSpc>
+                <a:spcPct val="115000"/>
+              </a:lnSpc>
+              <a:spcBef>
+                <a:spcPts val="0"/>
+              </a:spcBef>
+              <a:defRPr/>
+            </a:lvl4pPr>
+            <a:lvl5pPr lvl="4" rtl="0">
+              <a:lnSpc>
+                <a:spcPct val="115000"/>
+              </a:lnSpc>
+              <a:spcBef>
+                <a:spcPts val="0"/>
+              </a:spcBef>
+              <a:defRPr/>
+            </a:lvl5pPr>
+            <a:lvl6pPr lvl="5" rtl="0">
+              <a:lnSpc>
+                <a:spcPct val="115000"/>
+              </a:lnSpc>
+              <a:spcBef>
+                <a:spcPts val="0"/>
+              </a:spcBef>
+              <a:defRPr/>
+            </a:lvl6pPr>
+            <a:lvl7pPr lvl="6" rtl="0">
+              <a:lnSpc>
+                <a:spcPct val="115000"/>
+              </a:lnSpc>
+              <a:spcBef>
+                <a:spcPts val="0"/>
+              </a:spcBef>
+              <a:defRPr/>
+            </a:lvl7pPr>
+            <a:lvl8pPr lvl="7" rtl="0">
+              <a:lnSpc>
+                <a:spcPct val="115000"/>
+              </a:lnSpc>
+              <a:spcBef>
+                <a:spcPts val="0"/>
+              </a:spcBef>
+              <a:defRPr/>
+            </a:lvl8pPr>
+            <a:lvl9pPr lvl="8" rtl="0">
+              <a:lnSpc>
+                <a:spcPct val="115000"/>
+              </a:lnSpc>
+              <a:spcBef>
+                <a:spcPts val="0"/>
+              </a:spcBef>
+              <a:defRPr/>
+            </a:lvl9pPr>
+          </a:lstStyle>
+          <a:p>
+            <a:endParaRPr/>
+          </a:p>
+        </p:txBody>
+      </p:sp>
+    </p:spTree>
+  </p:cSld>
+  <p:clrMapOvr>
+    <a:masterClrMapping/>
+  </p:clrMapOvr>
+</p:sldLayout>
+</file>
+
+<file path=ppt/slideLayouts/slideLayout11.xml><?xml version="1.0" encoding="utf-8"?>
+<p:sldLayout xmlns:a="http://schemas.openxmlformats.org/drawingml/2006/main" xmlns:r="http://schemas.openxmlformats.org/officeDocument/2006/relationships" xmlns:p="http://schemas.openxmlformats.org/presentationml/2006/main">
+  <p:cSld name="Full - Blue">
+    <p:bg>
+      <p:bgPr>
+        <a:solidFill>
+          <a:srgbClr val="3D85C6"/>
+        </a:solidFill>
+        <a:effectLst/>
+      </p:bgPr>
+    </p:bg>
+    <p:spTree>
+      <p:nvGrpSpPr>
+        <p:cNvPr id="1" name="Shape 41"/>
+        <p:cNvGrpSpPr/>
+        <p:nvPr/>
+      </p:nvGrpSpPr>
+      <p:grpSpPr>
+        <a:xfrm>
+          <a:off x="0" y="0"/>
+          <a:ext cx="0" cy="0"/>
+          <a:chOff x="0" y="0"/>
+          <a:chExt cx="0" cy="0"/>
+        </a:xfrm>
+      </p:grpSpPr>
+      <p:sp>
+        <p:nvSpPr>
+          <p:cNvPr id="42" name="Shape 42"/>
+          <p:cNvSpPr txBox="1">
+            <a:spLocks noGrp="1"/>
+          </p:cNvSpPr>
+          <p:nvPr>
+            <p:ph type="title"/>
+          </p:nvPr>
+        </p:nvSpPr>
+        <p:spPr>
+          <a:xfrm>
+            <a:off x="457200" y="49"/>
+            <a:ext cx="8229600" cy="6858000"/>
+          </a:xfrm>
+          <a:prstGeom prst="rect">
+            <a:avLst/>
+          </a:prstGeom>
+        </p:spPr>
+        <p:txBody>
+          <a:bodyPr lIns="91425" tIns="91425" rIns="91425" bIns="91425" anchor="ctr" anchorCtr="0"/>
+          <a:lstStyle>
+            <a:lvl1pPr lvl="0" rtl="0">
+              <a:spcBef>
+                <a:spcPts val="0"/>
+              </a:spcBef>
+              <a:buSzPct val="100000"/>
+              <a:buFont typeface="Dosis"/>
+              <a:defRPr sz="4800">
+                <a:latin typeface="Dosis"/>
+                <a:ea typeface="Dosis"/>
+                <a:cs typeface="Dosis"/>
+                <a:sym typeface="Dosis"/>
+              </a:defRPr>
+            </a:lvl1pPr>
+            <a:lvl2pPr lvl="1" algn="ctr" rtl="0">
+              <a:spcBef>
+                <a:spcPts val="0"/>
+              </a:spcBef>
+              <a:buSzPct val="100000"/>
+              <a:defRPr sz="4800"/>
+            </a:lvl2pPr>
+            <a:lvl3pPr lvl="2" algn="ctr" rtl="0">
+              <a:spcBef>
+                <a:spcPts val="0"/>
+              </a:spcBef>
+              <a:buSzPct val="100000"/>
+              <a:defRPr sz="4800"/>
+            </a:lvl3pPr>
+            <a:lvl4pPr lvl="3" algn="ctr" rtl="0">
+              <a:spcBef>
+                <a:spcPts val="0"/>
+              </a:spcBef>
+              <a:buSzPct val="100000"/>
+              <a:defRPr sz="4800"/>
+            </a:lvl4pPr>
+            <a:lvl5pPr lvl="4" algn="ctr" rtl="0">
+              <a:spcBef>
+                <a:spcPts val="0"/>
+              </a:spcBef>
+              <a:buSzPct val="100000"/>
+              <a:defRPr sz="4800"/>
+            </a:lvl5pPr>
+            <a:lvl6pPr lvl="5" algn="ctr" rtl="0">
+              <a:spcBef>
+                <a:spcPts val="0"/>
+              </a:spcBef>
+              <a:buSzPct val="100000"/>
+              <a:defRPr sz="4800"/>
+            </a:lvl6pPr>
+            <a:lvl7pPr lvl="6" algn="ctr" rtl="0">
+              <a:spcBef>
+                <a:spcPts val="0"/>
+              </a:spcBef>
+              <a:buSzPct val="100000"/>
+              <a:defRPr sz="4800"/>
+            </a:lvl7pPr>
+            <a:lvl8pPr lvl="7" algn="ctr" rtl="0">
+              <a:spcBef>
+                <a:spcPts val="0"/>
+              </a:spcBef>
+              <a:buSzPct val="100000"/>
+              <a:defRPr sz="4800"/>
+            </a:lvl8pPr>
+            <a:lvl9pPr lvl="8" algn="ctr" rtl="0">
+              <a:spcBef>
+                <a:spcPts val="0"/>
+              </a:spcBef>
+              <a:buSzPct val="100000"/>
+              <a:defRPr sz="4800"/>
+            </a:lvl9pPr>
+          </a:lstStyle>
+          <a:p>
+            <a:endParaRPr/>
+          </a:p>
+        </p:txBody>
+      </p:sp>
+    </p:spTree>
+  </p:cSld>
+  <p:clrMapOvr>
+    <a:masterClrMapping/>
+  </p:clrMapOvr>
+</p:sldLayout>
+</file>
+
+<file path=ppt/slideLayouts/slideLayout12.xml><?xml version="1.0" encoding="utf-8"?>
+<p:sldLayout xmlns:a="http://schemas.openxmlformats.org/drawingml/2006/main" xmlns:r="http://schemas.openxmlformats.org/officeDocument/2006/relationships" xmlns:p="http://schemas.openxmlformats.org/presentationml/2006/main">
+  <p:cSld name="Feature - Blue">
+    <p:spTree>
+      <p:nvGrpSpPr>
+        <p:cNvPr id="1" name="Shape 43"/>
+        <p:cNvGrpSpPr/>
+        <p:nvPr/>
+      </p:nvGrpSpPr>
+      <p:grpSpPr>
+        <a:xfrm>
+          <a:off x="0" y="0"/>
+          <a:ext cx="0" cy="0"/>
+          <a:chOff x="0" y="0"/>
+          <a:chExt cx="0" cy="0"/>
+        </a:xfrm>
+      </p:grpSpPr>
+      <p:sp>
+        <p:nvSpPr>
+          <p:cNvPr id="44" name="Shape 44"/>
+          <p:cNvSpPr/>
+          <p:nvPr/>
+        </p:nvSpPr>
+        <p:spPr>
+          <a:xfrm>
+            <a:off x="0" y="0"/>
+            <a:ext cx="9144000" cy="5478299"/>
+          </a:xfrm>
+          <a:prstGeom prst="rect">
+            <a:avLst/>
+          </a:prstGeom>
+          <a:solidFill>
+            <a:srgbClr val="3D85C6"/>
+          </a:solidFill>
+          <a:ln>
+            <a:noFill/>
+          </a:ln>
+        </p:spPr>
+        <p:txBody>
+          <a:bodyPr lIns="91425" tIns="45700" rIns="91425" bIns="45700" anchor="ctr" anchorCtr="0">
+            <a:noAutofit/>
+          </a:bodyPr>
+          <a:lstStyle/>
+          <a:p>
+            <a:pPr lvl="0" rtl="0">
+              <a:spcBef>
+                <a:spcPts val="0"/>
+              </a:spcBef>
+              <a:buNone/>
+            </a:pPr>
+            <a:endParaRPr/>
+          </a:p>
+        </p:txBody>
+      </p:sp>
+      <p:cxnSp>
+        <p:nvCxnSpPr>
+          <p:cNvPr id="45" name="Shape 45"/>
+          <p:cNvCxnSpPr/>
+          <p:nvPr/>
+        </p:nvCxnSpPr>
+        <p:spPr>
+          <a:xfrm>
+            <a:off x="0" y="5424139"/>
+            <a:ext cx="9144000" cy="0"/>
+          </a:xfrm>
+          <a:prstGeom prst="straightConnector1">
+            <a:avLst/>
+          </a:prstGeom>
+          <a:noFill/>
+          <a:ln w="57150" cap="flat" cmpd="sng">
+            <a:solidFill>
+              <a:srgbClr val="000000">
+                <a:alpha val="14900"/>
+              </a:srgbClr>
+            </a:solidFill>
+            <a:prstDash val="solid"/>
+            <a:round/>
+            <a:headEnd type="none" w="med" len="med"/>
+            <a:tailEnd type="none" w="med" len="med"/>
+          </a:ln>
+        </p:spPr>
+      </p:cxnSp>
+      <p:sp>
+        <p:nvSpPr>
+          <p:cNvPr id="46" name="Shape 46"/>
+          <p:cNvSpPr txBox="1">
+            <a:spLocks noGrp="1"/>
+          </p:cNvSpPr>
+          <p:nvPr>
+            <p:ph type="subTitle" idx="1"/>
+          </p:nvPr>
+        </p:nvSpPr>
+        <p:spPr>
+          <a:xfrm>
+            <a:off x="685800" y="5742126"/>
+            <a:ext cx="7772400" cy="904499"/>
+          </a:xfrm>
+          <a:prstGeom prst="rect">
+            <a:avLst/>
+          </a:prstGeom>
+        </p:spPr>
+        <p:txBody>
+          <a:bodyPr lIns="91425" tIns="91425" rIns="91425" bIns="91425" anchor="t" anchorCtr="0"/>
+          <a:lstStyle>
+            <a:lvl1pPr lvl="0" algn="ctr" rtl="0">
+              <a:spcBef>
+                <a:spcPts val="0"/>
+              </a:spcBef>
+              <a:buClr>
+                <a:srgbClr val="666666"/>
+              </a:buClr>
+              <a:buSzPct val="100000"/>
+              <a:buFont typeface="Dosis"/>
+              <a:buNone/>
+              <a:defRPr sz="3600">
+                <a:solidFill>
+                  <a:srgbClr val="666666"/>
+                </a:solidFill>
+                <a:latin typeface="Dosis"/>
+                <a:ea typeface="Dosis"/>
+                <a:cs typeface="Dosis"/>
+                <a:sym typeface="Dosis"/>
+              </a:defRPr>
+            </a:lvl1pPr>
+            <a:lvl2pPr lvl="1" rtl="0">
+              <a:spcBef>
+                <a:spcPts val="0"/>
+              </a:spcBef>
+              <a:buClr>
+                <a:schemeClr val="dk2"/>
+              </a:buClr>
+              <a:buSzPct val="100000"/>
+              <a:buFont typeface="Source Sans Pro"/>
+              <a:buNone/>
+              <a:defRPr sz="3000">
+                <a:solidFill>
+                  <a:schemeClr val="dk2"/>
+                </a:solidFill>
+                <a:latin typeface="Source Sans Pro"/>
+                <a:ea typeface="Source Sans Pro"/>
+                <a:cs typeface="Source Sans Pro"/>
+                <a:sym typeface="Source Sans Pro"/>
+              </a:defRPr>
+            </a:lvl2pPr>
+            <a:lvl3pPr lvl="2" rtl="0">
+              <a:spcBef>
+                <a:spcPts val="0"/>
+              </a:spcBef>
+              <a:buClr>
+                <a:schemeClr val="dk2"/>
+              </a:buClr>
+              <a:buSzPct val="100000"/>
+              <a:buFont typeface="Source Sans Pro"/>
+              <a:buNone/>
+              <a:defRPr sz="3000">
+                <a:solidFill>
+                  <a:schemeClr val="dk2"/>
+                </a:solidFill>
+                <a:latin typeface="Source Sans Pro"/>
+                <a:ea typeface="Source Sans Pro"/>
+                <a:cs typeface="Source Sans Pro"/>
+                <a:sym typeface="Source Sans Pro"/>
+              </a:defRPr>
+            </a:lvl3pPr>
+            <a:lvl4pPr lvl="3" rtl="0">
+              <a:spcBef>
+                <a:spcPts val="0"/>
+              </a:spcBef>
+              <a:buClr>
+                <a:schemeClr val="dk2"/>
+              </a:buClr>
+              <a:buSzPct val="100000"/>
+              <a:buFont typeface="Source Sans Pro"/>
+              <a:buNone/>
+              <a:defRPr sz="3000">
+                <a:solidFill>
+                  <a:schemeClr val="dk2"/>
+                </a:solidFill>
+                <a:latin typeface="Source Sans Pro"/>
+                <a:ea typeface="Source Sans Pro"/>
+                <a:cs typeface="Source Sans Pro"/>
+                <a:sym typeface="Source Sans Pro"/>
+              </a:defRPr>
+            </a:lvl4pPr>
+            <a:lvl5pPr lvl="4" rtl="0">
+              <a:spcBef>
+                <a:spcPts val="0"/>
+              </a:spcBef>
+              <a:buClr>
+                <a:schemeClr val="dk2"/>
+              </a:buClr>
+              <a:buSzPct val="100000"/>
+              <a:buFont typeface="Source Sans Pro"/>
+              <a:buNone/>
+              <a:defRPr sz="3000">
+                <a:solidFill>
+                  <a:schemeClr val="dk2"/>
+                </a:solidFill>
+                <a:latin typeface="Source Sans Pro"/>
+                <a:ea typeface="Source Sans Pro"/>
+                <a:cs typeface="Source Sans Pro"/>
+                <a:sym typeface="Source Sans Pro"/>
+              </a:defRPr>
+            </a:lvl5pPr>
+            <a:lvl6pPr lvl="5" rtl="0">
+              <a:spcBef>
+                <a:spcPts val="0"/>
+              </a:spcBef>
+              <a:buClr>
+                <a:schemeClr val="dk2"/>
+              </a:buClr>
+              <a:buSzPct val="100000"/>
+              <a:buFont typeface="Source Sans Pro"/>
+              <a:buNone/>
+              <a:defRPr sz="3000">
+                <a:solidFill>
+                  <a:schemeClr val="dk2"/>
+                </a:solidFill>
+                <a:latin typeface="Source Sans Pro"/>
+                <a:ea typeface="Source Sans Pro"/>
+                <a:cs typeface="Source Sans Pro"/>
+                <a:sym typeface="Source Sans Pro"/>
+              </a:defRPr>
+            </a:lvl6pPr>
+            <a:lvl7pPr lvl="6" rtl="0">
+              <a:spcBef>
+                <a:spcPts val="0"/>
+              </a:spcBef>
+              <a:buClr>
+                <a:schemeClr val="dk2"/>
+              </a:buClr>
+              <a:buSzPct val="100000"/>
+              <a:buFont typeface="Source Sans Pro"/>
+              <a:buNone/>
+              <a:defRPr sz="3000">
+                <a:solidFill>
+                  <a:schemeClr val="dk2"/>
+                </a:solidFill>
+                <a:latin typeface="Source Sans Pro"/>
+                <a:ea typeface="Source Sans Pro"/>
+                <a:cs typeface="Source Sans Pro"/>
+                <a:sym typeface="Source Sans Pro"/>
+              </a:defRPr>
+            </a:lvl7pPr>
+            <a:lvl8pPr lvl="7" rtl="0">
+              <a:spcBef>
+                <a:spcPts val="0"/>
+              </a:spcBef>
+              <a:buClr>
+                <a:schemeClr val="dk2"/>
+              </a:buClr>
+              <a:buSzPct val="100000"/>
+              <a:buFont typeface="Source Sans Pro"/>
+              <a:buNone/>
+              <a:defRPr sz="3000">
+                <a:solidFill>
+                  <a:schemeClr val="dk2"/>
+                </a:solidFill>
+                <a:latin typeface="Source Sans Pro"/>
+                <a:ea typeface="Source Sans Pro"/>
+                <a:cs typeface="Source Sans Pro"/>
+                <a:sym typeface="Source Sans Pro"/>
+              </a:defRPr>
+            </a:lvl8pPr>
+            <a:lvl9pPr lvl="8" rtl="0">
+              <a:spcBef>
+                <a:spcPts val="0"/>
+              </a:spcBef>
+              <a:buClr>
+                <a:schemeClr val="dk2"/>
+              </a:buClr>
+              <a:buSzPct val="100000"/>
+              <a:buFont typeface="Source Sans Pro"/>
+              <a:buNone/>
+              <a:defRPr sz="3000">
+                <a:solidFill>
+                  <a:schemeClr val="dk2"/>
+                </a:solidFill>
+                <a:latin typeface="Source Sans Pro"/>
+                <a:ea typeface="Source Sans Pro"/>
+                <a:cs typeface="Source Sans Pro"/>
+                <a:sym typeface="Source Sans Pro"/>
+              </a:defRPr>
+            </a:lvl9pPr>
+          </a:lstStyle>
+          <a:p>
+            <a:endParaRPr/>
+          </a:p>
+        </p:txBody>
+      </p:sp>
+    </p:spTree>
+  </p:cSld>
+  <p:clrMapOvr>
+    <a:masterClrMapping/>
+  </p:clrMapOvr>
+</p:sldLayout>
+</file>
+
+<file path=ppt/slideLayouts/slideLayout13.xml><?xml version="1.0" encoding="utf-8"?>
+<p:sldLayout xmlns:a="http://schemas.openxmlformats.org/drawingml/2006/main" xmlns:r="http://schemas.openxmlformats.org/officeDocument/2006/relationships" xmlns:p="http://schemas.openxmlformats.org/presentationml/2006/main">
+  <p:cSld name="List - Blue">
+    <p:spTree>
+      <p:nvGrpSpPr>
+        <p:cNvPr id="1" name="Shape 47"/>
+        <p:cNvGrpSpPr/>
+        <p:nvPr/>
+      </p:nvGrpSpPr>
+      <p:grpSpPr>
+        <a:xfrm>
+          <a:off x="0" y="0"/>
+          <a:ext cx="0" cy="0"/>
+          <a:chOff x="0" y="0"/>
+          <a:chExt cx="0" cy="0"/>
+        </a:xfrm>
+      </p:grpSpPr>
+      <p:sp>
+        <p:nvSpPr>
+          <p:cNvPr id="48" name="Shape 48"/>
+          <p:cNvSpPr/>
+          <p:nvPr/>
+        </p:nvSpPr>
+        <p:spPr>
+          <a:xfrm>
+            <a:off x="0" y="0"/>
+            <a:ext cx="9144000" cy="1533299"/>
+          </a:xfrm>
+          <a:prstGeom prst="rect">
+            <a:avLst/>
+          </a:prstGeom>
+          <a:solidFill>
+            <a:srgbClr val="3D85C6"/>
+          </a:solidFill>
+          <a:ln>
+            <a:noFill/>
+          </a:ln>
+        </p:spPr>
+        <p:txBody>
+          <a:bodyPr lIns="91425" tIns="45700" rIns="91425" bIns="45700" anchor="ctr" anchorCtr="0">
+            <a:noAutofit/>
+          </a:bodyPr>
+          <a:lstStyle/>
+          <a:p>
+            <a:pPr lvl="0">
+              <a:spcBef>
+                <a:spcPts val="0"/>
+              </a:spcBef>
+              <a:buNone/>
+            </a:pPr>
+            <a:endParaRPr/>
+          </a:p>
+        </p:txBody>
+      </p:sp>
+      <p:cxnSp>
+        <p:nvCxnSpPr>
+          <p:cNvPr id="49" name="Shape 49"/>
+          <p:cNvCxnSpPr/>
+          <p:nvPr/>
+        </p:nvCxnSpPr>
+        <p:spPr>
+          <a:xfrm>
+            <a:off x="0" y="1503833"/>
+            <a:ext cx="9144000" cy="0"/>
+          </a:xfrm>
+          <a:prstGeom prst="straightConnector1">
+            <a:avLst/>
+          </a:prstGeom>
+          <a:noFill/>
+          <a:ln w="57150" cap="flat" cmpd="sng">
+            <a:solidFill>
+              <a:srgbClr val="000000">
+                <a:alpha val="14900"/>
+              </a:srgbClr>
+            </a:solidFill>
+            <a:prstDash val="solid"/>
+            <a:round/>
+            <a:headEnd type="none" w="med" len="med"/>
+            <a:tailEnd type="none" w="med" len="med"/>
+          </a:ln>
+        </p:spPr>
+      </p:cxnSp>
+      <p:sp>
+        <p:nvSpPr>
+          <p:cNvPr id="50" name="Shape 50"/>
+          <p:cNvSpPr txBox="1">
+            <a:spLocks noGrp="1"/>
+          </p:cNvSpPr>
+          <p:nvPr>
+            <p:ph type="title"/>
+          </p:nvPr>
+        </p:nvSpPr>
+        <p:spPr>
+          <a:xfrm>
+            <a:off x="457200" y="274637"/>
+            <a:ext cx="8229600" cy="1143299"/>
+          </a:xfrm>
+          <a:prstGeom prst="rect">
+            <a:avLst/>
+          </a:prstGeom>
+        </p:spPr>
+        <p:txBody>
+          <a:bodyPr lIns="91425" tIns="91425" rIns="91425" bIns="91425" anchor="b" anchorCtr="0"/>
+          <a:lstStyle>
+            <a:lvl1pPr lvl="0" rtl="0">
+              <a:spcBef>
+                <a:spcPts val="0"/>
+              </a:spcBef>
+              <a:buSzPct val="100000"/>
+              <a:buFont typeface="Dosis"/>
+              <a:defRPr sz="4800">
+                <a:latin typeface="Dosis"/>
+                <a:ea typeface="Dosis"/>
+                <a:cs typeface="Dosis"/>
+                <a:sym typeface="Dosis"/>
+              </a:defRPr>
+            </a:lvl1pPr>
+            <a:lvl2pPr lvl="1" rtl="0">
+              <a:spcBef>
+                <a:spcPts val="0"/>
+              </a:spcBef>
+              <a:buSzPct val="100000"/>
+              <a:defRPr sz="4800"/>
+            </a:lvl2pPr>
+            <a:lvl3pPr lvl="2" rtl="0">
+              <a:spcBef>
+                <a:spcPts val="0"/>
+              </a:spcBef>
+              <a:buSzPct val="100000"/>
+              <a:defRPr sz="4800"/>
+            </a:lvl3pPr>
+            <a:lvl4pPr lvl="3" rtl="0">
+              <a:spcBef>
+                <a:spcPts val="0"/>
+              </a:spcBef>
+              <a:buSzPct val="100000"/>
+              <a:defRPr sz="4800"/>
+            </a:lvl4pPr>
+            <a:lvl5pPr lvl="4" rtl="0">
+              <a:spcBef>
+                <a:spcPts val="0"/>
+              </a:spcBef>
+              <a:buSzPct val="100000"/>
+              <a:defRPr sz="4800"/>
+            </a:lvl5pPr>
+            <a:lvl6pPr lvl="5" rtl="0">
+              <a:spcBef>
+                <a:spcPts val="0"/>
+              </a:spcBef>
+              <a:buSzPct val="100000"/>
+              <a:defRPr sz="4800"/>
+            </a:lvl6pPr>
+            <a:lvl7pPr lvl="6" rtl="0">
+              <a:spcBef>
+                <a:spcPts val="0"/>
+              </a:spcBef>
+              <a:buSzPct val="100000"/>
+              <a:defRPr sz="4800"/>
+            </a:lvl7pPr>
+            <a:lvl8pPr lvl="7" rtl="0">
+              <a:spcBef>
+                <a:spcPts val="0"/>
+              </a:spcBef>
+              <a:buSzPct val="100000"/>
+              <a:defRPr sz="4800"/>
+            </a:lvl8pPr>
+            <a:lvl9pPr lvl="8" rtl="0">
+              <a:spcBef>
+                <a:spcPts val="0"/>
+              </a:spcBef>
+              <a:buSzPct val="100000"/>
+              <a:defRPr sz="4800"/>
+            </a:lvl9pPr>
+          </a:lstStyle>
+          <a:p>
+            <a:endParaRPr/>
+          </a:p>
+        </p:txBody>
+      </p:sp>
+      <p:sp>
+        <p:nvSpPr>
+          <p:cNvPr id="51" name="Shape 51"/>
+          <p:cNvSpPr txBox="1">
+            <a:spLocks noGrp="1"/>
+          </p:cNvSpPr>
+          <p:nvPr>
+            <p:ph type="body" idx="1"/>
+          </p:nvPr>
+        </p:nvSpPr>
+        <p:spPr>
+          <a:xfrm>
+            <a:off x="457200" y="1600200"/>
+            <a:ext cx="8229600" cy="4967700"/>
+          </a:xfrm>
+          <a:prstGeom prst="rect">
+            <a:avLst/>
+          </a:prstGeom>
+        </p:spPr>
+        <p:txBody>
+          <a:bodyPr lIns="91425" tIns="91425" rIns="91425" bIns="91425" anchor="t" anchorCtr="0"/>
+          <a:lstStyle>
+            <a:lvl1pPr lvl="0" rtl="0">
+              <a:lnSpc>
+                <a:spcPct val="115000"/>
+              </a:lnSpc>
+              <a:spcBef>
+                <a:spcPts val="0"/>
+              </a:spcBef>
+              <a:defRPr/>
+            </a:lvl1pPr>
+            <a:lvl2pPr lvl="1" rtl="0">
+              <a:lnSpc>
+                <a:spcPct val="115000"/>
+              </a:lnSpc>
+              <a:spcBef>
+                <a:spcPts val="0"/>
+              </a:spcBef>
+              <a:defRPr/>
+            </a:lvl2pPr>
+            <a:lvl3pPr lvl="2" rtl="0">
+              <a:lnSpc>
+                <a:spcPct val="115000"/>
+              </a:lnSpc>
+              <a:spcBef>
+                <a:spcPts val="0"/>
+              </a:spcBef>
+              <a:defRPr/>
+            </a:lvl3pPr>
+            <a:lvl4pPr lvl="3" rtl="0">
+              <a:lnSpc>
+                <a:spcPct val="115000"/>
+              </a:lnSpc>
+              <a:spcBef>
+                <a:spcPts val="0"/>
+              </a:spcBef>
+              <a:defRPr/>
+            </a:lvl4pPr>
+            <a:lvl5pPr lvl="4" rtl="0">
+              <a:lnSpc>
+                <a:spcPct val="115000"/>
+              </a:lnSpc>
+              <a:spcBef>
+                <a:spcPts val="0"/>
+              </a:spcBef>
+              <a:defRPr/>
+            </a:lvl5pPr>
+            <a:lvl6pPr lvl="5" rtl="0">
+              <a:lnSpc>
+                <a:spcPct val="115000"/>
+              </a:lnSpc>
+              <a:spcBef>
+                <a:spcPts val="0"/>
+              </a:spcBef>
+              <a:defRPr/>
+            </a:lvl6pPr>
+            <a:lvl7pPr lvl="6" rtl="0">
+              <a:lnSpc>
+                <a:spcPct val="115000"/>
+              </a:lnSpc>
+              <a:spcBef>
+                <a:spcPts val="0"/>
+              </a:spcBef>
+              <a:defRPr/>
+            </a:lvl7pPr>
+            <a:lvl8pPr lvl="7" rtl="0">
+              <a:lnSpc>
+                <a:spcPct val="115000"/>
+              </a:lnSpc>
+              <a:spcBef>
+                <a:spcPts val="0"/>
+              </a:spcBef>
+              <a:defRPr/>
+            </a:lvl8pPr>
+            <a:lvl9pPr lvl="8" rtl="0">
+              <a:lnSpc>
+                <a:spcPct val="115000"/>
+              </a:lnSpc>
+              <a:spcBef>
+                <a:spcPts val="0"/>
+              </a:spcBef>
+              <a:defRPr/>
+            </a:lvl9pPr>
+          </a:lstStyle>
+          <a:p>
+            <a:endParaRPr/>
+          </a:p>
+        </p:txBody>
+      </p:sp>
+    </p:spTree>
+  </p:cSld>
+  <p:clrMapOvr>
+    <a:masterClrMapping/>
+  </p:clrMapOvr>
+</p:sldLayout>
+</file>
+
+<file path=ppt/slideLayouts/slideLayout14.xml><?xml version="1.0" encoding="utf-8"?>
+<p:sldLayout xmlns:a="http://schemas.openxmlformats.org/drawingml/2006/main" xmlns:r="http://schemas.openxmlformats.org/officeDocument/2006/relationships" xmlns:p="http://schemas.openxmlformats.org/presentationml/2006/main">
+  <p:cSld name="Full - Purple">
+    <p:bg>
+      <p:bgPr>
+        <a:solidFill>
+          <a:srgbClr val="674EA7"/>
+        </a:solidFill>
+        <a:effectLst/>
+      </p:bgPr>
+    </p:bg>
+    <p:spTree>
+      <p:nvGrpSpPr>
+        <p:cNvPr id="1" name="Shape 52"/>
+        <p:cNvGrpSpPr/>
+        <p:nvPr/>
+      </p:nvGrpSpPr>
+      <p:grpSpPr>
+        <a:xfrm>
+          <a:off x="0" y="0"/>
+          <a:ext cx="0" cy="0"/>
+          <a:chOff x="0" y="0"/>
+          <a:chExt cx="0" cy="0"/>
+        </a:xfrm>
+      </p:grpSpPr>
+      <p:sp>
+        <p:nvSpPr>
+          <p:cNvPr id="53" name="Shape 53"/>
+          <p:cNvSpPr txBox="1">
+            <a:spLocks noGrp="1"/>
+          </p:cNvSpPr>
+          <p:nvPr>
+            <p:ph type="title"/>
+          </p:nvPr>
+        </p:nvSpPr>
+        <p:spPr>
+          <a:xfrm>
+            <a:off x="457200" y="49"/>
+            <a:ext cx="8229600" cy="6858000"/>
+          </a:xfrm>
+          <a:prstGeom prst="rect">
+            <a:avLst/>
+          </a:prstGeom>
+        </p:spPr>
+        <p:txBody>
+          <a:bodyPr lIns="91425" tIns="91425" rIns="91425" bIns="91425" anchor="ctr" anchorCtr="0"/>
+          <a:lstStyle>
+            <a:lvl1pPr lvl="0" rtl="0">
+              <a:spcBef>
+                <a:spcPts val="0"/>
+              </a:spcBef>
+              <a:buSzPct val="100000"/>
+              <a:buFont typeface="Dosis"/>
+              <a:defRPr sz="4800">
+                <a:latin typeface="Dosis"/>
+                <a:ea typeface="Dosis"/>
+                <a:cs typeface="Dosis"/>
+                <a:sym typeface="Dosis"/>
+              </a:defRPr>
+            </a:lvl1pPr>
+            <a:lvl2pPr lvl="1" algn="ctr" rtl="0">
+              <a:spcBef>
+                <a:spcPts val="0"/>
+              </a:spcBef>
+              <a:buSzPct val="100000"/>
+              <a:defRPr sz="4800"/>
+            </a:lvl2pPr>
+            <a:lvl3pPr lvl="2" algn="ctr" rtl="0">
+              <a:spcBef>
+                <a:spcPts val="0"/>
+              </a:spcBef>
+              <a:buSzPct val="100000"/>
+              <a:defRPr sz="4800"/>
+            </a:lvl3pPr>
+            <a:lvl4pPr lvl="3" algn="ctr" rtl="0">
+              <a:spcBef>
+                <a:spcPts val="0"/>
+              </a:spcBef>
+              <a:buSzPct val="100000"/>
+              <a:defRPr sz="4800"/>
+            </a:lvl4pPr>
+            <a:lvl5pPr lvl="4" algn="ctr" rtl="0">
+              <a:spcBef>
+                <a:spcPts val="0"/>
+              </a:spcBef>
+              <a:buSzPct val="100000"/>
+              <a:defRPr sz="4800"/>
+            </a:lvl5pPr>
+            <a:lvl6pPr lvl="5" algn="ctr" rtl="0">
+              <a:spcBef>
+                <a:spcPts val="0"/>
+              </a:spcBef>
+              <a:buSzPct val="100000"/>
+              <a:defRPr sz="4800"/>
+            </a:lvl6pPr>
+            <a:lvl7pPr lvl="6" algn="ctr" rtl="0">
+              <a:spcBef>
+                <a:spcPts val="0"/>
+              </a:spcBef>
+              <a:buSzPct val="100000"/>
+              <a:defRPr sz="4800"/>
+            </a:lvl7pPr>
+            <a:lvl8pPr lvl="7" algn="ctr" rtl="0">
+              <a:spcBef>
+                <a:spcPts val="0"/>
+              </a:spcBef>
+              <a:buSzPct val="100000"/>
+              <a:defRPr sz="4800"/>
+            </a:lvl8pPr>
+            <a:lvl9pPr lvl="8" algn="ctr" rtl="0">
+              <a:spcBef>
+                <a:spcPts val="0"/>
+              </a:spcBef>
+              <a:buSzPct val="100000"/>
+              <a:defRPr sz="4800"/>
+            </a:lvl9pPr>
+          </a:lstStyle>
+          <a:p>
+            <a:endParaRPr/>
+          </a:p>
+        </p:txBody>
+      </p:sp>
+    </p:spTree>
+  </p:cSld>
+  <p:clrMapOvr>
+    <a:masterClrMapping/>
+  </p:clrMapOvr>
+</p:sldLayout>
+</file>
+
+<file path=ppt/slideLayouts/slideLayout15.xml><?xml version="1.0" encoding="utf-8"?>
+<p:sldLayout xmlns:a="http://schemas.openxmlformats.org/drawingml/2006/main" xmlns:r="http://schemas.openxmlformats.org/officeDocument/2006/relationships" xmlns:p="http://schemas.openxmlformats.org/presentationml/2006/main">
+  <p:cSld name="Feature - Purple">
+    <p:spTree>
+      <p:nvGrpSpPr>
+        <p:cNvPr id="1" name="Shape 54"/>
+        <p:cNvGrpSpPr/>
+        <p:nvPr/>
+      </p:nvGrpSpPr>
+      <p:grpSpPr>
+        <a:xfrm>
+          <a:off x="0" y="0"/>
+          <a:ext cx="0" cy="0"/>
+          <a:chOff x="0" y="0"/>
+          <a:chExt cx="0" cy="0"/>
+        </a:xfrm>
+      </p:grpSpPr>
+      <p:sp>
+        <p:nvSpPr>
+          <p:cNvPr id="55" name="Shape 55"/>
+          <p:cNvSpPr/>
+          <p:nvPr/>
+        </p:nvSpPr>
+        <p:spPr>
+          <a:xfrm>
+            <a:off x="0" y="0"/>
+            <a:ext cx="9144000" cy="5478299"/>
+          </a:xfrm>
+          <a:prstGeom prst="rect">
+            <a:avLst/>
+          </a:prstGeom>
+          <a:solidFill>
+            <a:srgbClr val="674EA7"/>
+          </a:solidFill>
+          <a:ln>
+            <a:noFill/>
+          </a:ln>
+        </p:spPr>
+        <p:txBody>
+          <a:bodyPr lIns="91425" tIns="45700" rIns="91425" bIns="45700" anchor="ctr" anchorCtr="0">
+            <a:noAutofit/>
+          </a:bodyPr>
+          <a:lstStyle/>
+          <a:p>
+            <a:pPr lvl="0" rtl="0">
+              <a:spcBef>
+                <a:spcPts val="0"/>
+              </a:spcBef>
+              <a:buNone/>
+            </a:pPr>
+            <a:endParaRPr/>
+          </a:p>
+        </p:txBody>
+      </p:sp>
+      <p:cxnSp>
+        <p:nvCxnSpPr>
+          <p:cNvPr id="56" name="Shape 56"/>
+          <p:cNvCxnSpPr/>
+          <p:nvPr/>
+        </p:nvCxnSpPr>
+        <p:spPr>
+          <a:xfrm>
+            <a:off x="0" y="5424139"/>
+            <a:ext cx="9144000" cy="0"/>
+          </a:xfrm>
+          <a:prstGeom prst="straightConnector1">
+            <a:avLst/>
+          </a:prstGeom>
+          <a:noFill/>
+          <a:ln w="57150" cap="flat" cmpd="sng">
+            <a:solidFill>
+              <a:srgbClr val="000000">
+                <a:alpha val="14900"/>
+              </a:srgbClr>
+            </a:solidFill>
+            <a:prstDash val="solid"/>
+            <a:round/>
+            <a:headEnd type="none" w="med" len="med"/>
+            <a:tailEnd type="none" w="med" len="med"/>
+          </a:ln>
+        </p:spPr>
+      </p:cxnSp>
+      <p:sp>
+        <p:nvSpPr>
+          <p:cNvPr id="57" name="Shape 57"/>
+          <p:cNvSpPr txBox="1">
+            <a:spLocks noGrp="1"/>
+          </p:cNvSpPr>
+          <p:nvPr>
+            <p:ph type="subTitle" idx="1"/>
+          </p:nvPr>
+        </p:nvSpPr>
+        <p:spPr>
+          <a:xfrm>
+            <a:off x="685800" y="5742126"/>
+            <a:ext cx="7772400" cy="904499"/>
+          </a:xfrm>
+          <a:prstGeom prst="rect">
+            <a:avLst/>
+          </a:prstGeom>
+        </p:spPr>
+        <p:txBody>
+          <a:bodyPr lIns="91425" tIns="91425" rIns="91425" bIns="91425" anchor="t" anchorCtr="0"/>
+          <a:lstStyle>
+            <a:lvl1pPr lvl="0" algn="ctr" rtl="0">
+              <a:spcBef>
+                <a:spcPts val="0"/>
+              </a:spcBef>
+              <a:buClr>
+                <a:srgbClr val="666666"/>
+              </a:buClr>
+              <a:buSzPct val="100000"/>
+              <a:buFont typeface="Dosis"/>
+              <a:buNone/>
+              <a:defRPr sz="3600">
+                <a:solidFill>
+                  <a:srgbClr val="666666"/>
+                </a:solidFill>
+                <a:latin typeface="Dosis"/>
+                <a:ea typeface="Dosis"/>
+                <a:cs typeface="Dosis"/>
+                <a:sym typeface="Dosis"/>
+              </a:defRPr>
+            </a:lvl1pPr>
+            <a:lvl2pPr lvl="1" rtl="0">
+              <a:spcBef>
+                <a:spcPts val="0"/>
+              </a:spcBef>
+              <a:buClr>
+                <a:schemeClr val="dk2"/>
+              </a:buClr>
+              <a:buSzPct val="100000"/>
+              <a:buFont typeface="Source Sans Pro"/>
+              <a:buNone/>
+              <a:defRPr sz="3000">
+                <a:solidFill>
+                  <a:schemeClr val="dk2"/>
+                </a:solidFill>
+                <a:latin typeface="Source Sans Pro"/>
+                <a:ea typeface="Source Sans Pro"/>
+                <a:cs typeface="Source Sans Pro"/>
+                <a:sym typeface="Source Sans Pro"/>
+              </a:defRPr>
+            </a:lvl2pPr>
+            <a:lvl3pPr lvl="2" rtl="0">
+              <a:spcBef>
+                <a:spcPts val="0"/>
+              </a:spcBef>
+              <a:buClr>
+                <a:schemeClr val="dk2"/>
+              </a:buClr>
+              <a:buSzPct val="100000"/>
+              <a:buFont typeface="Source Sans Pro"/>
+              <a:buNone/>
+              <a:defRPr sz="3000">
+                <a:solidFill>
+                  <a:schemeClr val="dk2"/>
+                </a:solidFill>
+                <a:latin typeface="Source Sans Pro"/>
+                <a:ea typeface="Source Sans Pro"/>
+                <a:cs typeface="Source Sans Pro"/>
+                <a:sym typeface="Source Sans Pro"/>
+              </a:defRPr>
+            </a:lvl3pPr>
+            <a:lvl4pPr lvl="3" rtl="0">
+              <a:spcBef>
+                <a:spcPts val="0"/>
+              </a:spcBef>
+              <a:buClr>
+                <a:schemeClr val="dk2"/>
+              </a:buClr>
+              <a:buSzPct val="100000"/>
+              <a:buFont typeface="Source Sans Pro"/>
+              <a:buNone/>
+              <a:defRPr sz="3000">
+                <a:solidFill>
+                  <a:schemeClr val="dk2"/>
+                </a:solidFill>
+                <a:latin typeface="Source Sans Pro"/>
+                <a:ea typeface="Source Sans Pro"/>
+                <a:cs typeface="Source Sans Pro"/>
+                <a:sym typeface="Source Sans Pro"/>
+              </a:defRPr>
+            </a:lvl4pPr>
+            <a:lvl5pPr lvl="4" rtl="0">
+              <a:spcBef>
+                <a:spcPts val="0"/>
+              </a:spcBef>
+              <a:buClr>
+                <a:schemeClr val="dk2"/>
+              </a:buClr>
+              <a:buSzPct val="100000"/>
+              <a:buFont typeface="Source Sans Pro"/>
+              <a:buNone/>
+              <a:defRPr sz="3000">
+                <a:solidFill>
+                  <a:schemeClr val="dk2"/>
+                </a:solidFill>
+                <a:latin typeface="Source Sans Pro"/>
+                <a:ea typeface="Source Sans Pro"/>
+                <a:cs typeface="Source Sans Pro"/>
+                <a:sym typeface="Source Sans Pro"/>
+              </a:defRPr>
+            </a:lvl5pPr>
+            <a:lvl6pPr lvl="5" rtl="0">
+              <a:spcBef>
+                <a:spcPts val="0"/>
+              </a:spcBef>
+              <a:buClr>
+                <a:schemeClr val="dk2"/>
+              </a:buClr>
+              <a:buSzPct val="100000"/>
+              <a:buFont typeface="Source Sans Pro"/>
+              <a:buNone/>
+              <a:defRPr sz="3000">
+                <a:solidFill>
+                  <a:schemeClr val="dk2"/>
+                </a:solidFill>
+                <a:latin typeface="Source Sans Pro"/>
+                <a:ea typeface="Source Sans Pro"/>
+                <a:cs typeface="Source Sans Pro"/>
+                <a:sym typeface="Source Sans Pro"/>
+              </a:defRPr>
+            </a:lvl6pPr>
+            <a:lvl7pPr lvl="6" rtl="0">
+              <a:spcBef>
+                <a:spcPts val="0"/>
+              </a:spcBef>
+              <a:buClr>
+                <a:schemeClr val="dk2"/>
+              </a:buClr>
+              <a:buSzPct val="100000"/>
+              <a:buFont typeface="Source Sans Pro"/>
+              <a:buNone/>
+              <a:defRPr sz="3000">
+                <a:solidFill>
+                  <a:schemeClr val="dk2"/>
+                </a:solidFill>
+                <a:latin typeface="Source Sans Pro"/>
+                <a:ea typeface="Source Sans Pro"/>
+                <a:cs typeface="Source Sans Pro"/>
+                <a:sym typeface="Source Sans Pro"/>
+              </a:defRPr>
+            </a:lvl7pPr>
+            <a:lvl8pPr lvl="7" rtl="0">
+              <a:spcBef>
+                <a:spcPts val="0"/>
+              </a:spcBef>
+              <a:buClr>
+                <a:schemeClr val="dk2"/>
+              </a:buClr>
+              <a:buSzPct val="100000"/>
+              <a:buFont typeface="Source Sans Pro"/>
+              <a:buNone/>
+              <a:defRPr sz="3000">
+                <a:solidFill>
+                  <a:schemeClr val="dk2"/>
+                </a:solidFill>
+                <a:latin typeface="Source Sans Pro"/>
+                <a:ea typeface="Source Sans Pro"/>
+                <a:cs typeface="Source Sans Pro"/>
+                <a:sym typeface="Source Sans Pro"/>
+              </a:defRPr>
+            </a:lvl8pPr>
+            <a:lvl9pPr lvl="8" rtl="0">
+              <a:spcBef>
+                <a:spcPts val="0"/>
+              </a:spcBef>
+              <a:buClr>
+                <a:schemeClr val="dk2"/>
+              </a:buClr>
+              <a:buSzPct val="100000"/>
+              <a:buFont typeface="Source Sans Pro"/>
+              <a:buNone/>
+              <a:defRPr sz="3000">
+                <a:solidFill>
+                  <a:schemeClr val="dk2"/>
+                </a:solidFill>
+                <a:latin typeface="Source Sans Pro"/>
+                <a:ea typeface="Source Sans Pro"/>
+                <a:cs typeface="Source Sans Pro"/>
+                <a:sym typeface="Source Sans Pro"/>
+              </a:defRPr>
+            </a:lvl9pPr>
+          </a:lstStyle>
+          <a:p>
+            <a:endParaRPr/>
+          </a:p>
+        </p:txBody>
+      </p:sp>
+    </p:spTree>
+  </p:cSld>
+  <p:clrMapOvr>
+    <a:masterClrMapping/>
+  </p:clrMapOvr>
+</p:sldLayout>
+</file>
+
+<file path=ppt/slideLayouts/slideLayout16.xml><?xml version="1.0" encoding="utf-8"?>
+<p:sldLayout xmlns:a="http://schemas.openxmlformats.org/drawingml/2006/main" xmlns:r="http://schemas.openxmlformats.org/officeDocument/2006/relationships" xmlns:p="http://schemas.openxmlformats.org/presentationml/2006/main">
+  <p:cSld name="List - Purple">
+    <p:spTree>
+      <p:nvGrpSpPr>
+        <p:cNvPr id="1" name="Shape 58"/>
+        <p:cNvGrpSpPr/>
+        <p:nvPr/>
+      </p:nvGrpSpPr>
+      <p:grpSpPr>
+        <a:xfrm>
+          <a:off x="0" y="0"/>
+          <a:ext cx="0" cy="0"/>
+          <a:chOff x="0" y="0"/>
+          <a:chExt cx="0" cy="0"/>
+        </a:xfrm>
+      </p:grpSpPr>
+      <p:sp>
+        <p:nvSpPr>
+          <p:cNvPr id="59" name="Shape 59"/>
+          <p:cNvSpPr/>
+          <p:nvPr/>
+        </p:nvSpPr>
+        <p:spPr>
+          <a:xfrm>
+            <a:off x="0" y="0"/>
+            <a:ext cx="9144000" cy="1533299"/>
+          </a:xfrm>
+          <a:prstGeom prst="rect">
+            <a:avLst/>
+          </a:prstGeom>
+          <a:solidFill>
+            <a:srgbClr val="674EA7"/>
+          </a:solidFill>
+          <a:ln>
+            <a:noFill/>
+          </a:ln>
+        </p:spPr>
+        <p:txBody>
+          <a:bodyPr lIns="91425" tIns="45700" rIns="91425" bIns="45700" anchor="ctr" anchorCtr="0">
+            <a:noAutofit/>
+          </a:bodyPr>
+          <a:lstStyle/>
+          <a:p>
+            <a:pPr lvl="0">
+              <a:spcBef>
+                <a:spcPts val="0"/>
+              </a:spcBef>
+              <a:buNone/>
+            </a:pPr>
+            <a:endParaRPr/>
+          </a:p>
+        </p:txBody>
+      </p:sp>
+      <p:cxnSp>
+        <p:nvCxnSpPr>
+          <p:cNvPr id="60" name="Shape 60"/>
+          <p:cNvCxnSpPr/>
+          <p:nvPr/>
+        </p:nvCxnSpPr>
+        <p:spPr>
+          <a:xfrm>
+            <a:off x="0" y="1503833"/>
+            <a:ext cx="9144000" cy="0"/>
+          </a:xfrm>
+          <a:prstGeom prst="straightConnector1">
+            <a:avLst/>
+          </a:prstGeom>
+          <a:noFill/>
+          <a:ln w="57150" cap="flat" cmpd="sng">
+            <a:solidFill>
+              <a:srgbClr val="000000">
+                <a:alpha val="14900"/>
+              </a:srgbClr>
+            </a:solidFill>
+            <a:prstDash val="solid"/>
+            <a:round/>
+            <a:headEnd type="none" w="med" len="med"/>
+            <a:tailEnd type="none" w="med" len="med"/>
+          </a:ln>
+        </p:spPr>
+      </p:cxnSp>
+      <p:sp>
+        <p:nvSpPr>
+          <p:cNvPr id="61" name="Shape 61"/>
+          <p:cNvSpPr txBox="1">
+            <a:spLocks noGrp="1"/>
+          </p:cNvSpPr>
+          <p:nvPr>
+            <p:ph type="title"/>
+          </p:nvPr>
+        </p:nvSpPr>
+        <p:spPr>
+          <a:xfrm>
+            <a:off x="457200" y="274637"/>
+            <a:ext cx="8229600" cy="1143299"/>
+          </a:xfrm>
+          <a:prstGeom prst="rect">
+            <a:avLst/>
+          </a:prstGeom>
+        </p:spPr>
+        <p:txBody>
+          <a:bodyPr lIns="91425" tIns="91425" rIns="91425" bIns="91425" anchor="b" anchorCtr="0"/>
+          <a:lstStyle>
+            <a:lvl1pPr lvl="0" rtl="0">
+              <a:spcBef>
+                <a:spcPts val="0"/>
+              </a:spcBef>
+              <a:buSzPct val="100000"/>
+              <a:buFont typeface="Dosis"/>
+              <a:defRPr sz="4800">
+                <a:latin typeface="Dosis"/>
+                <a:ea typeface="Dosis"/>
+                <a:cs typeface="Dosis"/>
+                <a:sym typeface="Dosis"/>
+              </a:defRPr>
+            </a:lvl1pPr>
+            <a:lvl2pPr lvl="1" rtl="0">
+              <a:spcBef>
+                <a:spcPts val="0"/>
+              </a:spcBef>
+              <a:buSzPct val="100000"/>
+              <a:defRPr sz="4800"/>
+            </a:lvl2pPr>
+            <a:lvl3pPr lvl="2" rtl="0">
+              <a:spcBef>
+                <a:spcPts val="0"/>
+              </a:spcBef>
+              <a:buSzPct val="100000"/>
+              <a:defRPr sz="4800"/>
+            </a:lvl3pPr>
+            <a:lvl4pPr lvl="3" rtl="0">
+              <a:spcBef>
+                <a:spcPts val="0"/>
+              </a:spcBef>
+              <a:buSzPct val="100000"/>
+              <a:defRPr sz="4800"/>
+            </a:lvl4pPr>
+            <a:lvl5pPr lvl="4" rtl="0">
+              <a:spcBef>
+                <a:spcPts val="0"/>
+              </a:spcBef>
+              <a:buSzPct val="100000"/>
+              <a:defRPr sz="4800"/>
+            </a:lvl5pPr>
+            <a:lvl6pPr lvl="5" rtl="0">
+              <a:spcBef>
+                <a:spcPts val="0"/>
+              </a:spcBef>
+              <a:buSzPct val="100000"/>
+              <a:defRPr sz="4800"/>
+            </a:lvl6pPr>
+            <a:lvl7pPr lvl="6" rtl="0">
+              <a:spcBef>
+                <a:spcPts val="0"/>
+              </a:spcBef>
+              <a:buSzPct val="100000"/>
+              <a:defRPr sz="4800"/>
+            </a:lvl7pPr>
+            <a:lvl8pPr lvl="7" rtl="0">
+              <a:spcBef>
+                <a:spcPts val="0"/>
+              </a:spcBef>
+              <a:buSzPct val="100000"/>
+              <a:defRPr sz="4800"/>
+            </a:lvl8pPr>
+            <a:lvl9pPr lvl="8" rtl="0">
+              <a:spcBef>
+                <a:spcPts val="0"/>
+              </a:spcBef>
+              <a:buSzPct val="100000"/>
+              <a:defRPr sz="4800"/>
+            </a:lvl9pPr>
+          </a:lstStyle>
+          <a:p>
+            <a:endParaRPr/>
+          </a:p>
+        </p:txBody>
+      </p:sp>
+      <p:sp>
+        <p:nvSpPr>
+          <p:cNvPr id="62" name="Shape 62"/>
+          <p:cNvSpPr txBox="1">
+            <a:spLocks noGrp="1"/>
+          </p:cNvSpPr>
+          <p:nvPr>
+            <p:ph type="body" idx="1"/>
+          </p:nvPr>
+        </p:nvSpPr>
+        <p:spPr>
+          <a:xfrm>
+            <a:off x="457200" y="1600200"/>
+            <a:ext cx="8229600" cy="4967700"/>
+          </a:xfrm>
+          <a:prstGeom prst="rect">
+            <a:avLst/>
+          </a:prstGeom>
+        </p:spPr>
+        <p:txBody>
+          <a:bodyPr lIns="91425" tIns="91425" rIns="91425" bIns="91425" anchor="t" anchorCtr="0"/>
+          <a:lstStyle>
+            <a:lvl1pPr lvl="0" rtl="0">
+              <a:lnSpc>
+                <a:spcPct val="115000"/>
+              </a:lnSpc>
+              <a:spcBef>
+                <a:spcPts val="0"/>
+              </a:spcBef>
+              <a:defRPr/>
+            </a:lvl1pPr>
+            <a:lvl2pPr lvl="1" rtl="0">
+              <a:lnSpc>
+                <a:spcPct val="115000"/>
+              </a:lnSpc>
+              <a:spcBef>
+                <a:spcPts val="0"/>
+              </a:spcBef>
+              <a:defRPr/>
+            </a:lvl2pPr>
+            <a:lvl3pPr lvl="2" rtl="0">
+              <a:lnSpc>
+                <a:spcPct val="115000"/>
+              </a:lnSpc>
+              <a:spcBef>
+                <a:spcPts val="0"/>
+              </a:spcBef>
+              <a:defRPr/>
+            </a:lvl3pPr>
+            <a:lvl4pPr lvl="3" rtl="0">
+              <a:lnSpc>
+                <a:spcPct val="115000"/>
+              </a:lnSpc>
+              <a:spcBef>
+                <a:spcPts val="0"/>
+              </a:spcBef>
+              <a:defRPr/>
+            </a:lvl4pPr>
+            <a:lvl5pPr lvl="4" rtl="0">
+              <a:lnSpc>
+                <a:spcPct val="115000"/>
+              </a:lnSpc>
+              <a:spcBef>
+                <a:spcPts val="0"/>
+              </a:spcBef>
+              <a:defRPr/>
+            </a:lvl5pPr>
+            <a:lvl6pPr lvl="5" rtl="0">
+              <a:lnSpc>
+                <a:spcPct val="115000"/>
+              </a:lnSpc>
+              <a:spcBef>
+                <a:spcPts val="0"/>
+              </a:spcBef>
+              <a:defRPr/>
+            </a:lvl6pPr>
+            <a:lvl7pPr lvl="6" rtl="0">
+              <a:lnSpc>
+                <a:spcPct val="115000"/>
+              </a:lnSpc>
+              <a:spcBef>
+                <a:spcPts val="0"/>
+              </a:spcBef>
+              <a:defRPr/>
+            </a:lvl7pPr>
+            <a:lvl8pPr lvl="7" rtl="0">
+              <a:lnSpc>
+                <a:spcPct val="115000"/>
+              </a:lnSpc>
+              <a:spcBef>
+                <a:spcPts val="0"/>
+              </a:spcBef>
+              <a:defRPr/>
+            </a:lvl8pPr>
+            <a:lvl9pPr lvl="8" rtl="0">
+              <a:lnSpc>
+                <a:spcPct val="115000"/>
+              </a:lnSpc>
+              <a:spcBef>
+                <a:spcPts val="0"/>
+              </a:spcBef>
+              <a:defRPr/>
+            </a:lvl9pPr>
+          </a:lstStyle>
+          <a:p>
+            <a:endParaRPr/>
+          </a:p>
+        </p:txBody>
+      </p:sp>
+    </p:spTree>
+  </p:cSld>
+  <p:clrMapOvr>
+    <a:masterClrMapping/>
+  </p:clrMapOvr>
+</p:sldLayout>
+</file>
+
+<file path=ppt/slideLayouts/slideLayout17.xml><?xml version="1.0" encoding="utf-8"?>
+<p:sldLayout xmlns:a="http://schemas.openxmlformats.org/drawingml/2006/main" xmlns:r="http://schemas.openxmlformats.org/officeDocument/2006/relationships" xmlns:p="http://schemas.openxmlformats.org/presentationml/2006/main">
+  <p:cSld name="Full - Grey">
+    <p:bg>
+      <p:bgPr>
+        <a:solidFill>
+          <a:srgbClr val="666666"/>
+        </a:solidFill>
+        <a:effectLst/>
+      </p:bgPr>
+    </p:bg>
+    <p:spTree>
+      <p:nvGrpSpPr>
+        <p:cNvPr id="1" name="Shape 63"/>
+        <p:cNvGrpSpPr/>
+        <p:nvPr/>
+      </p:nvGrpSpPr>
+      <p:grpSpPr>
+        <a:xfrm>
+          <a:off x="0" y="0"/>
+          <a:ext cx="0" cy="0"/>
+          <a:chOff x="0" y="0"/>
+          <a:chExt cx="0" cy="0"/>
+        </a:xfrm>
+      </p:grpSpPr>
+      <p:sp>
+        <p:nvSpPr>
+          <p:cNvPr id="64" name="Shape 64"/>
+          <p:cNvSpPr txBox="1">
+            <a:spLocks noGrp="1"/>
+          </p:cNvSpPr>
+          <p:nvPr>
+            <p:ph type="title"/>
+          </p:nvPr>
+        </p:nvSpPr>
+        <p:spPr>
+          <a:xfrm>
+            <a:off x="457200" y="49"/>
+            <a:ext cx="8229600" cy="6858000"/>
+          </a:xfrm>
+          <a:prstGeom prst="rect">
+            <a:avLst/>
+          </a:prstGeom>
+        </p:spPr>
+        <p:txBody>
+          <a:bodyPr lIns="91425" tIns="91425" rIns="91425" bIns="91425" anchor="ctr" anchorCtr="0"/>
+          <a:lstStyle>
+            <a:lvl1pPr lvl="0" rtl="0">
+              <a:spcBef>
+                <a:spcPts val="0"/>
+              </a:spcBef>
+              <a:buSzPct val="100000"/>
+              <a:buFont typeface="Dosis"/>
+              <a:defRPr sz="4800">
+                <a:latin typeface="Dosis"/>
+                <a:ea typeface="Dosis"/>
+                <a:cs typeface="Dosis"/>
+                <a:sym typeface="Dosis"/>
+              </a:defRPr>
+            </a:lvl1pPr>
+            <a:lvl2pPr lvl="1" algn="ctr" rtl="0">
+              <a:spcBef>
+                <a:spcPts val="0"/>
+              </a:spcBef>
+              <a:buSzPct val="100000"/>
+              <a:defRPr sz="4800"/>
+            </a:lvl2pPr>
+            <a:lvl3pPr lvl="2" algn="ctr" rtl="0">
+              <a:spcBef>
+                <a:spcPts val="0"/>
+              </a:spcBef>
+              <a:buSzPct val="100000"/>
+              <a:defRPr sz="4800"/>
+            </a:lvl3pPr>
+            <a:lvl4pPr lvl="3" algn="ctr" rtl="0">
+              <a:spcBef>
+                <a:spcPts val="0"/>
+              </a:spcBef>
+              <a:buSzPct val="100000"/>
+              <a:defRPr sz="4800"/>
+            </a:lvl4pPr>
+            <a:lvl5pPr lvl="4" algn="ctr" rtl="0">
+              <a:spcBef>
+                <a:spcPts val="0"/>
+              </a:spcBef>
+              <a:buSzPct val="100000"/>
+              <a:defRPr sz="4800"/>
+            </a:lvl5pPr>
+            <a:lvl6pPr lvl="5" algn="ctr" rtl="0">
+              <a:spcBef>
+                <a:spcPts val="0"/>
+              </a:spcBef>
+              <a:buSzPct val="100000"/>
+              <a:defRPr sz="4800"/>
+            </a:lvl6pPr>
+            <a:lvl7pPr lvl="6" algn="ctr" rtl="0">
+              <a:spcBef>
+                <a:spcPts val="0"/>
+              </a:spcBef>
+              <a:buSzPct val="100000"/>
+              <a:defRPr sz="4800"/>
+            </a:lvl7pPr>
+            <a:lvl8pPr lvl="7" algn="ctr" rtl="0">
+              <a:spcBef>
+                <a:spcPts val="0"/>
+              </a:spcBef>
+              <a:buSzPct val="100000"/>
+              <a:defRPr sz="4800"/>
+            </a:lvl8pPr>
+            <a:lvl9pPr lvl="8" algn="ctr" rtl="0">
+              <a:spcBef>
+                <a:spcPts val="0"/>
+              </a:spcBef>
+              <a:buSzPct val="100000"/>
+              <a:defRPr sz="4800"/>
+            </a:lvl9pPr>
+          </a:lstStyle>
+          <a:p>
+            <a:endParaRPr/>
+          </a:p>
+        </p:txBody>
+      </p:sp>
+    </p:spTree>
+  </p:cSld>
+  <p:clrMapOvr>
+    <a:masterClrMapping/>
+  </p:clrMapOvr>
+</p:sldLayout>
+</file>
+
+<file path=ppt/slideLayouts/slideLayout18.xml><?xml version="1.0" encoding="utf-8"?>
+<p:sldLayout xmlns:a="http://schemas.openxmlformats.org/drawingml/2006/main" xmlns:r="http://schemas.openxmlformats.org/officeDocument/2006/relationships" xmlns:p="http://schemas.openxmlformats.org/presentationml/2006/main" preserve="1">
+  <p:cSld name="1_Full - Purple_Ice">
+    <p:bg>
+      <p:bgPr>
+        <a:solidFill>
+          <a:srgbClr val="7979FF"/>
+        </a:solidFill>
+        <a:effectLst/>
+      </p:bgPr>
+    </p:bg>
+    <p:spTree>
+      <p:nvGrpSpPr>
+        <p:cNvPr id="1" name="Shape 63"/>
+        <p:cNvGrpSpPr/>
+        <p:nvPr/>
+      </p:nvGrpSpPr>
+      <p:grpSpPr>
+        <a:xfrm>
+          <a:off x="0" y="0"/>
+          <a:ext cx="0" cy="0"/>
+          <a:chOff x="0" y="0"/>
+          <a:chExt cx="0" cy="0"/>
+        </a:xfrm>
+      </p:grpSpPr>
+      <p:sp>
+        <p:nvSpPr>
+          <p:cNvPr id="64" name="Shape 64"/>
+          <p:cNvSpPr txBox="1">
+            <a:spLocks noGrp="1"/>
+          </p:cNvSpPr>
+          <p:nvPr>
+            <p:ph type="title"/>
+          </p:nvPr>
+        </p:nvSpPr>
+        <p:spPr>
+          <a:xfrm>
+            <a:off x="457200" y="49"/>
+            <a:ext cx="8229600" cy="6858000"/>
+          </a:xfrm>
+          <a:prstGeom prst="rect">
+            <a:avLst/>
+          </a:prstGeom>
+        </p:spPr>
+        <p:txBody>
+          <a:bodyPr lIns="91425" tIns="91425" rIns="91425" bIns="91425" anchor="ctr" anchorCtr="0"/>
+          <a:lstStyle>
+            <a:lvl1pPr lvl="0" rtl="0">
+              <a:spcBef>
+                <a:spcPts val="0"/>
+              </a:spcBef>
+              <a:buSzPct val="100000"/>
+              <a:buFont typeface="Dosis"/>
+              <a:defRPr sz="4800">
+                <a:latin typeface="Dosis"/>
+                <a:ea typeface="Dosis"/>
+                <a:cs typeface="Dosis"/>
+                <a:sym typeface="Dosis"/>
+              </a:defRPr>
+            </a:lvl1pPr>
+            <a:lvl2pPr lvl="1" algn="ctr" rtl="0">
+              <a:spcBef>
+                <a:spcPts val="0"/>
+              </a:spcBef>
+              <a:buSzPct val="100000"/>
+              <a:defRPr sz="4800"/>
+            </a:lvl2pPr>
+            <a:lvl3pPr lvl="2" algn="ctr" rtl="0">
+              <a:spcBef>
+                <a:spcPts val="0"/>
+              </a:spcBef>
+              <a:buSzPct val="100000"/>
+              <a:defRPr sz="4800"/>
+            </a:lvl3pPr>
+            <a:lvl4pPr lvl="3" algn="ctr" rtl="0">
+              <a:spcBef>
+                <a:spcPts val="0"/>
+              </a:spcBef>
+              <a:buSzPct val="100000"/>
+              <a:defRPr sz="4800"/>
+            </a:lvl4pPr>
+            <a:lvl5pPr lvl="4" algn="ctr" rtl="0">
+              <a:spcBef>
+                <a:spcPts val="0"/>
+              </a:spcBef>
+              <a:buSzPct val="100000"/>
+              <a:defRPr sz="4800"/>
+            </a:lvl5pPr>
+            <a:lvl6pPr lvl="5" algn="ctr" rtl="0">
+              <a:spcBef>
+                <a:spcPts val="0"/>
+              </a:spcBef>
+              <a:buSzPct val="100000"/>
+              <a:defRPr sz="4800"/>
+            </a:lvl6pPr>
+            <a:lvl7pPr lvl="6" algn="ctr" rtl="0">
+              <a:spcBef>
+                <a:spcPts val="0"/>
+              </a:spcBef>
+              <a:buSzPct val="100000"/>
+              <a:defRPr sz="4800"/>
+            </a:lvl7pPr>
+            <a:lvl8pPr lvl="7" algn="ctr" rtl="0">
+              <a:spcBef>
+                <a:spcPts val="0"/>
+              </a:spcBef>
+              <a:buSzPct val="100000"/>
+              <a:defRPr sz="4800"/>
+            </a:lvl8pPr>
+            <a:lvl9pPr lvl="8" algn="ctr" rtl="0">
+              <a:spcBef>
+                <a:spcPts val="0"/>
+              </a:spcBef>
+              <a:buSzPct val="100000"/>
+              <a:defRPr sz="4800"/>
+            </a:lvl9pPr>
+          </a:lstStyle>
+          <a:p>
+            <a:endParaRPr/>
+          </a:p>
+        </p:txBody>
+      </p:sp>
+    </p:spTree>
+    <p:extLst>
+      <p:ext uri="{BB962C8B-B14F-4D97-AF65-F5344CB8AC3E}">
+        <p14:creationId xmlns:p14="http://schemas.microsoft.com/office/powerpoint/2010/main" val="876896621"/>
+      </p:ext>
+    </p:extLst>
+  </p:cSld>
+  <p:clrMapOvr>
+    <a:masterClrMapping/>
+  </p:clrMapOvr>
+</p:sldLayout>
+</file>
+
+<file path=ppt/slideLayouts/slideLayout19.xml><?xml version="1.0" encoding="utf-8"?>
+<p:sldLayout xmlns:a="http://schemas.openxmlformats.org/drawingml/2006/main" xmlns:r="http://schemas.openxmlformats.org/officeDocument/2006/relationships" xmlns:p="http://schemas.openxmlformats.org/presentationml/2006/main">
+  <p:cSld name="Feature - Grey">
+    <p:spTree>
+      <p:nvGrpSpPr>
+        <p:cNvPr id="1" name="Shape 65"/>
+        <p:cNvGrpSpPr/>
+        <p:nvPr/>
+      </p:nvGrpSpPr>
+      <p:grpSpPr>
+        <a:xfrm>
+          <a:off x="0" y="0"/>
+          <a:ext cx="0" cy="0"/>
+          <a:chOff x="0" y="0"/>
+          <a:chExt cx="0" cy="0"/>
+        </a:xfrm>
+      </p:grpSpPr>
+      <p:sp>
+        <p:nvSpPr>
+          <p:cNvPr id="66" name="Shape 66"/>
+          <p:cNvSpPr/>
+          <p:nvPr/>
+        </p:nvSpPr>
+        <p:spPr>
+          <a:xfrm>
+            <a:off x="0" y="0"/>
+            <a:ext cx="9144000" cy="5478299"/>
+          </a:xfrm>
+          <a:prstGeom prst="rect">
+            <a:avLst/>
+          </a:prstGeom>
+          <a:solidFill>
+            <a:srgbClr val="666666"/>
+          </a:solidFill>
+          <a:ln>
+            <a:noFill/>
+          </a:ln>
+        </p:spPr>
+        <p:txBody>
+          <a:bodyPr lIns="91425" tIns="45700" rIns="91425" bIns="45700" anchor="ctr" anchorCtr="0">
+            <a:noAutofit/>
+          </a:bodyPr>
+          <a:lstStyle/>
+          <a:p>
+            <a:pPr lvl="0" rtl="0">
+              <a:spcBef>
+                <a:spcPts val="0"/>
+              </a:spcBef>
+              <a:buNone/>
+            </a:pPr>
+            <a:endParaRPr/>
+          </a:p>
+        </p:txBody>
+      </p:sp>
+      <p:cxnSp>
+        <p:nvCxnSpPr>
+          <p:cNvPr id="67" name="Shape 67"/>
+          <p:cNvCxnSpPr/>
+          <p:nvPr/>
+        </p:nvCxnSpPr>
+        <p:spPr>
+          <a:xfrm>
+            <a:off x="0" y="5424139"/>
+            <a:ext cx="9144000" cy="0"/>
+          </a:xfrm>
+          <a:prstGeom prst="straightConnector1">
+            <a:avLst/>
+          </a:prstGeom>
+          <a:noFill/>
+          <a:ln w="57150" cap="flat" cmpd="sng">
+            <a:solidFill>
+              <a:srgbClr val="000000">
+                <a:alpha val="14900"/>
+              </a:srgbClr>
+            </a:solidFill>
+            <a:prstDash val="solid"/>
+            <a:round/>
+            <a:headEnd type="none" w="med" len="med"/>
+            <a:tailEnd type="none" w="med" len="med"/>
+          </a:ln>
+        </p:spPr>
+      </p:cxnSp>
+      <p:sp>
+        <p:nvSpPr>
+          <p:cNvPr id="68" name="Shape 68"/>
+          <p:cNvSpPr txBox="1">
+            <a:spLocks noGrp="1"/>
+          </p:cNvSpPr>
+          <p:nvPr>
+            <p:ph type="subTitle" idx="1"/>
+          </p:nvPr>
+        </p:nvSpPr>
+        <p:spPr>
+          <a:xfrm>
+            <a:off x="685800" y="5742126"/>
+            <a:ext cx="7772400" cy="904499"/>
+          </a:xfrm>
+          <a:prstGeom prst="rect">
+            <a:avLst/>
+          </a:prstGeom>
+        </p:spPr>
+        <p:txBody>
+          <a:bodyPr lIns="91425" tIns="91425" rIns="91425" bIns="91425" anchor="t" anchorCtr="0"/>
+          <a:lstStyle>
+            <a:lvl1pPr lvl="0" algn="ctr" rtl="0">
+              <a:spcBef>
+                <a:spcPts val="0"/>
+              </a:spcBef>
+              <a:buClr>
+                <a:srgbClr val="666666"/>
+              </a:buClr>
+              <a:buSzPct val="100000"/>
+              <a:buFont typeface="Dosis"/>
+              <a:buNone/>
+              <a:defRPr sz="3600">
+                <a:solidFill>
+                  <a:srgbClr val="666666"/>
+                </a:solidFill>
+                <a:latin typeface="Dosis"/>
+                <a:ea typeface="Dosis"/>
+                <a:cs typeface="Dosis"/>
+                <a:sym typeface="Dosis"/>
+              </a:defRPr>
+            </a:lvl1pPr>
+            <a:lvl2pPr lvl="1" rtl="0">
+              <a:spcBef>
+                <a:spcPts val="0"/>
+              </a:spcBef>
+              <a:buClr>
+                <a:schemeClr val="dk2"/>
+              </a:buClr>
+              <a:buSzPct val="100000"/>
+              <a:buFont typeface="Source Sans Pro"/>
+              <a:buNone/>
+              <a:defRPr sz="3000">
+                <a:solidFill>
+                  <a:schemeClr val="dk2"/>
+                </a:solidFill>
+                <a:latin typeface="Source Sans Pro"/>
+                <a:ea typeface="Source Sans Pro"/>
+                <a:cs typeface="Source Sans Pro"/>
+                <a:sym typeface="Source Sans Pro"/>
+              </a:defRPr>
+            </a:lvl2pPr>
+            <a:lvl3pPr lvl="2" rtl="0">
+              <a:spcBef>
+                <a:spcPts val="0"/>
+              </a:spcBef>
+              <a:buClr>
+                <a:schemeClr val="dk2"/>
+              </a:buClr>
+              <a:buSzPct val="100000"/>
+              <a:buFont typeface="Source Sans Pro"/>
+              <a:buNone/>
+              <a:defRPr sz="3000">
+                <a:solidFill>
+                  <a:schemeClr val="dk2"/>
+                </a:solidFill>
+                <a:latin typeface="Source Sans Pro"/>
+                <a:ea typeface="Source Sans Pro"/>
+                <a:cs typeface="Source Sans Pro"/>
+                <a:sym typeface="Source Sans Pro"/>
+              </a:defRPr>
+            </a:lvl3pPr>
+            <a:lvl4pPr lvl="3" rtl="0">
+              <a:spcBef>
+                <a:spcPts val="0"/>
+              </a:spcBef>
+              <a:buClr>
+                <a:schemeClr val="dk2"/>
+              </a:buClr>
+              <a:buSzPct val="100000"/>
+              <a:buFont typeface="Source Sans Pro"/>
+              <a:buNone/>
+              <a:defRPr sz="3000">
+                <a:solidFill>
+                  <a:schemeClr val="dk2"/>
+                </a:solidFill>
+                <a:latin typeface="Source Sans Pro"/>
+                <a:ea typeface="Source Sans Pro"/>
+                <a:cs typeface="Source Sans Pro"/>
+                <a:sym typeface="Source Sans Pro"/>
+              </a:defRPr>
+            </a:lvl4pPr>
+            <a:lvl5pPr lvl="4" rtl="0">
+              <a:spcBef>
+                <a:spcPts val="0"/>
+              </a:spcBef>
+              <a:buClr>
+                <a:schemeClr val="dk2"/>
+              </a:buClr>
+              <a:buSzPct val="100000"/>
+              <a:buFont typeface="Source Sans Pro"/>
+              <a:buNone/>
+              <a:defRPr sz="3000">
+                <a:solidFill>
+                  <a:schemeClr val="dk2"/>
+                </a:solidFill>
+                <a:latin typeface="Source Sans Pro"/>
+                <a:ea typeface="Source Sans Pro"/>
+                <a:cs typeface="Source Sans Pro"/>
+                <a:sym typeface="Source Sans Pro"/>
+              </a:defRPr>
+            </a:lvl5pPr>
+            <a:lvl6pPr lvl="5" rtl="0">
+              <a:spcBef>
+                <a:spcPts val="0"/>
+              </a:spcBef>
+              <a:buClr>
+                <a:schemeClr val="dk2"/>
+              </a:buClr>
+              <a:buSzPct val="100000"/>
+              <a:buFont typeface="Source Sans Pro"/>
+              <a:buNone/>
+              <a:defRPr sz="3000">
+                <a:solidFill>
+                  <a:schemeClr val="dk2"/>
+                </a:solidFill>
+                <a:latin typeface="Source Sans Pro"/>
+                <a:ea typeface="Source Sans Pro"/>
+                <a:cs typeface="Source Sans Pro"/>
+                <a:sym typeface="Source Sans Pro"/>
+              </a:defRPr>
+            </a:lvl6pPr>
+            <a:lvl7pPr lvl="6" rtl="0">
+              <a:spcBef>
+                <a:spcPts val="0"/>
+              </a:spcBef>
+              <a:buClr>
+                <a:schemeClr val="dk2"/>
+              </a:buClr>
+              <a:buSzPct val="100000"/>
+              <a:buFont typeface="Source Sans Pro"/>
+              <a:buNone/>
+              <a:defRPr sz="3000">
+                <a:solidFill>
+                  <a:schemeClr val="dk2"/>
+                </a:solidFill>
+                <a:latin typeface="Source Sans Pro"/>
+                <a:ea typeface="Source Sans Pro"/>
+                <a:cs typeface="Source Sans Pro"/>
+                <a:sym typeface="Source Sans Pro"/>
+              </a:defRPr>
+            </a:lvl7pPr>
+            <a:lvl8pPr lvl="7" rtl="0">
+              <a:spcBef>
+                <a:spcPts val="0"/>
+              </a:spcBef>
+              <a:buClr>
+                <a:schemeClr val="dk2"/>
+              </a:buClr>
+              <a:buSzPct val="100000"/>
+              <a:buFont typeface="Source Sans Pro"/>
+              <a:buNone/>
+              <a:defRPr sz="3000">
+                <a:solidFill>
+                  <a:schemeClr val="dk2"/>
+                </a:solidFill>
+                <a:latin typeface="Source Sans Pro"/>
+                <a:ea typeface="Source Sans Pro"/>
+                <a:cs typeface="Source Sans Pro"/>
+                <a:sym typeface="Source Sans Pro"/>
+              </a:defRPr>
+            </a:lvl8pPr>
+            <a:lvl9pPr lvl="8" rtl="0">
+              <a:spcBef>
+                <a:spcPts val="0"/>
+              </a:spcBef>
+              <a:buClr>
+                <a:schemeClr val="dk2"/>
+              </a:buClr>
+              <a:buSzPct val="100000"/>
+              <a:buFont typeface="Source Sans Pro"/>
+              <a:buNone/>
+              <a:defRPr sz="3000">
+                <a:solidFill>
+                  <a:schemeClr val="dk2"/>
+                </a:solidFill>
+                <a:latin typeface="Source Sans Pro"/>
+                <a:ea typeface="Source Sans Pro"/>
+                <a:cs typeface="Source Sans Pro"/>
+                <a:sym typeface="Source Sans Pro"/>
+              </a:defRPr>
+            </a:lvl9pPr>
+          </a:lstStyle>
+          <a:p>
+            <a:endParaRPr/>
+          </a:p>
+        </p:txBody>
+      </p:sp>
+    </p:spTree>
+  </p:cSld>
+  <p:clrMapOvr>
+    <a:masterClrMapping/>
+  </p:clrMapOvr>
+</p:sldLayout>
+</file>
+
+<file path=ppt/slideLayouts/slideLayout2.xml><?xml version="1.0" encoding="utf-8"?>
 <p:sldLayout xmlns:a="http://schemas.openxmlformats.org/drawingml/2006/main" xmlns:r="http://schemas.openxmlformats.org/officeDocument/2006/relationships" xmlns:p="http://schemas.openxmlformats.org/presentationml/2006/main">
   <p:cSld name="Full - Red">
     <p:bg>
@@ -1450,1587 +3818,9 @@
 </p:sldLayout>
 </file>
 
-<file path=ppt/slideLayouts/slideLayout10.xml><?xml version="1.0" encoding="utf-8"?>
-<p:sldLayout xmlns:a="http://schemas.openxmlformats.org/drawingml/2006/main" xmlns:r="http://schemas.openxmlformats.org/officeDocument/2006/relationships" xmlns:p="http://schemas.openxmlformats.org/presentationml/2006/main">
-  <p:cSld name="Full - Blue">
-    <p:bg>
-      <p:bgPr>
-        <a:solidFill>
-          <a:srgbClr val="3D85C6"/>
-        </a:solidFill>
-        <a:effectLst/>
-      </p:bgPr>
-    </p:bg>
-    <p:spTree>
-      <p:nvGrpSpPr>
-        <p:cNvPr id="1" name="Shape 41"/>
-        <p:cNvGrpSpPr/>
-        <p:nvPr/>
-      </p:nvGrpSpPr>
-      <p:grpSpPr>
-        <a:xfrm>
-          <a:off x="0" y="0"/>
-          <a:ext cx="0" cy="0"/>
-          <a:chOff x="0" y="0"/>
-          <a:chExt cx="0" cy="0"/>
-        </a:xfrm>
-      </p:grpSpPr>
-      <p:sp>
-        <p:nvSpPr>
-          <p:cNvPr id="42" name="Shape 42"/>
-          <p:cNvSpPr txBox="1">
-            <a:spLocks noGrp="1"/>
-          </p:cNvSpPr>
-          <p:nvPr>
-            <p:ph type="title"/>
-          </p:nvPr>
-        </p:nvSpPr>
-        <p:spPr>
-          <a:xfrm>
-            <a:off x="457200" y="49"/>
-            <a:ext cx="8229600" cy="6858000"/>
-          </a:xfrm>
-          <a:prstGeom prst="rect">
-            <a:avLst/>
-          </a:prstGeom>
-        </p:spPr>
-        <p:txBody>
-          <a:bodyPr lIns="91425" tIns="91425" rIns="91425" bIns="91425" anchor="ctr" anchorCtr="0"/>
-          <a:lstStyle>
-            <a:lvl1pPr lvl="0" rtl="0">
-              <a:spcBef>
-                <a:spcPts val="0"/>
-              </a:spcBef>
-              <a:buSzPct val="100000"/>
-              <a:buFont typeface="Dosis"/>
-              <a:defRPr sz="4800">
-                <a:latin typeface="Dosis"/>
-                <a:ea typeface="Dosis"/>
-                <a:cs typeface="Dosis"/>
-                <a:sym typeface="Dosis"/>
-              </a:defRPr>
-            </a:lvl1pPr>
-            <a:lvl2pPr lvl="1" algn="ctr" rtl="0">
-              <a:spcBef>
-                <a:spcPts val="0"/>
-              </a:spcBef>
-              <a:buSzPct val="100000"/>
-              <a:defRPr sz="4800"/>
-            </a:lvl2pPr>
-            <a:lvl3pPr lvl="2" algn="ctr" rtl="0">
-              <a:spcBef>
-                <a:spcPts val="0"/>
-              </a:spcBef>
-              <a:buSzPct val="100000"/>
-              <a:defRPr sz="4800"/>
-            </a:lvl3pPr>
-            <a:lvl4pPr lvl="3" algn="ctr" rtl="0">
-              <a:spcBef>
-                <a:spcPts val="0"/>
-              </a:spcBef>
-              <a:buSzPct val="100000"/>
-              <a:defRPr sz="4800"/>
-            </a:lvl4pPr>
-            <a:lvl5pPr lvl="4" algn="ctr" rtl="0">
-              <a:spcBef>
-                <a:spcPts val="0"/>
-              </a:spcBef>
-              <a:buSzPct val="100000"/>
-              <a:defRPr sz="4800"/>
-            </a:lvl5pPr>
-            <a:lvl6pPr lvl="5" algn="ctr" rtl="0">
-              <a:spcBef>
-                <a:spcPts val="0"/>
-              </a:spcBef>
-              <a:buSzPct val="100000"/>
-              <a:defRPr sz="4800"/>
-            </a:lvl6pPr>
-            <a:lvl7pPr lvl="6" algn="ctr" rtl="0">
-              <a:spcBef>
-                <a:spcPts val="0"/>
-              </a:spcBef>
-              <a:buSzPct val="100000"/>
-              <a:defRPr sz="4800"/>
-            </a:lvl7pPr>
-            <a:lvl8pPr lvl="7" algn="ctr" rtl="0">
-              <a:spcBef>
-                <a:spcPts val="0"/>
-              </a:spcBef>
-              <a:buSzPct val="100000"/>
-              <a:defRPr sz="4800"/>
-            </a:lvl8pPr>
-            <a:lvl9pPr lvl="8" algn="ctr" rtl="0">
-              <a:spcBef>
-                <a:spcPts val="0"/>
-              </a:spcBef>
-              <a:buSzPct val="100000"/>
-              <a:defRPr sz="4800"/>
-            </a:lvl9pPr>
-          </a:lstStyle>
-          <a:p>
-            <a:endParaRPr/>
-          </a:p>
-        </p:txBody>
-      </p:sp>
-    </p:spTree>
-  </p:cSld>
-  <p:clrMapOvr>
-    <a:masterClrMapping/>
-  </p:clrMapOvr>
-</p:sldLayout>
-</file>
-
-<file path=ppt/slideLayouts/slideLayout11.xml><?xml version="1.0" encoding="utf-8"?>
-<p:sldLayout xmlns:a="http://schemas.openxmlformats.org/drawingml/2006/main" xmlns:r="http://schemas.openxmlformats.org/officeDocument/2006/relationships" xmlns:p="http://schemas.openxmlformats.org/presentationml/2006/main">
-  <p:cSld name="Feature - Blue">
-    <p:spTree>
-      <p:nvGrpSpPr>
-        <p:cNvPr id="1" name="Shape 43"/>
-        <p:cNvGrpSpPr/>
-        <p:nvPr/>
-      </p:nvGrpSpPr>
-      <p:grpSpPr>
-        <a:xfrm>
-          <a:off x="0" y="0"/>
-          <a:ext cx="0" cy="0"/>
-          <a:chOff x="0" y="0"/>
-          <a:chExt cx="0" cy="0"/>
-        </a:xfrm>
-      </p:grpSpPr>
-      <p:sp>
-        <p:nvSpPr>
-          <p:cNvPr id="44" name="Shape 44"/>
-          <p:cNvSpPr/>
-          <p:nvPr/>
-        </p:nvSpPr>
-        <p:spPr>
-          <a:xfrm>
-            <a:off x="0" y="0"/>
-            <a:ext cx="9144000" cy="5478299"/>
-          </a:xfrm>
-          <a:prstGeom prst="rect">
-            <a:avLst/>
-          </a:prstGeom>
-          <a:solidFill>
-            <a:srgbClr val="3D85C6"/>
-          </a:solidFill>
-          <a:ln>
-            <a:noFill/>
-          </a:ln>
-        </p:spPr>
-        <p:txBody>
-          <a:bodyPr lIns="91425" tIns="45700" rIns="91425" bIns="45700" anchor="ctr" anchorCtr="0">
-            <a:noAutofit/>
-          </a:bodyPr>
-          <a:lstStyle/>
-          <a:p>
-            <a:pPr lvl="0" rtl="0">
-              <a:spcBef>
-                <a:spcPts val="0"/>
-              </a:spcBef>
-              <a:buNone/>
-            </a:pPr>
-            <a:endParaRPr/>
-          </a:p>
-        </p:txBody>
-      </p:sp>
-      <p:cxnSp>
-        <p:nvCxnSpPr>
-          <p:cNvPr id="45" name="Shape 45"/>
-          <p:cNvCxnSpPr/>
-          <p:nvPr/>
-        </p:nvCxnSpPr>
-        <p:spPr>
-          <a:xfrm>
-            <a:off x="0" y="5424139"/>
-            <a:ext cx="9144000" cy="0"/>
-          </a:xfrm>
-          <a:prstGeom prst="straightConnector1">
-            <a:avLst/>
-          </a:prstGeom>
-          <a:noFill/>
-          <a:ln w="57150" cap="flat" cmpd="sng">
-            <a:solidFill>
-              <a:srgbClr val="000000">
-                <a:alpha val="14900"/>
-              </a:srgbClr>
-            </a:solidFill>
-            <a:prstDash val="solid"/>
-            <a:round/>
-            <a:headEnd type="none" w="med" len="med"/>
-            <a:tailEnd type="none" w="med" len="med"/>
-          </a:ln>
-        </p:spPr>
-      </p:cxnSp>
-      <p:sp>
-        <p:nvSpPr>
-          <p:cNvPr id="46" name="Shape 46"/>
-          <p:cNvSpPr txBox="1">
-            <a:spLocks noGrp="1"/>
-          </p:cNvSpPr>
-          <p:nvPr>
-            <p:ph type="subTitle" idx="1"/>
-          </p:nvPr>
-        </p:nvSpPr>
-        <p:spPr>
-          <a:xfrm>
-            <a:off x="685800" y="5742126"/>
-            <a:ext cx="7772400" cy="904499"/>
-          </a:xfrm>
-          <a:prstGeom prst="rect">
-            <a:avLst/>
-          </a:prstGeom>
-        </p:spPr>
-        <p:txBody>
-          <a:bodyPr lIns="91425" tIns="91425" rIns="91425" bIns="91425" anchor="t" anchorCtr="0"/>
-          <a:lstStyle>
-            <a:lvl1pPr lvl="0" algn="ctr" rtl="0">
-              <a:spcBef>
-                <a:spcPts val="0"/>
-              </a:spcBef>
-              <a:buClr>
-                <a:srgbClr val="666666"/>
-              </a:buClr>
-              <a:buSzPct val="100000"/>
-              <a:buFont typeface="Dosis"/>
-              <a:buNone/>
-              <a:defRPr sz="3600">
-                <a:solidFill>
-                  <a:srgbClr val="666666"/>
-                </a:solidFill>
-                <a:latin typeface="Dosis"/>
-                <a:ea typeface="Dosis"/>
-                <a:cs typeface="Dosis"/>
-                <a:sym typeface="Dosis"/>
-              </a:defRPr>
-            </a:lvl1pPr>
-            <a:lvl2pPr lvl="1" rtl="0">
-              <a:spcBef>
-                <a:spcPts val="0"/>
-              </a:spcBef>
-              <a:buClr>
-                <a:schemeClr val="dk2"/>
-              </a:buClr>
-              <a:buSzPct val="100000"/>
-              <a:buFont typeface="Source Sans Pro"/>
-              <a:buNone/>
-              <a:defRPr sz="3000">
-                <a:solidFill>
-                  <a:schemeClr val="dk2"/>
-                </a:solidFill>
-                <a:latin typeface="Source Sans Pro"/>
-                <a:ea typeface="Source Sans Pro"/>
-                <a:cs typeface="Source Sans Pro"/>
-                <a:sym typeface="Source Sans Pro"/>
-              </a:defRPr>
-            </a:lvl2pPr>
-            <a:lvl3pPr lvl="2" rtl="0">
-              <a:spcBef>
-                <a:spcPts val="0"/>
-              </a:spcBef>
-              <a:buClr>
-                <a:schemeClr val="dk2"/>
-              </a:buClr>
-              <a:buSzPct val="100000"/>
-              <a:buFont typeface="Source Sans Pro"/>
-              <a:buNone/>
-              <a:defRPr sz="3000">
-                <a:solidFill>
-                  <a:schemeClr val="dk2"/>
-                </a:solidFill>
-                <a:latin typeface="Source Sans Pro"/>
-                <a:ea typeface="Source Sans Pro"/>
-                <a:cs typeface="Source Sans Pro"/>
-                <a:sym typeface="Source Sans Pro"/>
-              </a:defRPr>
-            </a:lvl3pPr>
-            <a:lvl4pPr lvl="3" rtl="0">
-              <a:spcBef>
-                <a:spcPts val="0"/>
-              </a:spcBef>
-              <a:buClr>
-                <a:schemeClr val="dk2"/>
-              </a:buClr>
-              <a:buSzPct val="100000"/>
-              <a:buFont typeface="Source Sans Pro"/>
-              <a:buNone/>
-              <a:defRPr sz="3000">
-                <a:solidFill>
-                  <a:schemeClr val="dk2"/>
-                </a:solidFill>
-                <a:latin typeface="Source Sans Pro"/>
-                <a:ea typeface="Source Sans Pro"/>
-                <a:cs typeface="Source Sans Pro"/>
-                <a:sym typeface="Source Sans Pro"/>
-              </a:defRPr>
-            </a:lvl4pPr>
-            <a:lvl5pPr lvl="4" rtl="0">
-              <a:spcBef>
-                <a:spcPts val="0"/>
-              </a:spcBef>
-              <a:buClr>
-                <a:schemeClr val="dk2"/>
-              </a:buClr>
-              <a:buSzPct val="100000"/>
-              <a:buFont typeface="Source Sans Pro"/>
-              <a:buNone/>
-              <a:defRPr sz="3000">
-                <a:solidFill>
-                  <a:schemeClr val="dk2"/>
-                </a:solidFill>
-                <a:latin typeface="Source Sans Pro"/>
-                <a:ea typeface="Source Sans Pro"/>
-                <a:cs typeface="Source Sans Pro"/>
-                <a:sym typeface="Source Sans Pro"/>
-              </a:defRPr>
-            </a:lvl5pPr>
-            <a:lvl6pPr lvl="5" rtl="0">
-              <a:spcBef>
-                <a:spcPts val="0"/>
-              </a:spcBef>
-              <a:buClr>
-                <a:schemeClr val="dk2"/>
-              </a:buClr>
-              <a:buSzPct val="100000"/>
-              <a:buFont typeface="Source Sans Pro"/>
-              <a:buNone/>
-              <a:defRPr sz="3000">
-                <a:solidFill>
-                  <a:schemeClr val="dk2"/>
-                </a:solidFill>
-                <a:latin typeface="Source Sans Pro"/>
-                <a:ea typeface="Source Sans Pro"/>
-                <a:cs typeface="Source Sans Pro"/>
-                <a:sym typeface="Source Sans Pro"/>
-              </a:defRPr>
-            </a:lvl6pPr>
-            <a:lvl7pPr lvl="6" rtl="0">
-              <a:spcBef>
-                <a:spcPts val="0"/>
-              </a:spcBef>
-              <a:buClr>
-                <a:schemeClr val="dk2"/>
-              </a:buClr>
-              <a:buSzPct val="100000"/>
-              <a:buFont typeface="Source Sans Pro"/>
-              <a:buNone/>
-              <a:defRPr sz="3000">
-                <a:solidFill>
-                  <a:schemeClr val="dk2"/>
-                </a:solidFill>
-                <a:latin typeface="Source Sans Pro"/>
-                <a:ea typeface="Source Sans Pro"/>
-                <a:cs typeface="Source Sans Pro"/>
-                <a:sym typeface="Source Sans Pro"/>
-              </a:defRPr>
-            </a:lvl7pPr>
-            <a:lvl8pPr lvl="7" rtl="0">
-              <a:spcBef>
-                <a:spcPts val="0"/>
-              </a:spcBef>
-              <a:buClr>
-                <a:schemeClr val="dk2"/>
-              </a:buClr>
-              <a:buSzPct val="100000"/>
-              <a:buFont typeface="Source Sans Pro"/>
-              <a:buNone/>
-              <a:defRPr sz="3000">
-                <a:solidFill>
-                  <a:schemeClr val="dk2"/>
-                </a:solidFill>
-                <a:latin typeface="Source Sans Pro"/>
-                <a:ea typeface="Source Sans Pro"/>
-                <a:cs typeface="Source Sans Pro"/>
-                <a:sym typeface="Source Sans Pro"/>
-              </a:defRPr>
-            </a:lvl8pPr>
-            <a:lvl9pPr lvl="8" rtl="0">
-              <a:spcBef>
-                <a:spcPts val="0"/>
-              </a:spcBef>
-              <a:buClr>
-                <a:schemeClr val="dk2"/>
-              </a:buClr>
-              <a:buSzPct val="100000"/>
-              <a:buFont typeface="Source Sans Pro"/>
-              <a:buNone/>
-              <a:defRPr sz="3000">
-                <a:solidFill>
-                  <a:schemeClr val="dk2"/>
-                </a:solidFill>
-                <a:latin typeface="Source Sans Pro"/>
-                <a:ea typeface="Source Sans Pro"/>
-                <a:cs typeface="Source Sans Pro"/>
-                <a:sym typeface="Source Sans Pro"/>
-              </a:defRPr>
-            </a:lvl9pPr>
-          </a:lstStyle>
-          <a:p>
-            <a:endParaRPr/>
-          </a:p>
-        </p:txBody>
-      </p:sp>
-    </p:spTree>
-  </p:cSld>
-  <p:clrMapOvr>
-    <a:masterClrMapping/>
-  </p:clrMapOvr>
-</p:sldLayout>
-</file>
-
-<file path=ppt/slideLayouts/slideLayout12.xml><?xml version="1.0" encoding="utf-8"?>
-<p:sldLayout xmlns:a="http://schemas.openxmlformats.org/drawingml/2006/main" xmlns:r="http://schemas.openxmlformats.org/officeDocument/2006/relationships" xmlns:p="http://schemas.openxmlformats.org/presentationml/2006/main">
-  <p:cSld name="List - Blue">
-    <p:spTree>
-      <p:nvGrpSpPr>
-        <p:cNvPr id="1" name="Shape 47"/>
-        <p:cNvGrpSpPr/>
-        <p:nvPr/>
-      </p:nvGrpSpPr>
-      <p:grpSpPr>
-        <a:xfrm>
-          <a:off x="0" y="0"/>
-          <a:ext cx="0" cy="0"/>
-          <a:chOff x="0" y="0"/>
-          <a:chExt cx="0" cy="0"/>
-        </a:xfrm>
-      </p:grpSpPr>
-      <p:sp>
-        <p:nvSpPr>
-          <p:cNvPr id="48" name="Shape 48"/>
-          <p:cNvSpPr/>
-          <p:nvPr/>
-        </p:nvSpPr>
-        <p:spPr>
-          <a:xfrm>
-            <a:off x="0" y="0"/>
-            <a:ext cx="9144000" cy="1533299"/>
-          </a:xfrm>
-          <a:prstGeom prst="rect">
-            <a:avLst/>
-          </a:prstGeom>
-          <a:solidFill>
-            <a:srgbClr val="3D85C6"/>
-          </a:solidFill>
-          <a:ln>
-            <a:noFill/>
-          </a:ln>
-        </p:spPr>
-        <p:txBody>
-          <a:bodyPr lIns="91425" tIns="45700" rIns="91425" bIns="45700" anchor="ctr" anchorCtr="0">
-            <a:noAutofit/>
-          </a:bodyPr>
-          <a:lstStyle/>
-          <a:p>
-            <a:pPr lvl="0">
-              <a:spcBef>
-                <a:spcPts val="0"/>
-              </a:spcBef>
-              <a:buNone/>
-            </a:pPr>
-            <a:endParaRPr/>
-          </a:p>
-        </p:txBody>
-      </p:sp>
-      <p:cxnSp>
-        <p:nvCxnSpPr>
-          <p:cNvPr id="49" name="Shape 49"/>
-          <p:cNvCxnSpPr/>
-          <p:nvPr/>
-        </p:nvCxnSpPr>
-        <p:spPr>
-          <a:xfrm>
-            <a:off x="0" y="1503833"/>
-            <a:ext cx="9144000" cy="0"/>
-          </a:xfrm>
-          <a:prstGeom prst="straightConnector1">
-            <a:avLst/>
-          </a:prstGeom>
-          <a:noFill/>
-          <a:ln w="57150" cap="flat" cmpd="sng">
-            <a:solidFill>
-              <a:srgbClr val="000000">
-                <a:alpha val="14900"/>
-              </a:srgbClr>
-            </a:solidFill>
-            <a:prstDash val="solid"/>
-            <a:round/>
-            <a:headEnd type="none" w="med" len="med"/>
-            <a:tailEnd type="none" w="med" len="med"/>
-          </a:ln>
-        </p:spPr>
-      </p:cxnSp>
-      <p:sp>
-        <p:nvSpPr>
-          <p:cNvPr id="50" name="Shape 50"/>
-          <p:cNvSpPr txBox="1">
-            <a:spLocks noGrp="1"/>
-          </p:cNvSpPr>
-          <p:nvPr>
-            <p:ph type="title"/>
-          </p:nvPr>
-        </p:nvSpPr>
-        <p:spPr>
-          <a:xfrm>
-            <a:off x="457200" y="274637"/>
-            <a:ext cx="8229600" cy="1143299"/>
-          </a:xfrm>
-          <a:prstGeom prst="rect">
-            <a:avLst/>
-          </a:prstGeom>
-        </p:spPr>
-        <p:txBody>
-          <a:bodyPr lIns="91425" tIns="91425" rIns="91425" bIns="91425" anchor="b" anchorCtr="0"/>
-          <a:lstStyle>
-            <a:lvl1pPr lvl="0" rtl="0">
-              <a:spcBef>
-                <a:spcPts val="0"/>
-              </a:spcBef>
-              <a:buSzPct val="100000"/>
-              <a:buFont typeface="Dosis"/>
-              <a:defRPr sz="4800">
-                <a:latin typeface="Dosis"/>
-                <a:ea typeface="Dosis"/>
-                <a:cs typeface="Dosis"/>
-                <a:sym typeface="Dosis"/>
-              </a:defRPr>
-            </a:lvl1pPr>
-            <a:lvl2pPr lvl="1" rtl="0">
-              <a:spcBef>
-                <a:spcPts val="0"/>
-              </a:spcBef>
-              <a:buSzPct val="100000"/>
-              <a:defRPr sz="4800"/>
-            </a:lvl2pPr>
-            <a:lvl3pPr lvl="2" rtl="0">
-              <a:spcBef>
-                <a:spcPts val="0"/>
-              </a:spcBef>
-              <a:buSzPct val="100000"/>
-              <a:defRPr sz="4800"/>
-            </a:lvl3pPr>
-            <a:lvl4pPr lvl="3" rtl="0">
-              <a:spcBef>
-                <a:spcPts val="0"/>
-              </a:spcBef>
-              <a:buSzPct val="100000"/>
-              <a:defRPr sz="4800"/>
-            </a:lvl4pPr>
-            <a:lvl5pPr lvl="4" rtl="0">
-              <a:spcBef>
-                <a:spcPts val="0"/>
-              </a:spcBef>
-              <a:buSzPct val="100000"/>
-              <a:defRPr sz="4800"/>
-            </a:lvl5pPr>
-            <a:lvl6pPr lvl="5" rtl="0">
-              <a:spcBef>
-                <a:spcPts val="0"/>
-              </a:spcBef>
-              <a:buSzPct val="100000"/>
-              <a:defRPr sz="4800"/>
-            </a:lvl6pPr>
-            <a:lvl7pPr lvl="6" rtl="0">
-              <a:spcBef>
-                <a:spcPts val="0"/>
-              </a:spcBef>
-              <a:buSzPct val="100000"/>
-              <a:defRPr sz="4800"/>
-            </a:lvl7pPr>
-            <a:lvl8pPr lvl="7" rtl="0">
-              <a:spcBef>
-                <a:spcPts val="0"/>
-              </a:spcBef>
-              <a:buSzPct val="100000"/>
-              <a:defRPr sz="4800"/>
-            </a:lvl8pPr>
-            <a:lvl9pPr lvl="8" rtl="0">
-              <a:spcBef>
-                <a:spcPts val="0"/>
-              </a:spcBef>
-              <a:buSzPct val="100000"/>
-              <a:defRPr sz="4800"/>
-            </a:lvl9pPr>
-          </a:lstStyle>
-          <a:p>
-            <a:endParaRPr/>
-          </a:p>
-        </p:txBody>
-      </p:sp>
-      <p:sp>
-        <p:nvSpPr>
-          <p:cNvPr id="51" name="Shape 51"/>
-          <p:cNvSpPr txBox="1">
-            <a:spLocks noGrp="1"/>
-          </p:cNvSpPr>
-          <p:nvPr>
-            <p:ph type="body" idx="1"/>
-          </p:nvPr>
-        </p:nvSpPr>
-        <p:spPr>
-          <a:xfrm>
-            <a:off x="457200" y="1600200"/>
-            <a:ext cx="8229600" cy="4967700"/>
-          </a:xfrm>
-          <a:prstGeom prst="rect">
-            <a:avLst/>
-          </a:prstGeom>
-        </p:spPr>
-        <p:txBody>
-          <a:bodyPr lIns="91425" tIns="91425" rIns="91425" bIns="91425" anchor="t" anchorCtr="0"/>
-          <a:lstStyle>
-            <a:lvl1pPr lvl="0" rtl="0">
-              <a:lnSpc>
-                <a:spcPct val="115000"/>
-              </a:lnSpc>
-              <a:spcBef>
-                <a:spcPts val="0"/>
-              </a:spcBef>
-              <a:defRPr/>
-            </a:lvl1pPr>
-            <a:lvl2pPr lvl="1" rtl="0">
-              <a:lnSpc>
-                <a:spcPct val="115000"/>
-              </a:lnSpc>
-              <a:spcBef>
-                <a:spcPts val="0"/>
-              </a:spcBef>
-              <a:defRPr/>
-            </a:lvl2pPr>
-            <a:lvl3pPr lvl="2" rtl="0">
-              <a:lnSpc>
-                <a:spcPct val="115000"/>
-              </a:lnSpc>
-              <a:spcBef>
-                <a:spcPts val="0"/>
-              </a:spcBef>
-              <a:defRPr/>
-            </a:lvl3pPr>
-            <a:lvl4pPr lvl="3" rtl="0">
-              <a:lnSpc>
-                <a:spcPct val="115000"/>
-              </a:lnSpc>
-              <a:spcBef>
-                <a:spcPts val="0"/>
-              </a:spcBef>
-              <a:defRPr/>
-            </a:lvl4pPr>
-            <a:lvl5pPr lvl="4" rtl="0">
-              <a:lnSpc>
-                <a:spcPct val="115000"/>
-              </a:lnSpc>
-              <a:spcBef>
-                <a:spcPts val="0"/>
-              </a:spcBef>
-              <a:defRPr/>
-            </a:lvl5pPr>
-            <a:lvl6pPr lvl="5" rtl="0">
-              <a:lnSpc>
-                <a:spcPct val="115000"/>
-              </a:lnSpc>
-              <a:spcBef>
-                <a:spcPts val="0"/>
-              </a:spcBef>
-              <a:defRPr/>
-            </a:lvl6pPr>
-            <a:lvl7pPr lvl="6" rtl="0">
-              <a:lnSpc>
-                <a:spcPct val="115000"/>
-              </a:lnSpc>
-              <a:spcBef>
-                <a:spcPts val="0"/>
-              </a:spcBef>
-              <a:defRPr/>
-            </a:lvl7pPr>
-            <a:lvl8pPr lvl="7" rtl="0">
-              <a:lnSpc>
-                <a:spcPct val="115000"/>
-              </a:lnSpc>
-              <a:spcBef>
-                <a:spcPts val="0"/>
-              </a:spcBef>
-              <a:defRPr/>
-            </a:lvl8pPr>
-            <a:lvl9pPr lvl="8" rtl="0">
-              <a:lnSpc>
-                <a:spcPct val="115000"/>
-              </a:lnSpc>
-              <a:spcBef>
-                <a:spcPts val="0"/>
-              </a:spcBef>
-              <a:defRPr/>
-            </a:lvl9pPr>
-          </a:lstStyle>
-          <a:p>
-            <a:endParaRPr/>
-          </a:p>
-        </p:txBody>
-      </p:sp>
-    </p:spTree>
-  </p:cSld>
-  <p:clrMapOvr>
-    <a:masterClrMapping/>
-  </p:clrMapOvr>
-</p:sldLayout>
-</file>
-
-<file path=ppt/slideLayouts/slideLayout13.xml><?xml version="1.0" encoding="utf-8"?>
-<p:sldLayout xmlns:a="http://schemas.openxmlformats.org/drawingml/2006/main" xmlns:r="http://schemas.openxmlformats.org/officeDocument/2006/relationships" xmlns:p="http://schemas.openxmlformats.org/presentationml/2006/main">
-  <p:cSld name="Full - Purple">
-    <p:bg>
-      <p:bgPr>
-        <a:solidFill>
-          <a:srgbClr val="674EA7"/>
-        </a:solidFill>
-        <a:effectLst/>
-      </p:bgPr>
-    </p:bg>
-    <p:spTree>
-      <p:nvGrpSpPr>
-        <p:cNvPr id="1" name="Shape 52"/>
-        <p:cNvGrpSpPr/>
-        <p:nvPr/>
-      </p:nvGrpSpPr>
-      <p:grpSpPr>
-        <a:xfrm>
-          <a:off x="0" y="0"/>
-          <a:ext cx="0" cy="0"/>
-          <a:chOff x="0" y="0"/>
-          <a:chExt cx="0" cy="0"/>
-        </a:xfrm>
-      </p:grpSpPr>
-      <p:sp>
-        <p:nvSpPr>
-          <p:cNvPr id="53" name="Shape 53"/>
-          <p:cNvSpPr txBox="1">
-            <a:spLocks noGrp="1"/>
-          </p:cNvSpPr>
-          <p:nvPr>
-            <p:ph type="title"/>
-          </p:nvPr>
-        </p:nvSpPr>
-        <p:spPr>
-          <a:xfrm>
-            <a:off x="457200" y="49"/>
-            <a:ext cx="8229600" cy="6858000"/>
-          </a:xfrm>
-          <a:prstGeom prst="rect">
-            <a:avLst/>
-          </a:prstGeom>
-        </p:spPr>
-        <p:txBody>
-          <a:bodyPr lIns="91425" tIns="91425" rIns="91425" bIns="91425" anchor="ctr" anchorCtr="0"/>
-          <a:lstStyle>
-            <a:lvl1pPr lvl="0" rtl="0">
-              <a:spcBef>
-                <a:spcPts val="0"/>
-              </a:spcBef>
-              <a:buSzPct val="100000"/>
-              <a:buFont typeface="Dosis"/>
-              <a:defRPr sz="4800">
-                <a:latin typeface="Dosis"/>
-                <a:ea typeface="Dosis"/>
-                <a:cs typeface="Dosis"/>
-                <a:sym typeface="Dosis"/>
-              </a:defRPr>
-            </a:lvl1pPr>
-            <a:lvl2pPr lvl="1" algn="ctr" rtl="0">
-              <a:spcBef>
-                <a:spcPts val="0"/>
-              </a:spcBef>
-              <a:buSzPct val="100000"/>
-              <a:defRPr sz="4800"/>
-            </a:lvl2pPr>
-            <a:lvl3pPr lvl="2" algn="ctr" rtl="0">
-              <a:spcBef>
-                <a:spcPts val="0"/>
-              </a:spcBef>
-              <a:buSzPct val="100000"/>
-              <a:defRPr sz="4800"/>
-            </a:lvl3pPr>
-            <a:lvl4pPr lvl="3" algn="ctr" rtl="0">
-              <a:spcBef>
-                <a:spcPts val="0"/>
-              </a:spcBef>
-              <a:buSzPct val="100000"/>
-              <a:defRPr sz="4800"/>
-            </a:lvl4pPr>
-            <a:lvl5pPr lvl="4" algn="ctr" rtl="0">
-              <a:spcBef>
-                <a:spcPts val="0"/>
-              </a:spcBef>
-              <a:buSzPct val="100000"/>
-              <a:defRPr sz="4800"/>
-            </a:lvl5pPr>
-            <a:lvl6pPr lvl="5" algn="ctr" rtl="0">
-              <a:spcBef>
-                <a:spcPts val="0"/>
-              </a:spcBef>
-              <a:buSzPct val="100000"/>
-              <a:defRPr sz="4800"/>
-            </a:lvl6pPr>
-            <a:lvl7pPr lvl="6" algn="ctr" rtl="0">
-              <a:spcBef>
-                <a:spcPts val="0"/>
-              </a:spcBef>
-              <a:buSzPct val="100000"/>
-              <a:defRPr sz="4800"/>
-            </a:lvl7pPr>
-            <a:lvl8pPr lvl="7" algn="ctr" rtl="0">
-              <a:spcBef>
-                <a:spcPts val="0"/>
-              </a:spcBef>
-              <a:buSzPct val="100000"/>
-              <a:defRPr sz="4800"/>
-            </a:lvl8pPr>
-            <a:lvl9pPr lvl="8" algn="ctr" rtl="0">
-              <a:spcBef>
-                <a:spcPts val="0"/>
-              </a:spcBef>
-              <a:buSzPct val="100000"/>
-              <a:defRPr sz="4800"/>
-            </a:lvl9pPr>
-          </a:lstStyle>
-          <a:p>
-            <a:endParaRPr/>
-          </a:p>
-        </p:txBody>
-      </p:sp>
-    </p:spTree>
-  </p:cSld>
-  <p:clrMapOvr>
-    <a:masterClrMapping/>
-  </p:clrMapOvr>
-</p:sldLayout>
-</file>
-
-<file path=ppt/slideLayouts/slideLayout14.xml><?xml version="1.0" encoding="utf-8"?>
-<p:sldLayout xmlns:a="http://schemas.openxmlformats.org/drawingml/2006/main" xmlns:r="http://schemas.openxmlformats.org/officeDocument/2006/relationships" xmlns:p="http://schemas.openxmlformats.org/presentationml/2006/main">
-  <p:cSld name="Feature - Purple">
-    <p:spTree>
-      <p:nvGrpSpPr>
-        <p:cNvPr id="1" name="Shape 54"/>
-        <p:cNvGrpSpPr/>
-        <p:nvPr/>
-      </p:nvGrpSpPr>
-      <p:grpSpPr>
-        <a:xfrm>
-          <a:off x="0" y="0"/>
-          <a:ext cx="0" cy="0"/>
-          <a:chOff x="0" y="0"/>
-          <a:chExt cx="0" cy="0"/>
-        </a:xfrm>
-      </p:grpSpPr>
-      <p:sp>
-        <p:nvSpPr>
-          <p:cNvPr id="55" name="Shape 55"/>
-          <p:cNvSpPr/>
-          <p:nvPr/>
-        </p:nvSpPr>
-        <p:spPr>
-          <a:xfrm>
-            <a:off x="0" y="0"/>
-            <a:ext cx="9144000" cy="5478299"/>
-          </a:xfrm>
-          <a:prstGeom prst="rect">
-            <a:avLst/>
-          </a:prstGeom>
-          <a:solidFill>
-            <a:srgbClr val="674EA7"/>
-          </a:solidFill>
-          <a:ln>
-            <a:noFill/>
-          </a:ln>
-        </p:spPr>
-        <p:txBody>
-          <a:bodyPr lIns="91425" tIns="45700" rIns="91425" bIns="45700" anchor="ctr" anchorCtr="0">
-            <a:noAutofit/>
-          </a:bodyPr>
-          <a:lstStyle/>
-          <a:p>
-            <a:pPr lvl="0" rtl="0">
-              <a:spcBef>
-                <a:spcPts val="0"/>
-              </a:spcBef>
-              <a:buNone/>
-            </a:pPr>
-            <a:endParaRPr/>
-          </a:p>
-        </p:txBody>
-      </p:sp>
-      <p:cxnSp>
-        <p:nvCxnSpPr>
-          <p:cNvPr id="56" name="Shape 56"/>
-          <p:cNvCxnSpPr/>
-          <p:nvPr/>
-        </p:nvCxnSpPr>
-        <p:spPr>
-          <a:xfrm>
-            <a:off x="0" y="5424139"/>
-            <a:ext cx="9144000" cy="0"/>
-          </a:xfrm>
-          <a:prstGeom prst="straightConnector1">
-            <a:avLst/>
-          </a:prstGeom>
-          <a:noFill/>
-          <a:ln w="57150" cap="flat" cmpd="sng">
-            <a:solidFill>
-              <a:srgbClr val="000000">
-                <a:alpha val="14900"/>
-              </a:srgbClr>
-            </a:solidFill>
-            <a:prstDash val="solid"/>
-            <a:round/>
-            <a:headEnd type="none" w="med" len="med"/>
-            <a:tailEnd type="none" w="med" len="med"/>
-          </a:ln>
-        </p:spPr>
-      </p:cxnSp>
-      <p:sp>
-        <p:nvSpPr>
-          <p:cNvPr id="57" name="Shape 57"/>
-          <p:cNvSpPr txBox="1">
-            <a:spLocks noGrp="1"/>
-          </p:cNvSpPr>
-          <p:nvPr>
-            <p:ph type="subTitle" idx="1"/>
-          </p:nvPr>
-        </p:nvSpPr>
-        <p:spPr>
-          <a:xfrm>
-            <a:off x="685800" y="5742126"/>
-            <a:ext cx="7772400" cy="904499"/>
-          </a:xfrm>
-          <a:prstGeom prst="rect">
-            <a:avLst/>
-          </a:prstGeom>
-        </p:spPr>
-        <p:txBody>
-          <a:bodyPr lIns="91425" tIns="91425" rIns="91425" bIns="91425" anchor="t" anchorCtr="0"/>
-          <a:lstStyle>
-            <a:lvl1pPr lvl="0" algn="ctr" rtl="0">
-              <a:spcBef>
-                <a:spcPts val="0"/>
-              </a:spcBef>
-              <a:buClr>
-                <a:srgbClr val="666666"/>
-              </a:buClr>
-              <a:buSzPct val="100000"/>
-              <a:buFont typeface="Dosis"/>
-              <a:buNone/>
-              <a:defRPr sz="3600">
-                <a:solidFill>
-                  <a:srgbClr val="666666"/>
-                </a:solidFill>
-                <a:latin typeface="Dosis"/>
-                <a:ea typeface="Dosis"/>
-                <a:cs typeface="Dosis"/>
-                <a:sym typeface="Dosis"/>
-              </a:defRPr>
-            </a:lvl1pPr>
-            <a:lvl2pPr lvl="1" rtl="0">
-              <a:spcBef>
-                <a:spcPts val="0"/>
-              </a:spcBef>
-              <a:buClr>
-                <a:schemeClr val="dk2"/>
-              </a:buClr>
-              <a:buSzPct val="100000"/>
-              <a:buFont typeface="Source Sans Pro"/>
-              <a:buNone/>
-              <a:defRPr sz="3000">
-                <a:solidFill>
-                  <a:schemeClr val="dk2"/>
-                </a:solidFill>
-                <a:latin typeface="Source Sans Pro"/>
-                <a:ea typeface="Source Sans Pro"/>
-                <a:cs typeface="Source Sans Pro"/>
-                <a:sym typeface="Source Sans Pro"/>
-              </a:defRPr>
-            </a:lvl2pPr>
-            <a:lvl3pPr lvl="2" rtl="0">
-              <a:spcBef>
-                <a:spcPts val="0"/>
-              </a:spcBef>
-              <a:buClr>
-                <a:schemeClr val="dk2"/>
-              </a:buClr>
-              <a:buSzPct val="100000"/>
-              <a:buFont typeface="Source Sans Pro"/>
-              <a:buNone/>
-              <a:defRPr sz="3000">
-                <a:solidFill>
-                  <a:schemeClr val="dk2"/>
-                </a:solidFill>
-                <a:latin typeface="Source Sans Pro"/>
-                <a:ea typeface="Source Sans Pro"/>
-                <a:cs typeface="Source Sans Pro"/>
-                <a:sym typeface="Source Sans Pro"/>
-              </a:defRPr>
-            </a:lvl3pPr>
-            <a:lvl4pPr lvl="3" rtl="0">
-              <a:spcBef>
-                <a:spcPts val="0"/>
-              </a:spcBef>
-              <a:buClr>
-                <a:schemeClr val="dk2"/>
-              </a:buClr>
-              <a:buSzPct val="100000"/>
-              <a:buFont typeface="Source Sans Pro"/>
-              <a:buNone/>
-              <a:defRPr sz="3000">
-                <a:solidFill>
-                  <a:schemeClr val="dk2"/>
-                </a:solidFill>
-                <a:latin typeface="Source Sans Pro"/>
-                <a:ea typeface="Source Sans Pro"/>
-                <a:cs typeface="Source Sans Pro"/>
-                <a:sym typeface="Source Sans Pro"/>
-              </a:defRPr>
-            </a:lvl4pPr>
-            <a:lvl5pPr lvl="4" rtl="0">
-              <a:spcBef>
-                <a:spcPts val="0"/>
-              </a:spcBef>
-              <a:buClr>
-                <a:schemeClr val="dk2"/>
-              </a:buClr>
-              <a:buSzPct val="100000"/>
-              <a:buFont typeface="Source Sans Pro"/>
-              <a:buNone/>
-              <a:defRPr sz="3000">
-                <a:solidFill>
-                  <a:schemeClr val="dk2"/>
-                </a:solidFill>
-                <a:latin typeface="Source Sans Pro"/>
-                <a:ea typeface="Source Sans Pro"/>
-                <a:cs typeface="Source Sans Pro"/>
-                <a:sym typeface="Source Sans Pro"/>
-              </a:defRPr>
-            </a:lvl5pPr>
-            <a:lvl6pPr lvl="5" rtl="0">
-              <a:spcBef>
-                <a:spcPts val="0"/>
-              </a:spcBef>
-              <a:buClr>
-                <a:schemeClr val="dk2"/>
-              </a:buClr>
-              <a:buSzPct val="100000"/>
-              <a:buFont typeface="Source Sans Pro"/>
-              <a:buNone/>
-              <a:defRPr sz="3000">
-                <a:solidFill>
-                  <a:schemeClr val="dk2"/>
-                </a:solidFill>
-                <a:latin typeface="Source Sans Pro"/>
-                <a:ea typeface="Source Sans Pro"/>
-                <a:cs typeface="Source Sans Pro"/>
-                <a:sym typeface="Source Sans Pro"/>
-              </a:defRPr>
-            </a:lvl6pPr>
-            <a:lvl7pPr lvl="6" rtl="0">
-              <a:spcBef>
-                <a:spcPts val="0"/>
-              </a:spcBef>
-              <a:buClr>
-                <a:schemeClr val="dk2"/>
-              </a:buClr>
-              <a:buSzPct val="100000"/>
-              <a:buFont typeface="Source Sans Pro"/>
-              <a:buNone/>
-              <a:defRPr sz="3000">
-                <a:solidFill>
-                  <a:schemeClr val="dk2"/>
-                </a:solidFill>
-                <a:latin typeface="Source Sans Pro"/>
-                <a:ea typeface="Source Sans Pro"/>
-                <a:cs typeface="Source Sans Pro"/>
-                <a:sym typeface="Source Sans Pro"/>
-              </a:defRPr>
-            </a:lvl7pPr>
-            <a:lvl8pPr lvl="7" rtl="0">
-              <a:spcBef>
-                <a:spcPts val="0"/>
-              </a:spcBef>
-              <a:buClr>
-                <a:schemeClr val="dk2"/>
-              </a:buClr>
-              <a:buSzPct val="100000"/>
-              <a:buFont typeface="Source Sans Pro"/>
-              <a:buNone/>
-              <a:defRPr sz="3000">
-                <a:solidFill>
-                  <a:schemeClr val="dk2"/>
-                </a:solidFill>
-                <a:latin typeface="Source Sans Pro"/>
-                <a:ea typeface="Source Sans Pro"/>
-                <a:cs typeface="Source Sans Pro"/>
-                <a:sym typeface="Source Sans Pro"/>
-              </a:defRPr>
-            </a:lvl8pPr>
-            <a:lvl9pPr lvl="8" rtl="0">
-              <a:spcBef>
-                <a:spcPts val="0"/>
-              </a:spcBef>
-              <a:buClr>
-                <a:schemeClr val="dk2"/>
-              </a:buClr>
-              <a:buSzPct val="100000"/>
-              <a:buFont typeface="Source Sans Pro"/>
-              <a:buNone/>
-              <a:defRPr sz="3000">
-                <a:solidFill>
-                  <a:schemeClr val="dk2"/>
-                </a:solidFill>
-                <a:latin typeface="Source Sans Pro"/>
-                <a:ea typeface="Source Sans Pro"/>
-                <a:cs typeface="Source Sans Pro"/>
-                <a:sym typeface="Source Sans Pro"/>
-              </a:defRPr>
-            </a:lvl9pPr>
-          </a:lstStyle>
-          <a:p>
-            <a:endParaRPr/>
-          </a:p>
-        </p:txBody>
-      </p:sp>
-    </p:spTree>
-  </p:cSld>
-  <p:clrMapOvr>
-    <a:masterClrMapping/>
-  </p:clrMapOvr>
-</p:sldLayout>
-</file>
-
-<file path=ppt/slideLayouts/slideLayout15.xml><?xml version="1.0" encoding="utf-8"?>
-<p:sldLayout xmlns:a="http://schemas.openxmlformats.org/drawingml/2006/main" xmlns:r="http://schemas.openxmlformats.org/officeDocument/2006/relationships" xmlns:p="http://schemas.openxmlformats.org/presentationml/2006/main">
-  <p:cSld name="List - Purple">
-    <p:spTree>
-      <p:nvGrpSpPr>
-        <p:cNvPr id="1" name="Shape 58"/>
-        <p:cNvGrpSpPr/>
-        <p:nvPr/>
-      </p:nvGrpSpPr>
-      <p:grpSpPr>
-        <a:xfrm>
-          <a:off x="0" y="0"/>
-          <a:ext cx="0" cy="0"/>
-          <a:chOff x="0" y="0"/>
-          <a:chExt cx="0" cy="0"/>
-        </a:xfrm>
-      </p:grpSpPr>
-      <p:sp>
-        <p:nvSpPr>
-          <p:cNvPr id="59" name="Shape 59"/>
-          <p:cNvSpPr/>
-          <p:nvPr/>
-        </p:nvSpPr>
-        <p:spPr>
-          <a:xfrm>
-            <a:off x="0" y="0"/>
-            <a:ext cx="9144000" cy="1533299"/>
-          </a:xfrm>
-          <a:prstGeom prst="rect">
-            <a:avLst/>
-          </a:prstGeom>
-          <a:solidFill>
-            <a:srgbClr val="674EA7"/>
-          </a:solidFill>
-          <a:ln>
-            <a:noFill/>
-          </a:ln>
-        </p:spPr>
-        <p:txBody>
-          <a:bodyPr lIns="91425" tIns="45700" rIns="91425" bIns="45700" anchor="ctr" anchorCtr="0">
-            <a:noAutofit/>
-          </a:bodyPr>
-          <a:lstStyle/>
-          <a:p>
-            <a:pPr lvl="0">
-              <a:spcBef>
-                <a:spcPts val="0"/>
-              </a:spcBef>
-              <a:buNone/>
-            </a:pPr>
-            <a:endParaRPr/>
-          </a:p>
-        </p:txBody>
-      </p:sp>
-      <p:cxnSp>
-        <p:nvCxnSpPr>
-          <p:cNvPr id="60" name="Shape 60"/>
-          <p:cNvCxnSpPr/>
-          <p:nvPr/>
-        </p:nvCxnSpPr>
-        <p:spPr>
-          <a:xfrm>
-            <a:off x="0" y="1503833"/>
-            <a:ext cx="9144000" cy="0"/>
-          </a:xfrm>
-          <a:prstGeom prst="straightConnector1">
-            <a:avLst/>
-          </a:prstGeom>
-          <a:noFill/>
-          <a:ln w="57150" cap="flat" cmpd="sng">
-            <a:solidFill>
-              <a:srgbClr val="000000">
-                <a:alpha val="14900"/>
-              </a:srgbClr>
-            </a:solidFill>
-            <a:prstDash val="solid"/>
-            <a:round/>
-            <a:headEnd type="none" w="med" len="med"/>
-            <a:tailEnd type="none" w="med" len="med"/>
-          </a:ln>
-        </p:spPr>
-      </p:cxnSp>
-      <p:sp>
-        <p:nvSpPr>
-          <p:cNvPr id="61" name="Shape 61"/>
-          <p:cNvSpPr txBox="1">
-            <a:spLocks noGrp="1"/>
-          </p:cNvSpPr>
-          <p:nvPr>
-            <p:ph type="title"/>
-          </p:nvPr>
-        </p:nvSpPr>
-        <p:spPr>
-          <a:xfrm>
-            <a:off x="457200" y="274637"/>
-            <a:ext cx="8229600" cy="1143299"/>
-          </a:xfrm>
-          <a:prstGeom prst="rect">
-            <a:avLst/>
-          </a:prstGeom>
-        </p:spPr>
-        <p:txBody>
-          <a:bodyPr lIns="91425" tIns="91425" rIns="91425" bIns="91425" anchor="b" anchorCtr="0"/>
-          <a:lstStyle>
-            <a:lvl1pPr lvl="0" rtl="0">
-              <a:spcBef>
-                <a:spcPts val="0"/>
-              </a:spcBef>
-              <a:buSzPct val="100000"/>
-              <a:buFont typeface="Dosis"/>
-              <a:defRPr sz="4800">
-                <a:latin typeface="Dosis"/>
-                <a:ea typeface="Dosis"/>
-                <a:cs typeface="Dosis"/>
-                <a:sym typeface="Dosis"/>
-              </a:defRPr>
-            </a:lvl1pPr>
-            <a:lvl2pPr lvl="1" rtl="0">
-              <a:spcBef>
-                <a:spcPts val="0"/>
-              </a:spcBef>
-              <a:buSzPct val="100000"/>
-              <a:defRPr sz="4800"/>
-            </a:lvl2pPr>
-            <a:lvl3pPr lvl="2" rtl="0">
-              <a:spcBef>
-                <a:spcPts val="0"/>
-              </a:spcBef>
-              <a:buSzPct val="100000"/>
-              <a:defRPr sz="4800"/>
-            </a:lvl3pPr>
-            <a:lvl4pPr lvl="3" rtl="0">
-              <a:spcBef>
-                <a:spcPts val="0"/>
-              </a:spcBef>
-              <a:buSzPct val="100000"/>
-              <a:defRPr sz="4800"/>
-            </a:lvl4pPr>
-            <a:lvl5pPr lvl="4" rtl="0">
-              <a:spcBef>
-                <a:spcPts val="0"/>
-              </a:spcBef>
-              <a:buSzPct val="100000"/>
-              <a:defRPr sz="4800"/>
-            </a:lvl5pPr>
-            <a:lvl6pPr lvl="5" rtl="0">
-              <a:spcBef>
-                <a:spcPts val="0"/>
-              </a:spcBef>
-              <a:buSzPct val="100000"/>
-              <a:defRPr sz="4800"/>
-            </a:lvl6pPr>
-            <a:lvl7pPr lvl="6" rtl="0">
-              <a:spcBef>
-                <a:spcPts val="0"/>
-              </a:spcBef>
-              <a:buSzPct val="100000"/>
-              <a:defRPr sz="4800"/>
-            </a:lvl7pPr>
-            <a:lvl8pPr lvl="7" rtl="0">
-              <a:spcBef>
-                <a:spcPts val="0"/>
-              </a:spcBef>
-              <a:buSzPct val="100000"/>
-              <a:defRPr sz="4800"/>
-            </a:lvl8pPr>
-            <a:lvl9pPr lvl="8" rtl="0">
-              <a:spcBef>
-                <a:spcPts val="0"/>
-              </a:spcBef>
-              <a:buSzPct val="100000"/>
-              <a:defRPr sz="4800"/>
-            </a:lvl9pPr>
-          </a:lstStyle>
-          <a:p>
-            <a:endParaRPr/>
-          </a:p>
-        </p:txBody>
-      </p:sp>
-      <p:sp>
-        <p:nvSpPr>
-          <p:cNvPr id="62" name="Shape 62"/>
-          <p:cNvSpPr txBox="1">
-            <a:spLocks noGrp="1"/>
-          </p:cNvSpPr>
-          <p:nvPr>
-            <p:ph type="body" idx="1"/>
-          </p:nvPr>
-        </p:nvSpPr>
-        <p:spPr>
-          <a:xfrm>
-            <a:off x="457200" y="1600200"/>
-            <a:ext cx="8229600" cy="4967700"/>
-          </a:xfrm>
-          <a:prstGeom prst="rect">
-            <a:avLst/>
-          </a:prstGeom>
-        </p:spPr>
-        <p:txBody>
-          <a:bodyPr lIns="91425" tIns="91425" rIns="91425" bIns="91425" anchor="t" anchorCtr="0"/>
-          <a:lstStyle>
-            <a:lvl1pPr lvl="0" rtl="0">
-              <a:lnSpc>
-                <a:spcPct val="115000"/>
-              </a:lnSpc>
-              <a:spcBef>
-                <a:spcPts val="0"/>
-              </a:spcBef>
-              <a:defRPr/>
-            </a:lvl1pPr>
-            <a:lvl2pPr lvl="1" rtl="0">
-              <a:lnSpc>
-                <a:spcPct val="115000"/>
-              </a:lnSpc>
-              <a:spcBef>
-                <a:spcPts val="0"/>
-              </a:spcBef>
-              <a:defRPr/>
-            </a:lvl2pPr>
-            <a:lvl3pPr lvl="2" rtl="0">
-              <a:lnSpc>
-                <a:spcPct val="115000"/>
-              </a:lnSpc>
-              <a:spcBef>
-                <a:spcPts val="0"/>
-              </a:spcBef>
-              <a:defRPr/>
-            </a:lvl3pPr>
-            <a:lvl4pPr lvl="3" rtl="0">
-              <a:lnSpc>
-                <a:spcPct val="115000"/>
-              </a:lnSpc>
-              <a:spcBef>
-                <a:spcPts val="0"/>
-              </a:spcBef>
-              <a:defRPr/>
-            </a:lvl4pPr>
-            <a:lvl5pPr lvl="4" rtl="0">
-              <a:lnSpc>
-                <a:spcPct val="115000"/>
-              </a:lnSpc>
-              <a:spcBef>
-                <a:spcPts val="0"/>
-              </a:spcBef>
-              <a:defRPr/>
-            </a:lvl5pPr>
-            <a:lvl6pPr lvl="5" rtl="0">
-              <a:lnSpc>
-                <a:spcPct val="115000"/>
-              </a:lnSpc>
-              <a:spcBef>
-                <a:spcPts val="0"/>
-              </a:spcBef>
-              <a:defRPr/>
-            </a:lvl6pPr>
-            <a:lvl7pPr lvl="6" rtl="0">
-              <a:lnSpc>
-                <a:spcPct val="115000"/>
-              </a:lnSpc>
-              <a:spcBef>
-                <a:spcPts val="0"/>
-              </a:spcBef>
-              <a:defRPr/>
-            </a:lvl7pPr>
-            <a:lvl8pPr lvl="7" rtl="0">
-              <a:lnSpc>
-                <a:spcPct val="115000"/>
-              </a:lnSpc>
-              <a:spcBef>
-                <a:spcPts val="0"/>
-              </a:spcBef>
-              <a:defRPr/>
-            </a:lvl8pPr>
-            <a:lvl9pPr lvl="8" rtl="0">
-              <a:lnSpc>
-                <a:spcPct val="115000"/>
-              </a:lnSpc>
-              <a:spcBef>
-                <a:spcPts val="0"/>
-              </a:spcBef>
-              <a:defRPr/>
-            </a:lvl9pPr>
-          </a:lstStyle>
-          <a:p>
-            <a:endParaRPr/>
-          </a:p>
-        </p:txBody>
-      </p:sp>
-    </p:spTree>
-  </p:cSld>
-  <p:clrMapOvr>
-    <a:masterClrMapping/>
-  </p:clrMapOvr>
-</p:sldLayout>
-</file>
-
-<file path=ppt/slideLayouts/slideLayout16.xml><?xml version="1.0" encoding="utf-8"?>
-<p:sldLayout xmlns:a="http://schemas.openxmlformats.org/drawingml/2006/main" xmlns:r="http://schemas.openxmlformats.org/officeDocument/2006/relationships" xmlns:p="http://schemas.openxmlformats.org/presentationml/2006/main">
-  <p:cSld name="Full - Grey">
-    <p:bg>
-      <p:bgPr>
-        <a:solidFill>
-          <a:srgbClr val="666666"/>
-        </a:solidFill>
-        <a:effectLst/>
-      </p:bgPr>
-    </p:bg>
-    <p:spTree>
-      <p:nvGrpSpPr>
-        <p:cNvPr id="1" name="Shape 63"/>
-        <p:cNvGrpSpPr/>
-        <p:nvPr/>
-      </p:nvGrpSpPr>
-      <p:grpSpPr>
-        <a:xfrm>
-          <a:off x="0" y="0"/>
-          <a:ext cx="0" cy="0"/>
-          <a:chOff x="0" y="0"/>
-          <a:chExt cx="0" cy="0"/>
-        </a:xfrm>
-      </p:grpSpPr>
-      <p:sp>
-        <p:nvSpPr>
-          <p:cNvPr id="64" name="Shape 64"/>
-          <p:cNvSpPr txBox="1">
-            <a:spLocks noGrp="1"/>
-          </p:cNvSpPr>
-          <p:nvPr>
-            <p:ph type="title"/>
-          </p:nvPr>
-        </p:nvSpPr>
-        <p:spPr>
-          <a:xfrm>
-            <a:off x="457200" y="49"/>
-            <a:ext cx="8229600" cy="6858000"/>
-          </a:xfrm>
-          <a:prstGeom prst="rect">
-            <a:avLst/>
-          </a:prstGeom>
-        </p:spPr>
-        <p:txBody>
-          <a:bodyPr lIns="91425" tIns="91425" rIns="91425" bIns="91425" anchor="ctr" anchorCtr="0"/>
-          <a:lstStyle>
-            <a:lvl1pPr lvl="0" rtl="0">
-              <a:spcBef>
-                <a:spcPts val="0"/>
-              </a:spcBef>
-              <a:buSzPct val="100000"/>
-              <a:buFont typeface="Dosis"/>
-              <a:defRPr sz="4800">
-                <a:latin typeface="Dosis"/>
-                <a:ea typeface="Dosis"/>
-                <a:cs typeface="Dosis"/>
-                <a:sym typeface="Dosis"/>
-              </a:defRPr>
-            </a:lvl1pPr>
-            <a:lvl2pPr lvl="1" algn="ctr" rtl="0">
-              <a:spcBef>
-                <a:spcPts val="0"/>
-              </a:spcBef>
-              <a:buSzPct val="100000"/>
-              <a:defRPr sz="4800"/>
-            </a:lvl2pPr>
-            <a:lvl3pPr lvl="2" algn="ctr" rtl="0">
-              <a:spcBef>
-                <a:spcPts val="0"/>
-              </a:spcBef>
-              <a:buSzPct val="100000"/>
-              <a:defRPr sz="4800"/>
-            </a:lvl3pPr>
-            <a:lvl4pPr lvl="3" algn="ctr" rtl="0">
-              <a:spcBef>
-                <a:spcPts val="0"/>
-              </a:spcBef>
-              <a:buSzPct val="100000"/>
-              <a:defRPr sz="4800"/>
-            </a:lvl4pPr>
-            <a:lvl5pPr lvl="4" algn="ctr" rtl="0">
-              <a:spcBef>
-                <a:spcPts val="0"/>
-              </a:spcBef>
-              <a:buSzPct val="100000"/>
-              <a:defRPr sz="4800"/>
-            </a:lvl5pPr>
-            <a:lvl6pPr lvl="5" algn="ctr" rtl="0">
-              <a:spcBef>
-                <a:spcPts val="0"/>
-              </a:spcBef>
-              <a:buSzPct val="100000"/>
-              <a:defRPr sz="4800"/>
-            </a:lvl6pPr>
-            <a:lvl7pPr lvl="6" algn="ctr" rtl="0">
-              <a:spcBef>
-                <a:spcPts val="0"/>
-              </a:spcBef>
-              <a:buSzPct val="100000"/>
-              <a:defRPr sz="4800"/>
-            </a:lvl7pPr>
-            <a:lvl8pPr lvl="7" algn="ctr" rtl="0">
-              <a:spcBef>
-                <a:spcPts val="0"/>
-              </a:spcBef>
-              <a:buSzPct val="100000"/>
-              <a:defRPr sz="4800"/>
-            </a:lvl8pPr>
-            <a:lvl9pPr lvl="8" algn="ctr" rtl="0">
-              <a:spcBef>
-                <a:spcPts val="0"/>
-              </a:spcBef>
-              <a:buSzPct val="100000"/>
-              <a:defRPr sz="4800"/>
-            </a:lvl9pPr>
-          </a:lstStyle>
-          <a:p>
-            <a:endParaRPr/>
-          </a:p>
-        </p:txBody>
-      </p:sp>
-    </p:spTree>
-  </p:cSld>
-  <p:clrMapOvr>
-    <a:masterClrMapping/>
-  </p:clrMapOvr>
-</p:sldLayout>
-</file>
-
-<file path=ppt/slideLayouts/slideLayout17.xml><?xml version="1.0" encoding="utf-8"?>
-<p:sldLayout xmlns:a="http://schemas.openxmlformats.org/drawingml/2006/main" xmlns:r="http://schemas.openxmlformats.org/officeDocument/2006/relationships" xmlns:p="http://schemas.openxmlformats.org/presentationml/2006/main">
-  <p:cSld name="Feature - Grey">
+<file path=ppt/slideLayouts/slideLayout20.xml><?xml version="1.0" encoding="utf-8"?>
+<p:sldLayout xmlns:a="http://schemas.openxmlformats.org/drawingml/2006/main" xmlns:r="http://schemas.openxmlformats.org/officeDocument/2006/relationships" xmlns:p="http://schemas.openxmlformats.org/presentationml/2006/main" preserve="1">
+  <p:cSld name="1_Feature - Purple_Ice">
     <p:spTree>
       <p:nvGrpSpPr>
         <p:cNvPr id="1" name="Shape 65"/>
@@ -3060,7 +3850,7 @@
             <a:avLst/>
           </a:prstGeom>
           <a:solidFill>
-            <a:srgbClr val="666666"/>
+            <a:srgbClr val="7979FF"/>
           </a:solidFill>
           <a:ln>
             <a:noFill/>
@@ -3314,11 +4104,16 @@
             </a:lvl9pPr>
           </a:lstStyle>
           <a:p>
-            <a:endParaRPr/>
+            <a:endParaRPr dirty="0"/>
           </a:p>
         </p:txBody>
       </p:sp>
     </p:spTree>
+    <p:extLst>
+      <p:ext uri="{BB962C8B-B14F-4D97-AF65-F5344CB8AC3E}">
+        <p14:creationId xmlns:p14="http://schemas.microsoft.com/office/powerpoint/2010/main" val="206449511"/>
+      </p:ext>
+    </p:extLst>
   </p:cSld>
   <p:clrMapOvr>
     <a:masterClrMapping/>
@@ -3326,7 +4121,7 @@
 </p:sldLayout>
 </file>
 
-<file path=ppt/slideLayouts/slideLayout18.xml><?xml version="1.0" encoding="utf-8"?>
+<file path=ppt/slideLayouts/slideLayout21.xml><?xml version="1.0" encoding="utf-8"?>
 <p:sldLayout xmlns:a="http://schemas.openxmlformats.org/drawingml/2006/main" xmlns:r="http://schemas.openxmlformats.org/officeDocument/2006/relationships" xmlns:p="http://schemas.openxmlformats.org/presentationml/2006/main">
   <p:cSld name="List - Grey">
     <p:spTree>
@@ -3622,7 +4417,7 @@
 </p:sldLayout>
 </file>
 
-<file path=ppt/slideLayouts/slideLayout19.xml><?xml version="1.0" encoding="utf-8"?>
+<file path=ppt/slideLayouts/slideLayout22.xml><?xml version="1.0" encoding="utf-8"?>
 <p:sldLayout xmlns:a="http://schemas.openxmlformats.org/drawingml/2006/main" xmlns:r="http://schemas.openxmlformats.org/officeDocument/2006/relationships" xmlns:p="http://schemas.openxmlformats.org/presentationml/2006/main">
   <p:cSld name="Full - Teal">
     <p:bg>
@@ -3752,305 +4547,7 @@
 </p:sldLayout>
 </file>
 
-<file path=ppt/slideLayouts/slideLayout2.xml><?xml version="1.0" encoding="utf-8"?>
-<p:sldLayout xmlns:a="http://schemas.openxmlformats.org/drawingml/2006/main" xmlns:r="http://schemas.openxmlformats.org/officeDocument/2006/relationships" xmlns:p="http://schemas.openxmlformats.org/presentationml/2006/main" type="title">
-  <p:cSld name="Feature - Red">
-    <p:spTree>
-      <p:nvGrpSpPr>
-        <p:cNvPr id="1" name="Shape 10"/>
-        <p:cNvGrpSpPr/>
-        <p:nvPr/>
-      </p:nvGrpSpPr>
-      <p:grpSpPr>
-        <a:xfrm>
-          <a:off x="0" y="0"/>
-          <a:ext cx="0" cy="0"/>
-          <a:chOff x="0" y="0"/>
-          <a:chExt cx="0" cy="0"/>
-        </a:xfrm>
-      </p:grpSpPr>
-      <p:sp>
-        <p:nvSpPr>
-          <p:cNvPr id="11" name="Shape 11"/>
-          <p:cNvSpPr/>
-          <p:nvPr/>
-        </p:nvSpPr>
-        <p:spPr>
-          <a:xfrm>
-            <a:off x="0" y="0"/>
-            <a:ext cx="9144000" cy="5478299"/>
-          </a:xfrm>
-          <a:prstGeom prst="rect">
-            <a:avLst/>
-          </a:prstGeom>
-          <a:solidFill>
-            <a:srgbClr val="A61C00"/>
-          </a:solidFill>
-          <a:ln>
-            <a:noFill/>
-          </a:ln>
-        </p:spPr>
-        <p:txBody>
-          <a:bodyPr lIns="91425" tIns="45700" rIns="91425" bIns="45700" anchor="ctr" anchorCtr="0">
-            <a:noAutofit/>
-          </a:bodyPr>
-          <a:lstStyle/>
-          <a:p>
-            <a:pPr lvl="0">
-              <a:spcBef>
-                <a:spcPts val="0"/>
-              </a:spcBef>
-              <a:buNone/>
-            </a:pPr>
-            <a:endParaRPr/>
-          </a:p>
-        </p:txBody>
-      </p:sp>
-      <p:cxnSp>
-        <p:nvCxnSpPr>
-          <p:cNvPr id="12" name="Shape 12"/>
-          <p:cNvCxnSpPr/>
-          <p:nvPr/>
-        </p:nvCxnSpPr>
-        <p:spPr>
-          <a:xfrm>
-            <a:off x="0" y="5424139"/>
-            <a:ext cx="9144000" cy="0"/>
-          </a:xfrm>
-          <a:prstGeom prst="straightConnector1">
-            <a:avLst/>
-          </a:prstGeom>
-          <a:noFill/>
-          <a:ln w="57150" cap="flat" cmpd="sng">
-            <a:solidFill>
-              <a:srgbClr val="000000">
-                <a:alpha val="14900"/>
-              </a:srgbClr>
-            </a:solidFill>
-            <a:prstDash val="solid"/>
-            <a:round/>
-            <a:headEnd type="none" w="med" len="med"/>
-            <a:tailEnd type="none" w="med" len="med"/>
-          </a:ln>
-        </p:spPr>
-      </p:cxnSp>
-      <p:sp>
-        <p:nvSpPr>
-          <p:cNvPr id="13" name="Shape 13"/>
-          <p:cNvSpPr txBox="1">
-            <a:spLocks noGrp="1"/>
-          </p:cNvSpPr>
-          <p:nvPr>
-            <p:ph type="subTitle" idx="1"/>
-          </p:nvPr>
-        </p:nvSpPr>
-        <p:spPr>
-          <a:xfrm>
-            <a:off x="685800" y="5742126"/>
-            <a:ext cx="7772400" cy="904499"/>
-          </a:xfrm>
-          <a:prstGeom prst="rect">
-            <a:avLst/>
-          </a:prstGeom>
-        </p:spPr>
-        <p:txBody>
-          <a:bodyPr lIns="91425" tIns="91425" rIns="91425" bIns="91425" anchor="t" anchorCtr="0"/>
-          <a:lstStyle>
-            <a:lvl1pPr lvl="0" algn="ctr" rtl="0">
-              <a:spcBef>
-                <a:spcPts val="0"/>
-              </a:spcBef>
-              <a:buClr>
-                <a:srgbClr val="666666"/>
-              </a:buClr>
-              <a:buSzPct val="100000"/>
-              <a:buFont typeface="Dosis"/>
-              <a:buNone/>
-              <a:defRPr sz="3600">
-                <a:solidFill>
-                  <a:srgbClr val="666666"/>
-                </a:solidFill>
-                <a:latin typeface="Dosis"/>
-                <a:ea typeface="Dosis"/>
-                <a:cs typeface="Dosis"/>
-                <a:sym typeface="Dosis"/>
-              </a:defRPr>
-            </a:lvl1pPr>
-            <a:lvl2pPr lvl="1" rtl="0">
-              <a:spcBef>
-                <a:spcPts val="0"/>
-              </a:spcBef>
-              <a:buClr>
-                <a:schemeClr val="dk2"/>
-              </a:buClr>
-              <a:buSzPct val="100000"/>
-              <a:buFont typeface="Source Sans Pro"/>
-              <a:buNone/>
-              <a:defRPr sz="3000">
-                <a:solidFill>
-                  <a:schemeClr val="dk2"/>
-                </a:solidFill>
-                <a:latin typeface="Source Sans Pro"/>
-                <a:ea typeface="Source Sans Pro"/>
-                <a:cs typeface="Source Sans Pro"/>
-                <a:sym typeface="Source Sans Pro"/>
-              </a:defRPr>
-            </a:lvl2pPr>
-            <a:lvl3pPr lvl="2" rtl="0">
-              <a:spcBef>
-                <a:spcPts val="0"/>
-              </a:spcBef>
-              <a:buClr>
-                <a:schemeClr val="dk2"/>
-              </a:buClr>
-              <a:buSzPct val="100000"/>
-              <a:buFont typeface="Source Sans Pro"/>
-              <a:buNone/>
-              <a:defRPr sz="3000">
-                <a:solidFill>
-                  <a:schemeClr val="dk2"/>
-                </a:solidFill>
-                <a:latin typeface="Source Sans Pro"/>
-                <a:ea typeface="Source Sans Pro"/>
-                <a:cs typeface="Source Sans Pro"/>
-                <a:sym typeface="Source Sans Pro"/>
-              </a:defRPr>
-            </a:lvl3pPr>
-            <a:lvl4pPr lvl="3" rtl="0">
-              <a:spcBef>
-                <a:spcPts val="0"/>
-              </a:spcBef>
-              <a:buClr>
-                <a:schemeClr val="dk2"/>
-              </a:buClr>
-              <a:buSzPct val="100000"/>
-              <a:buFont typeface="Source Sans Pro"/>
-              <a:buNone/>
-              <a:defRPr sz="3000">
-                <a:solidFill>
-                  <a:schemeClr val="dk2"/>
-                </a:solidFill>
-                <a:latin typeface="Source Sans Pro"/>
-                <a:ea typeface="Source Sans Pro"/>
-                <a:cs typeface="Source Sans Pro"/>
-                <a:sym typeface="Source Sans Pro"/>
-              </a:defRPr>
-            </a:lvl4pPr>
-            <a:lvl5pPr lvl="4" rtl="0">
-              <a:spcBef>
-                <a:spcPts val="0"/>
-              </a:spcBef>
-              <a:buClr>
-                <a:schemeClr val="dk2"/>
-              </a:buClr>
-              <a:buSzPct val="100000"/>
-              <a:buFont typeface="Source Sans Pro"/>
-              <a:buNone/>
-              <a:defRPr sz="3000">
-                <a:solidFill>
-                  <a:schemeClr val="dk2"/>
-                </a:solidFill>
-                <a:latin typeface="Source Sans Pro"/>
-                <a:ea typeface="Source Sans Pro"/>
-                <a:cs typeface="Source Sans Pro"/>
-                <a:sym typeface="Source Sans Pro"/>
-              </a:defRPr>
-            </a:lvl5pPr>
-            <a:lvl6pPr lvl="5" rtl="0">
-              <a:spcBef>
-                <a:spcPts val="0"/>
-              </a:spcBef>
-              <a:buClr>
-                <a:schemeClr val="dk2"/>
-              </a:buClr>
-              <a:buSzPct val="100000"/>
-              <a:buFont typeface="Source Sans Pro"/>
-              <a:buNone/>
-              <a:defRPr sz="3000">
-                <a:solidFill>
-                  <a:schemeClr val="dk2"/>
-                </a:solidFill>
-                <a:latin typeface="Source Sans Pro"/>
-                <a:ea typeface="Source Sans Pro"/>
-                <a:cs typeface="Source Sans Pro"/>
-                <a:sym typeface="Source Sans Pro"/>
-              </a:defRPr>
-            </a:lvl6pPr>
-            <a:lvl7pPr lvl="6" rtl="0">
-              <a:spcBef>
-                <a:spcPts val="0"/>
-              </a:spcBef>
-              <a:buClr>
-                <a:schemeClr val="dk2"/>
-              </a:buClr>
-              <a:buSzPct val="100000"/>
-              <a:buFont typeface="Source Sans Pro"/>
-              <a:buNone/>
-              <a:defRPr sz="3000">
-                <a:solidFill>
-                  <a:schemeClr val="dk2"/>
-                </a:solidFill>
-                <a:latin typeface="Source Sans Pro"/>
-                <a:ea typeface="Source Sans Pro"/>
-                <a:cs typeface="Source Sans Pro"/>
-                <a:sym typeface="Source Sans Pro"/>
-              </a:defRPr>
-            </a:lvl7pPr>
-            <a:lvl8pPr lvl="7" rtl="0">
-              <a:spcBef>
-                <a:spcPts val="0"/>
-              </a:spcBef>
-              <a:buClr>
-                <a:schemeClr val="dk2"/>
-              </a:buClr>
-              <a:buSzPct val="100000"/>
-              <a:buFont typeface="Source Sans Pro"/>
-              <a:buNone/>
-              <a:defRPr sz="3000">
-                <a:solidFill>
-                  <a:schemeClr val="dk2"/>
-                </a:solidFill>
-                <a:latin typeface="Source Sans Pro"/>
-                <a:ea typeface="Source Sans Pro"/>
-                <a:cs typeface="Source Sans Pro"/>
-                <a:sym typeface="Source Sans Pro"/>
-              </a:defRPr>
-            </a:lvl8pPr>
-            <a:lvl9pPr lvl="8" rtl="0">
-              <a:spcBef>
-                <a:spcPts val="0"/>
-              </a:spcBef>
-              <a:buClr>
-                <a:schemeClr val="dk2"/>
-              </a:buClr>
-              <a:buSzPct val="100000"/>
-              <a:buFont typeface="Source Sans Pro"/>
-              <a:buNone/>
-              <a:defRPr sz="3000">
-                <a:solidFill>
-                  <a:schemeClr val="dk2"/>
-                </a:solidFill>
-                <a:latin typeface="Source Sans Pro"/>
-                <a:ea typeface="Source Sans Pro"/>
-                <a:cs typeface="Source Sans Pro"/>
-                <a:sym typeface="Source Sans Pro"/>
-              </a:defRPr>
-            </a:lvl9pPr>
-          </a:lstStyle>
-          <a:p>
-            <a:endParaRPr/>
-          </a:p>
-        </p:txBody>
-      </p:sp>
-    </p:spTree>
-  </p:cSld>
-  <p:clrMapOvr>
-    <a:masterClrMapping/>
-  </p:clrMapOvr>
-</p:sldLayout>
-</file>
-
-<file path=ppt/slideLayouts/slideLayout20.xml><?xml version="1.0" encoding="utf-8"?>
+<file path=ppt/slideLayouts/slideLayout23.xml><?xml version="1.0" encoding="utf-8"?>
 <p:sldLayout xmlns:a="http://schemas.openxmlformats.org/drawingml/2006/main" xmlns:r="http://schemas.openxmlformats.org/officeDocument/2006/relationships" xmlns:p="http://schemas.openxmlformats.org/presentationml/2006/main">
   <p:cSld name="Feature - Teal">
     <p:spTree>
@@ -4348,7 +4845,7 @@
 </p:sldLayout>
 </file>
 
-<file path=ppt/slideLayouts/slideLayout21.xml><?xml version="1.0" encoding="utf-8"?>
+<file path=ppt/slideLayouts/slideLayout24.xml><?xml version="1.0" encoding="utf-8"?>
 <p:sldLayout xmlns:a="http://schemas.openxmlformats.org/drawingml/2006/main" xmlns:r="http://schemas.openxmlformats.org/officeDocument/2006/relationships" xmlns:p="http://schemas.openxmlformats.org/presentationml/2006/main">
   <p:cSld name="List - Teal">
     <p:spTree>
@@ -4644,7 +5141,7 @@
 </p:sldLayout>
 </file>
 
-<file path=ppt/slideLayouts/slideLayout22.xml><?xml version="1.0" encoding="utf-8"?>
+<file path=ppt/slideLayouts/slideLayout25.xml><?xml version="1.0" encoding="utf-8"?>
 <p:sldLayout xmlns:a="http://schemas.openxmlformats.org/drawingml/2006/main" xmlns:r="http://schemas.openxmlformats.org/officeDocument/2006/relationships" xmlns:p="http://schemas.openxmlformats.org/presentationml/2006/main">
   <p:cSld name="Full - Midnight Blue">
     <p:bg>
@@ -4774,7 +5271,7 @@
 </p:sldLayout>
 </file>
 
-<file path=ppt/slideLayouts/slideLayout23.xml><?xml version="1.0" encoding="utf-8"?>
+<file path=ppt/slideLayouts/slideLayout26.xml><?xml version="1.0" encoding="utf-8"?>
 <p:sldLayout xmlns:a="http://schemas.openxmlformats.org/drawingml/2006/main" xmlns:r="http://schemas.openxmlformats.org/officeDocument/2006/relationships" xmlns:p="http://schemas.openxmlformats.org/presentationml/2006/main">
   <p:cSld name="Feature - Midnight Blue">
     <p:spTree>
@@ -5072,7 +5569,7 @@
 </p:sldLayout>
 </file>
 
-<file path=ppt/slideLayouts/slideLayout24.xml><?xml version="1.0" encoding="utf-8"?>
+<file path=ppt/slideLayouts/slideLayout27.xml><?xml version="1.0" encoding="utf-8"?>
 <p:sldLayout xmlns:a="http://schemas.openxmlformats.org/drawingml/2006/main" xmlns:r="http://schemas.openxmlformats.org/officeDocument/2006/relationships" xmlns:p="http://schemas.openxmlformats.org/presentationml/2006/main">
   <p:cSld name="List - Midnight Blue">
     <p:spTree>
@@ -5368,7 +5865,7 @@
 </p:sldLayout>
 </file>
 
-<file path=ppt/slideLayouts/slideLayout25.xml><?xml version="1.0" encoding="utf-8"?>
+<file path=ppt/slideLayouts/slideLayout28.xml><?xml version="1.0" encoding="utf-8"?>
 <p:sldLayout xmlns:a="http://schemas.openxmlformats.org/drawingml/2006/main" xmlns:r="http://schemas.openxmlformats.org/officeDocument/2006/relationships" xmlns:p="http://schemas.openxmlformats.org/presentationml/2006/main">
   <p:cSld name="Full - Tan">
     <p:bg>
@@ -5498,7 +5995,7 @@
 </p:sldLayout>
 </file>
 
-<file path=ppt/slideLayouts/slideLayout26.xml><?xml version="1.0" encoding="utf-8"?>
+<file path=ppt/slideLayouts/slideLayout29.xml><?xml version="1.0" encoding="utf-8"?>
 <p:sldLayout xmlns:a="http://schemas.openxmlformats.org/drawingml/2006/main" xmlns:r="http://schemas.openxmlformats.org/officeDocument/2006/relationships" xmlns:p="http://schemas.openxmlformats.org/presentationml/2006/main">
   <p:cSld name="Feature - Tan">
     <p:spTree>
@@ -5796,7 +6293,305 @@
 </p:sldLayout>
 </file>
 
-<file path=ppt/slideLayouts/slideLayout27.xml><?xml version="1.0" encoding="utf-8"?>
+<file path=ppt/slideLayouts/slideLayout3.xml><?xml version="1.0" encoding="utf-8"?>
+<p:sldLayout xmlns:a="http://schemas.openxmlformats.org/drawingml/2006/main" xmlns:r="http://schemas.openxmlformats.org/officeDocument/2006/relationships" xmlns:p="http://schemas.openxmlformats.org/presentationml/2006/main" type="title">
+  <p:cSld name="Feature - Red">
+    <p:spTree>
+      <p:nvGrpSpPr>
+        <p:cNvPr id="1" name="Shape 10"/>
+        <p:cNvGrpSpPr/>
+        <p:nvPr/>
+      </p:nvGrpSpPr>
+      <p:grpSpPr>
+        <a:xfrm>
+          <a:off x="0" y="0"/>
+          <a:ext cx="0" cy="0"/>
+          <a:chOff x="0" y="0"/>
+          <a:chExt cx="0" cy="0"/>
+        </a:xfrm>
+      </p:grpSpPr>
+      <p:sp>
+        <p:nvSpPr>
+          <p:cNvPr id="11" name="Shape 11"/>
+          <p:cNvSpPr/>
+          <p:nvPr/>
+        </p:nvSpPr>
+        <p:spPr>
+          <a:xfrm>
+            <a:off x="0" y="0"/>
+            <a:ext cx="9144000" cy="5478299"/>
+          </a:xfrm>
+          <a:prstGeom prst="rect">
+            <a:avLst/>
+          </a:prstGeom>
+          <a:solidFill>
+            <a:srgbClr val="A61C00"/>
+          </a:solidFill>
+          <a:ln>
+            <a:noFill/>
+          </a:ln>
+        </p:spPr>
+        <p:txBody>
+          <a:bodyPr lIns="91425" tIns="45700" rIns="91425" bIns="45700" anchor="ctr" anchorCtr="0">
+            <a:noAutofit/>
+          </a:bodyPr>
+          <a:lstStyle/>
+          <a:p>
+            <a:pPr lvl="0">
+              <a:spcBef>
+                <a:spcPts val="0"/>
+              </a:spcBef>
+              <a:buNone/>
+            </a:pPr>
+            <a:endParaRPr/>
+          </a:p>
+        </p:txBody>
+      </p:sp>
+      <p:cxnSp>
+        <p:nvCxnSpPr>
+          <p:cNvPr id="12" name="Shape 12"/>
+          <p:cNvCxnSpPr/>
+          <p:nvPr/>
+        </p:nvCxnSpPr>
+        <p:spPr>
+          <a:xfrm>
+            <a:off x="0" y="5424139"/>
+            <a:ext cx="9144000" cy="0"/>
+          </a:xfrm>
+          <a:prstGeom prst="straightConnector1">
+            <a:avLst/>
+          </a:prstGeom>
+          <a:noFill/>
+          <a:ln w="57150" cap="flat" cmpd="sng">
+            <a:solidFill>
+              <a:srgbClr val="000000">
+                <a:alpha val="14900"/>
+              </a:srgbClr>
+            </a:solidFill>
+            <a:prstDash val="solid"/>
+            <a:round/>
+            <a:headEnd type="none" w="med" len="med"/>
+            <a:tailEnd type="none" w="med" len="med"/>
+          </a:ln>
+        </p:spPr>
+      </p:cxnSp>
+      <p:sp>
+        <p:nvSpPr>
+          <p:cNvPr id="13" name="Shape 13"/>
+          <p:cNvSpPr txBox="1">
+            <a:spLocks noGrp="1"/>
+          </p:cNvSpPr>
+          <p:nvPr>
+            <p:ph type="subTitle" idx="1"/>
+          </p:nvPr>
+        </p:nvSpPr>
+        <p:spPr>
+          <a:xfrm>
+            <a:off x="685800" y="5742126"/>
+            <a:ext cx="7772400" cy="904499"/>
+          </a:xfrm>
+          <a:prstGeom prst="rect">
+            <a:avLst/>
+          </a:prstGeom>
+        </p:spPr>
+        <p:txBody>
+          <a:bodyPr lIns="91425" tIns="91425" rIns="91425" bIns="91425" anchor="t" anchorCtr="0"/>
+          <a:lstStyle>
+            <a:lvl1pPr lvl="0" algn="ctr" rtl="0">
+              <a:spcBef>
+                <a:spcPts val="0"/>
+              </a:spcBef>
+              <a:buClr>
+                <a:srgbClr val="666666"/>
+              </a:buClr>
+              <a:buSzPct val="100000"/>
+              <a:buFont typeface="Dosis"/>
+              <a:buNone/>
+              <a:defRPr sz="3600">
+                <a:solidFill>
+                  <a:srgbClr val="666666"/>
+                </a:solidFill>
+                <a:latin typeface="Dosis"/>
+                <a:ea typeface="Dosis"/>
+                <a:cs typeface="Dosis"/>
+                <a:sym typeface="Dosis"/>
+              </a:defRPr>
+            </a:lvl1pPr>
+            <a:lvl2pPr lvl="1" rtl="0">
+              <a:spcBef>
+                <a:spcPts val="0"/>
+              </a:spcBef>
+              <a:buClr>
+                <a:schemeClr val="dk2"/>
+              </a:buClr>
+              <a:buSzPct val="100000"/>
+              <a:buFont typeface="Source Sans Pro"/>
+              <a:buNone/>
+              <a:defRPr sz="3000">
+                <a:solidFill>
+                  <a:schemeClr val="dk2"/>
+                </a:solidFill>
+                <a:latin typeface="Source Sans Pro"/>
+                <a:ea typeface="Source Sans Pro"/>
+                <a:cs typeface="Source Sans Pro"/>
+                <a:sym typeface="Source Sans Pro"/>
+              </a:defRPr>
+            </a:lvl2pPr>
+            <a:lvl3pPr lvl="2" rtl="0">
+              <a:spcBef>
+                <a:spcPts val="0"/>
+              </a:spcBef>
+              <a:buClr>
+                <a:schemeClr val="dk2"/>
+              </a:buClr>
+              <a:buSzPct val="100000"/>
+              <a:buFont typeface="Source Sans Pro"/>
+              <a:buNone/>
+              <a:defRPr sz="3000">
+                <a:solidFill>
+                  <a:schemeClr val="dk2"/>
+                </a:solidFill>
+                <a:latin typeface="Source Sans Pro"/>
+                <a:ea typeface="Source Sans Pro"/>
+                <a:cs typeface="Source Sans Pro"/>
+                <a:sym typeface="Source Sans Pro"/>
+              </a:defRPr>
+            </a:lvl3pPr>
+            <a:lvl4pPr lvl="3" rtl="0">
+              <a:spcBef>
+                <a:spcPts val="0"/>
+              </a:spcBef>
+              <a:buClr>
+                <a:schemeClr val="dk2"/>
+              </a:buClr>
+              <a:buSzPct val="100000"/>
+              <a:buFont typeface="Source Sans Pro"/>
+              <a:buNone/>
+              <a:defRPr sz="3000">
+                <a:solidFill>
+                  <a:schemeClr val="dk2"/>
+                </a:solidFill>
+                <a:latin typeface="Source Sans Pro"/>
+                <a:ea typeface="Source Sans Pro"/>
+                <a:cs typeface="Source Sans Pro"/>
+                <a:sym typeface="Source Sans Pro"/>
+              </a:defRPr>
+            </a:lvl4pPr>
+            <a:lvl5pPr lvl="4" rtl="0">
+              <a:spcBef>
+                <a:spcPts val="0"/>
+              </a:spcBef>
+              <a:buClr>
+                <a:schemeClr val="dk2"/>
+              </a:buClr>
+              <a:buSzPct val="100000"/>
+              <a:buFont typeface="Source Sans Pro"/>
+              <a:buNone/>
+              <a:defRPr sz="3000">
+                <a:solidFill>
+                  <a:schemeClr val="dk2"/>
+                </a:solidFill>
+                <a:latin typeface="Source Sans Pro"/>
+                <a:ea typeface="Source Sans Pro"/>
+                <a:cs typeface="Source Sans Pro"/>
+                <a:sym typeface="Source Sans Pro"/>
+              </a:defRPr>
+            </a:lvl5pPr>
+            <a:lvl6pPr lvl="5" rtl="0">
+              <a:spcBef>
+                <a:spcPts val="0"/>
+              </a:spcBef>
+              <a:buClr>
+                <a:schemeClr val="dk2"/>
+              </a:buClr>
+              <a:buSzPct val="100000"/>
+              <a:buFont typeface="Source Sans Pro"/>
+              <a:buNone/>
+              <a:defRPr sz="3000">
+                <a:solidFill>
+                  <a:schemeClr val="dk2"/>
+                </a:solidFill>
+                <a:latin typeface="Source Sans Pro"/>
+                <a:ea typeface="Source Sans Pro"/>
+                <a:cs typeface="Source Sans Pro"/>
+                <a:sym typeface="Source Sans Pro"/>
+              </a:defRPr>
+            </a:lvl6pPr>
+            <a:lvl7pPr lvl="6" rtl="0">
+              <a:spcBef>
+                <a:spcPts val="0"/>
+              </a:spcBef>
+              <a:buClr>
+                <a:schemeClr val="dk2"/>
+              </a:buClr>
+              <a:buSzPct val="100000"/>
+              <a:buFont typeface="Source Sans Pro"/>
+              <a:buNone/>
+              <a:defRPr sz="3000">
+                <a:solidFill>
+                  <a:schemeClr val="dk2"/>
+                </a:solidFill>
+                <a:latin typeface="Source Sans Pro"/>
+                <a:ea typeface="Source Sans Pro"/>
+                <a:cs typeface="Source Sans Pro"/>
+                <a:sym typeface="Source Sans Pro"/>
+              </a:defRPr>
+            </a:lvl7pPr>
+            <a:lvl8pPr lvl="7" rtl="0">
+              <a:spcBef>
+                <a:spcPts val="0"/>
+              </a:spcBef>
+              <a:buClr>
+                <a:schemeClr val="dk2"/>
+              </a:buClr>
+              <a:buSzPct val="100000"/>
+              <a:buFont typeface="Source Sans Pro"/>
+              <a:buNone/>
+              <a:defRPr sz="3000">
+                <a:solidFill>
+                  <a:schemeClr val="dk2"/>
+                </a:solidFill>
+                <a:latin typeface="Source Sans Pro"/>
+                <a:ea typeface="Source Sans Pro"/>
+                <a:cs typeface="Source Sans Pro"/>
+                <a:sym typeface="Source Sans Pro"/>
+              </a:defRPr>
+            </a:lvl8pPr>
+            <a:lvl9pPr lvl="8" rtl="0">
+              <a:spcBef>
+                <a:spcPts val="0"/>
+              </a:spcBef>
+              <a:buClr>
+                <a:schemeClr val="dk2"/>
+              </a:buClr>
+              <a:buSzPct val="100000"/>
+              <a:buFont typeface="Source Sans Pro"/>
+              <a:buNone/>
+              <a:defRPr sz="3000">
+                <a:solidFill>
+                  <a:schemeClr val="dk2"/>
+                </a:solidFill>
+                <a:latin typeface="Source Sans Pro"/>
+                <a:ea typeface="Source Sans Pro"/>
+                <a:cs typeface="Source Sans Pro"/>
+                <a:sym typeface="Source Sans Pro"/>
+              </a:defRPr>
+            </a:lvl9pPr>
+          </a:lstStyle>
+          <a:p>
+            <a:endParaRPr/>
+          </a:p>
+        </p:txBody>
+      </p:sp>
+    </p:spTree>
+  </p:cSld>
+  <p:clrMapOvr>
+    <a:masterClrMapping/>
+  </p:clrMapOvr>
+</p:sldLayout>
+</file>
+
+<file path=ppt/slideLayouts/slideLayout30.xml><?xml version="1.0" encoding="utf-8"?>
 <p:sldLayout xmlns:a="http://schemas.openxmlformats.org/drawingml/2006/main" xmlns:r="http://schemas.openxmlformats.org/officeDocument/2006/relationships" xmlns:p="http://schemas.openxmlformats.org/presentationml/2006/main">
   <p:cSld name="List - Tan Ah Kow">
     <p:spTree>
@@ -6092,7 +6887,7 @@
 </p:sldLayout>
 </file>
 
-<file path=ppt/slideLayouts/slideLayout28.xml><?xml version="1.0" encoding="utf-8"?>
+<file path=ppt/slideLayouts/slideLayout31.xml><?xml version="1.0" encoding="utf-8"?>
 <p:sldLayout xmlns:a="http://schemas.openxmlformats.org/drawingml/2006/main" xmlns:r="http://schemas.openxmlformats.org/officeDocument/2006/relationships" xmlns:p="http://schemas.openxmlformats.org/presentationml/2006/main">
   <p:cSld name="Blank 1">
     <p:bg>
@@ -6222,7 +7017,7 @@
 </p:sldLayout>
 </file>
 
-<file path=ppt/slideLayouts/slideLayout29.xml><?xml version="1.0" encoding="utf-8"?>
+<file path=ppt/slideLayouts/slideLayout32.xml><?xml version="1.0" encoding="utf-8"?>
 <p:sldLayout xmlns:a="http://schemas.openxmlformats.org/drawingml/2006/main" xmlns:r="http://schemas.openxmlformats.org/officeDocument/2006/relationships" xmlns:p="http://schemas.openxmlformats.org/presentationml/2006/main">
   <p:cSld name="Blank 1 1 1">
     <p:bg>
@@ -6352,303 +7147,7 @@
 </p:sldLayout>
 </file>
 
-<file path=ppt/slideLayouts/slideLayout3.xml><?xml version="1.0" encoding="utf-8"?>
-<p:sldLayout xmlns:a="http://schemas.openxmlformats.org/drawingml/2006/main" xmlns:r="http://schemas.openxmlformats.org/officeDocument/2006/relationships" xmlns:p="http://schemas.openxmlformats.org/presentationml/2006/main" type="tx">
-  <p:cSld name="List - Red">
-    <p:spTree>
-      <p:nvGrpSpPr>
-        <p:cNvPr id="1" name="Shape 14"/>
-        <p:cNvGrpSpPr/>
-        <p:nvPr/>
-      </p:nvGrpSpPr>
-      <p:grpSpPr>
-        <a:xfrm>
-          <a:off x="0" y="0"/>
-          <a:ext cx="0" cy="0"/>
-          <a:chOff x="0" y="0"/>
-          <a:chExt cx="0" cy="0"/>
-        </a:xfrm>
-      </p:grpSpPr>
-      <p:sp>
-        <p:nvSpPr>
-          <p:cNvPr id="15" name="Shape 15"/>
-          <p:cNvSpPr/>
-          <p:nvPr/>
-        </p:nvSpPr>
-        <p:spPr>
-          <a:xfrm>
-            <a:off x="0" y="0"/>
-            <a:ext cx="9144000" cy="1533299"/>
-          </a:xfrm>
-          <a:prstGeom prst="rect">
-            <a:avLst/>
-          </a:prstGeom>
-          <a:solidFill>
-            <a:srgbClr val="A61C00"/>
-          </a:solidFill>
-          <a:ln>
-            <a:noFill/>
-          </a:ln>
-        </p:spPr>
-        <p:txBody>
-          <a:bodyPr lIns="91425" tIns="45700" rIns="91425" bIns="45700" anchor="ctr" anchorCtr="0">
-            <a:noAutofit/>
-          </a:bodyPr>
-          <a:lstStyle/>
-          <a:p>
-            <a:pPr lvl="0">
-              <a:spcBef>
-                <a:spcPts val="0"/>
-              </a:spcBef>
-              <a:buNone/>
-            </a:pPr>
-            <a:endParaRPr/>
-          </a:p>
-        </p:txBody>
-      </p:sp>
-      <p:cxnSp>
-        <p:nvCxnSpPr>
-          <p:cNvPr id="16" name="Shape 16"/>
-          <p:cNvCxnSpPr/>
-          <p:nvPr/>
-        </p:nvCxnSpPr>
-        <p:spPr>
-          <a:xfrm>
-            <a:off x="0" y="1503833"/>
-            <a:ext cx="9144000" cy="0"/>
-          </a:xfrm>
-          <a:prstGeom prst="straightConnector1">
-            <a:avLst/>
-          </a:prstGeom>
-          <a:noFill/>
-          <a:ln w="57150" cap="flat" cmpd="sng">
-            <a:solidFill>
-              <a:srgbClr val="000000">
-                <a:alpha val="14900"/>
-              </a:srgbClr>
-            </a:solidFill>
-            <a:prstDash val="solid"/>
-            <a:round/>
-            <a:headEnd type="none" w="med" len="med"/>
-            <a:tailEnd type="none" w="med" len="med"/>
-          </a:ln>
-        </p:spPr>
-      </p:cxnSp>
-      <p:sp>
-        <p:nvSpPr>
-          <p:cNvPr id="17" name="Shape 17"/>
-          <p:cNvSpPr txBox="1">
-            <a:spLocks noGrp="1"/>
-          </p:cNvSpPr>
-          <p:nvPr>
-            <p:ph type="title"/>
-          </p:nvPr>
-        </p:nvSpPr>
-        <p:spPr>
-          <a:xfrm>
-            <a:off x="457200" y="274637"/>
-            <a:ext cx="8229600" cy="1143299"/>
-          </a:xfrm>
-          <a:prstGeom prst="rect">
-            <a:avLst/>
-          </a:prstGeom>
-        </p:spPr>
-        <p:txBody>
-          <a:bodyPr lIns="91425" tIns="91425" rIns="91425" bIns="91425" anchor="b" anchorCtr="0"/>
-          <a:lstStyle>
-            <a:lvl1pPr lvl="0" rtl="0">
-              <a:spcBef>
-                <a:spcPts val="0"/>
-              </a:spcBef>
-              <a:buSzPct val="100000"/>
-              <a:buFont typeface="Dosis"/>
-              <a:defRPr sz="4800">
-                <a:latin typeface="Dosis"/>
-                <a:ea typeface="Dosis"/>
-                <a:cs typeface="Dosis"/>
-                <a:sym typeface="Dosis"/>
-              </a:defRPr>
-            </a:lvl1pPr>
-            <a:lvl2pPr lvl="1" rtl="0">
-              <a:spcBef>
-                <a:spcPts val="0"/>
-              </a:spcBef>
-              <a:buSzPct val="100000"/>
-              <a:defRPr sz="4800"/>
-            </a:lvl2pPr>
-            <a:lvl3pPr lvl="2" rtl="0">
-              <a:spcBef>
-                <a:spcPts val="0"/>
-              </a:spcBef>
-              <a:buSzPct val="100000"/>
-              <a:defRPr sz="4800"/>
-            </a:lvl3pPr>
-            <a:lvl4pPr lvl="3" rtl="0">
-              <a:spcBef>
-                <a:spcPts val="0"/>
-              </a:spcBef>
-              <a:buSzPct val="100000"/>
-              <a:defRPr sz="4800"/>
-            </a:lvl4pPr>
-            <a:lvl5pPr lvl="4" rtl="0">
-              <a:spcBef>
-                <a:spcPts val="0"/>
-              </a:spcBef>
-              <a:buSzPct val="100000"/>
-              <a:defRPr sz="4800"/>
-            </a:lvl5pPr>
-            <a:lvl6pPr lvl="5" rtl="0">
-              <a:spcBef>
-                <a:spcPts val="0"/>
-              </a:spcBef>
-              <a:buSzPct val="100000"/>
-              <a:defRPr sz="4800"/>
-            </a:lvl6pPr>
-            <a:lvl7pPr lvl="6" rtl="0">
-              <a:spcBef>
-                <a:spcPts val="0"/>
-              </a:spcBef>
-              <a:buSzPct val="100000"/>
-              <a:defRPr sz="4800"/>
-            </a:lvl7pPr>
-            <a:lvl8pPr lvl="7" rtl="0">
-              <a:spcBef>
-                <a:spcPts val="0"/>
-              </a:spcBef>
-              <a:buSzPct val="100000"/>
-              <a:defRPr sz="4800"/>
-            </a:lvl8pPr>
-            <a:lvl9pPr lvl="8" rtl="0">
-              <a:spcBef>
-                <a:spcPts val="0"/>
-              </a:spcBef>
-              <a:buSzPct val="100000"/>
-              <a:defRPr sz="4800"/>
-            </a:lvl9pPr>
-          </a:lstStyle>
-          <a:p>
-            <a:endParaRPr/>
-          </a:p>
-        </p:txBody>
-      </p:sp>
-      <p:sp>
-        <p:nvSpPr>
-          <p:cNvPr id="18" name="Shape 18"/>
-          <p:cNvSpPr txBox="1">
-            <a:spLocks noGrp="1"/>
-          </p:cNvSpPr>
-          <p:nvPr>
-            <p:ph type="body" idx="1"/>
-          </p:nvPr>
-        </p:nvSpPr>
-        <p:spPr>
-          <a:xfrm>
-            <a:off x="457200" y="1600200"/>
-            <a:ext cx="8229600" cy="4967700"/>
-          </a:xfrm>
-          <a:prstGeom prst="rect">
-            <a:avLst/>
-          </a:prstGeom>
-        </p:spPr>
-        <p:txBody>
-          <a:bodyPr lIns="91425" tIns="91425" rIns="91425" bIns="91425" anchor="t" anchorCtr="0"/>
-          <a:lstStyle>
-            <a:lvl1pPr lvl="0" rtl="0">
-              <a:lnSpc>
-                <a:spcPct val="115000"/>
-              </a:lnSpc>
-              <a:spcBef>
-                <a:spcPts val="0"/>
-              </a:spcBef>
-              <a:defRPr/>
-            </a:lvl1pPr>
-            <a:lvl2pPr lvl="1" rtl="0">
-              <a:lnSpc>
-                <a:spcPct val="115000"/>
-              </a:lnSpc>
-              <a:spcBef>
-                <a:spcPts val="0"/>
-              </a:spcBef>
-              <a:defRPr/>
-            </a:lvl2pPr>
-            <a:lvl3pPr lvl="2" rtl="0">
-              <a:lnSpc>
-                <a:spcPct val="115000"/>
-              </a:lnSpc>
-              <a:spcBef>
-                <a:spcPts val="0"/>
-              </a:spcBef>
-              <a:defRPr/>
-            </a:lvl3pPr>
-            <a:lvl4pPr lvl="3" rtl="0">
-              <a:lnSpc>
-                <a:spcPct val="115000"/>
-              </a:lnSpc>
-              <a:spcBef>
-                <a:spcPts val="0"/>
-              </a:spcBef>
-              <a:defRPr/>
-            </a:lvl4pPr>
-            <a:lvl5pPr lvl="4" rtl="0">
-              <a:lnSpc>
-                <a:spcPct val="115000"/>
-              </a:lnSpc>
-              <a:spcBef>
-                <a:spcPts val="0"/>
-              </a:spcBef>
-              <a:defRPr/>
-            </a:lvl5pPr>
-            <a:lvl6pPr lvl="5" rtl="0">
-              <a:lnSpc>
-                <a:spcPct val="115000"/>
-              </a:lnSpc>
-              <a:spcBef>
-                <a:spcPts val="0"/>
-              </a:spcBef>
-              <a:defRPr/>
-            </a:lvl6pPr>
-            <a:lvl7pPr lvl="6" rtl="0">
-              <a:lnSpc>
-                <a:spcPct val="115000"/>
-              </a:lnSpc>
-              <a:spcBef>
-                <a:spcPts val="0"/>
-              </a:spcBef>
-              <a:defRPr/>
-            </a:lvl7pPr>
-            <a:lvl8pPr lvl="7" rtl="0">
-              <a:lnSpc>
-                <a:spcPct val="115000"/>
-              </a:lnSpc>
-              <a:spcBef>
-                <a:spcPts val="0"/>
-              </a:spcBef>
-              <a:defRPr/>
-            </a:lvl8pPr>
-            <a:lvl9pPr lvl="8" rtl="0">
-              <a:lnSpc>
-                <a:spcPct val="115000"/>
-              </a:lnSpc>
-              <a:spcBef>
-                <a:spcPts val="0"/>
-              </a:spcBef>
-              <a:defRPr/>
-            </a:lvl9pPr>
-          </a:lstStyle>
-          <a:p>
-            <a:endParaRPr/>
-          </a:p>
-        </p:txBody>
-      </p:sp>
-    </p:spTree>
-  </p:cSld>
-  <p:clrMapOvr>
-    <a:masterClrMapping/>
-  </p:clrMapOvr>
-</p:sldLayout>
-</file>
-
-<file path=ppt/slideLayouts/slideLayout30.xml><?xml version="1.0" encoding="utf-8"?>
+<file path=ppt/slideLayouts/slideLayout33.xml><?xml version="1.0" encoding="utf-8"?>
 <p:sldLayout xmlns:a="http://schemas.openxmlformats.org/drawingml/2006/main" xmlns:r="http://schemas.openxmlformats.org/officeDocument/2006/relationships" xmlns:p="http://schemas.openxmlformats.org/presentationml/2006/main" type="twoColTx">
   <p:cSld name="Title and two columns">
     <p:spTree>
@@ -6983,6 +7482,302 @@
 </file>
 
 <file path=ppt/slideLayouts/slideLayout4.xml><?xml version="1.0" encoding="utf-8"?>
+<p:sldLayout xmlns:a="http://schemas.openxmlformats.org/drawingml/2006/main" xmlns:r="http://schemas.openxmlformats.org/officeDocument/2006/relationships" xmlns:p="http://schemas.openxmlformats.org/presentationml/2006/main" type="tx">
+  <p:cSld name="List - Red">
+    <p:spTree>
+      <p:nvGrpSpPr>
+        <p:cNvPr id="1" name="Shape 14"/>
+        <p:cNvGrpSpPr/>
+        <p:nvPr/>
+      </p:nvGrpSpPr>
+      <p:grpSpPr>
+        <a:xfrm>
+          <a:off x="0" y="0"/>
+          <a:ext cx="0" cy="0"/>
+          <a:chOff x="0" y="0"/>
+          <a:chExt cx="0" cy="0"/>
+        </a:xfrm>
+      </p:grpSpPr>
+      <p:sp>
+        <p:nvSpPr>
+          <p:cNvPr id="15" name="Shape 15"/>
+          <p:cNvSpPr/>
+          <p:nvPr/>
+        </p:nvSpPr>
+        <p:spPr>
+          <a:xfrm>
+            <a:off x="0" y="0"/>
+            <a:ext cx="9144000" cy="1533299"/>
+          </a:xfrm>
+          <a:prstGeom prst="rect">
+            <a:avLst/>
+          </a:prstGeom>
+          <a:solidFill>
+            <a:srgbClr val="A61C00"/>
+          </a:solidFill>
+          <a:ln>
+            <a:noFill/>
+          </a:ln>
+        </p:spPr>
+        <p:txBody>
+          <a:bodyPr lIns="91425" tIns="45700" rIns="91425" bIns="45700" anchor="ctr" anchorCtr="0">
+            <a:noAutofit/>
+          </a:bodyPr>
+          <a:lstStyle/>
+          <a:p>
+            <a:pPr lvl="0">
+              <a:spcBef>
+                <a:spcPts val="0"/>
+              </a:spcBef>
+              <a:buNone/>
+            </a:pPr>
+            <a:endParaRPr/>
+          </a:p>
+        </p:txBody>
+      </p:sp>
+      <p:cxnSp>
+        <p:nvCxnSpPr>
+          <p:cNvPr id="16" name="Shape 16"/>
+          <p:cNvCxnSpPr/>
+          <p:nvPr/>
+        </p:nvCxnSpPr>
+        <p:spPr>
+          <a:xfrm>
+            <a:off x="0" y="1503833"/>
+            <a:ext cx="9144000" cy="0"/>
+          </a:xfrm>
+          <a:prstGeom prst="straightConnector1">
+            <a:avLst/>
+          </a:prstGeom>
+          <a:noFill/>
+          <a:ln w="57150" cap="flat" cmpd="sng">
+            <a:solidFill>
+              <a:srgbClr val="000000">
+                <a:alpha val="14900"/>
+              </a:srgbClr>
+            </a:solidFill>
+            <a:prstDash val="solid"/>
+            <a:round/>
+            <a:headEnd type="none" w="med" len="med"/>
+            <a:tailEnd type="none" w="med" len="med"/>
+          </a:ln>
+        </p:spPr>
+      </p:cxnSp>
+      <p:sp>
+        <p:nvSpPr>
+          <p:cNvPr id="17" name="Shape 17"/>
+          <p:cNvSpPr txBox="1">
+            <a:spLocks noGrp="1"/>
+          </p:cNvSpPr>
+          <p:nvPr>
+            <p:ph type="title"/>
+          </p:nvPr>
+        </p:nvSpPr>
+        <p:spPr>
+          <a:xfrm>
+            <a:off x="457200" y="274637"/>
+            <a:ext cx="8229600" cy="1143299"/>
+          </a:xfrm>
+          <a:prstGeom prst="rect">
+            <a:avLst/>
+          </a:prstGeom>
+        </p:spPr>
+        <p:txBody>
+          <a:bodyPr lIns="91425" tIns="91425" rIns="91425" bIns="91425" anchor="b" anchorCtr="0"/>
+          <a:lstStyle>
+            <a:lvl1pPr lvl="0" rtl="0">
+              <a:spcBef>
+                <a:spcPts val="0"/>
+              </a:spcBef>
+              <a:buSzPct val="100000"/>
+              <a:buFont typeface="Dosis"/>
+              <a:defRPr sz="4800">
+                <a:latin typeface="Dosis"/>
+                <a:ea typeface="Dosis"/>
+                <a:cs typeface="Dosis"/>
+                <a:sym typeface="Dosis"/>
+              </a:defRPr>
+            </a:lvl1pPr>
+            <a:lvl2pPr lvl="1" rtl="0">
+              <a:spcBef>
+                <a:spcPts val="0"/>
+              </a:spcBef>
+              <a:buSzPct val="100000"/>
+              <a:defRPr sz="4800"/>
+            </a:lvl2pPr>
+            <a:lvl3pPr lvl="2" rtl="0">
+              <a:spcBef>
+                <a:spcPts val="0"/>
+              </a:spcBef>
+              <a:buSzPct val="100000"/>
+              <a:defRPr sz="4800"/>
+            </a:lvl3pPr>
+            <a:lvl4pPr lvl="3" rtl="0">
+              <a:spcBef>
+                <a:spcPts val="0"/>
+              </a:spcBef>
+              <a:buSzPct val="100000"/>
+              <a:defRPr sz="4800"/>
+            </a:lvl4pPr>
+            <a:lvl5pPr lvl="4" rtl="0">
+              <a:spcBef>
+                <a:spcPts val="0"/>
+              </a:spcBef>
+              <a:buSzPct val="100000"/>
+              <a:defRPr sz="4800"/>
+            </a:lvl5pPr>
+            <a:lvl6pPr lvl="5" rtl="0">
+              <a:spcBef>
+                <a:spcPts val="0"/>
+              </a:spcBef>
+              <a:buSzPct val="100000"/>
+              <a:defRPr sz="4800"/>
+            </a:lvl6pPr>
+            <a:lvl7pPr lvl="6" rtl="0">
+              <a:spcBef>
+                <a:spcPts val="0"/>
+              </a:spcBef>
+              <a:buSzPct val="100000"/>
+              <a:defRPr sz="4800"/>
+            </a:lvl7pPr>
+            <a:lvl8pPr lvl="7" rtl="0">
+              <a:spcBef>
+                <a:spcPts val="0"/>
+              </a:spcBef>
+              <a:buSzPct val="100000"/>
+              <a:defRPr sz="4800"/>
+            </a:lvl8pPr>
+            <a:lvl9pPr lvl="8" rtl="0">
+              <a:spcBef>
+                <a:spcPts val="0"/>
+              </a:spcBef>
+              <a:buSzPct val="100000"/>
+              <a:defRPr sz="4800"/>
+            </a:lvl9pPr>
+          </a:lstStyle>
+          <a:p>
+            <a:endParaRPr/>
+          </a:p>
+        </p:txBody>
+      </p:sp>
+      <p:sp>
+        <p:nvSpPr>
+          <p:cNvPr id="18" name="Shape 18"/>
+          <p:cNvSpPr txBox="1">
+            <a:spLocks noGrp="1"/>
+          </p:cNvSpPr>
+          <p:nvPr>
+            <p:ph type="body" idx="1"/>
+          </p:nvPr>
+        </p:nvSpPr>
+        <p:spPr>
+          <a:xfrm>
+            <a:off x="457200" y="1600200"/>
+            <a:ext cx="8229600" cy="4967700"/>
+          </a:xfrm>
+          <a:prstGeom prst="rect">
+            <a:avLst/>
+          </a:prstGeom>
+        </p:spPr>
+        <p:txBody>
+          <a:bodyPr lIns="91425" tIns="91425" rIns="91425" bIns="91425" anchor="t" anchorCtr="0"/>
+          <a:lstStyle>
+            <a:lvl1pPr lvl="0" rtl="0">
+              <a:lnSpc>
+                <a:spcPct val="115000"/>
+              </a:lnSpc>
+              <a:spcBef>
+                <a:spcPts val="0"/>
+              </a:spcBef>
+              <a:defRPr/>
+            </a:lvl1pPr>
+            <a:lvl2pPr lvl="1" rtl="0">
+              <a:lnSpc>
+                <a:spcPct val="115000"/>
+              </a:lnSpc>
+              <a:spcBef>
+                <a:spcPts val="0"/>
+              </a:spcBef>
+              <a:defRPr/>
+            </a:lvl2pPr>
+            <a:lvl3pPr lvl="2" rtl="0">
+              <a:lnSpc>
+                <a:spcPct val="115000"/>
+              </a:lnSpc>
+              <a:spcBef>
+                <a:spcPts val="0"/>
+              </a:spcBef>
+              <a:defRPr/>
+            </a:lvl3pPr>
+            <a:lvl4pPr lvl="3" rtl="0">
+              <a:lnSpc>
+                <a:spcPct val="115000"/>
+              </a:lnSpc>
+              <a:spcBef>
+                <a:spcPts val="0"/>
+              </a:spcBef>
+              <a:defRPr/>
+            </a:lvl4pPr>
+            <a:lvl5pPr lvl="4" rtl="0">
+              <a:lnSpc>
+                <a:spcPct val="115000"/>
+              </a:lnSpc>
+              <a:spcBef>
+                <a:spcPts val="0"/>
+              </a:spcBef>
+              <a:defRPr/>
+            </a:lvl5pPr>
+            <a:lvl6pPr lvl="5" rtl="0">
+              <a:lnSpc>
+                <a:spcPct val="115000"/>
+              </a:lnSpc>
+              <a:spcBef>
+                <a:spcPts val="0"/>
+              </a:spcBef>
+              <a:defRPr/>
+            </a:lvl6pPr>
+            <a:lvl7pPr lvl="6" rtl="0">
+              <a:lnSpc>
+                <a:spcPct val="115000"/>
+              </a:lnSpc>
+              <a:spcBef>
+                <a:spcPts val="0"/>
+              </a:spcBef>
+              <a:defRPr/>
+            </a:lvl7pPr>
+            <a:lvl8pPr lvl="7" rtl="0">
+              <a:lnSpc>
+                <a:spcPct val="115000"/>
+              </a:lnSpc>
+              <a:spcBef>
+                <a:spcPts val="0"/>
+              </a:spcBef>
+              <a:defRPr/>
+            </a:lvl8pPr>
+            <a:lvl9pPr lvl="8" rtl="0">
+              <a:lnSpc>
+                <a:spcPct val="115000"/>
+              </a:lnSpc>
+              <a:spcBef>
+                <a:spcPts val="0"/>
+              </a:spcBef>
+              <a:defRPr/>
+            </a:lvl9pPr>
+          </a:lstStyle>
+          <a:p>
+            <a:endParaRPr/>
+          </a:p>
+        </p:txBody>
+      </p:sp>
+    </p:spTree>
+  </p:cSld>
+  <p:clrMapOvr>
+    <a:masterClrMapping/>
+  </p:clrMapOvr>
+</p:sldLayout>
+</file>
+
+<file path=ppt/slideLayouts/slideLayout5.xml><?xml version="1.0" encoding="utf-8"?>
 <p:sldLayout xmlns:a="http://schemas.openxmlformats.org/drawingml/2006/main" xmlns:r="http://schemas.openxmlformats.org/officeDocument/2006/relationships" xmlns:p="http://schemas.openxmlformats.org/presentationml/2006/main">
   <p:cSld name="Full - Orange">
     <p:bg>
@@ -7112,7 +7907,7 @@
 </p:sldLayout>
 </file>
 
-<file path=ppt/slideLayouts/slideLayout5.xml><?xml version="1.0" encoding="utf-8"?>
+<file path=ppt/slideLayouts/slideLayout6.xml><?xml version="1.0" encoding="utf-8"?>
 <p:sldLayout xmlns:a="http://schemas.openxmlformats.org/drawingml/2006/main" xmlns:r="http://schemas.openxmlformats.org/officeDocument/2006/relationships" xmlns:p="http://schemas.openxmlformats.org/presentationml/2006/main">
   <p:cSld name="Feature - Orange">
     <p:spTree>
@@ -7410,7 +8205,7 @@
 </p:sldLayout>
 </file>
 
-<file path=ppt/slideLayouts/slideLayout6.xml><?xml version="1.0" encoding="utf-8"?>
+<file path=ppt/slideLayouts/slideLayout7.xml><?xml version="1.0" encoding="utf-8"?>
 <p:sldLayout xmlns:a="http://schemas.openxmlformats.org/drawingml/2006/main" xmlns:r="http://schemas.openxmlformats.org/officeDocument/2006/relationships" xmlns:p="http://schemas.openxmlformats.org/presentationml/2006/main">
   <p:cSld name="List - Orange">
     <p:spTree>
@@ -7706,7 +8501,7 @@
 </p:sldLayout>
 </file>
 
-<file path=ppt/slideLayouts/slideLayout7.xml><?xml version="1.0" encoding="utf-8"?>
+<file path=ppt/slideLayouts/slideLayout8.xml><?xml version="1.0" encoding="utf-8"?>
 <p:sldLayout xmlns:a="http://schemas.openxmlformats.org/drawingml/2006/main" xmlns:r="http://schemas.openxmlformats.org/officeDocument/2006/relationships" xmlns:p="http://schemas.openxmlformats.org/presentationml/2006/main">
   <p:cSld name="Full - Green">
     <p:bg>
@@ -7836,7 +8631,7 @@
 </p:sldLayout>
 </file>
 
-<file path=ppt/slideLayouts/slideLayout8.xml><?xml version="1.0" encoding="utf-8"?>
+<file path=ppt/slideLayouts/slideLayout9.xml><?xml version="1.0" encoding="utf-8"?>
 <p:sldLayout xmlns:a="http://schemas.openxmlformats.org/drawingml/2006/main" xmlns:r="http://schemas.openxmlformats.org/officeDocument/2006/relationships" xmlns:p="http://schemas.openxmlformats.org/presentationml/2006/main">
   <p:cSld name="Feature - Green">
     <p:spTree>
@@ -8119,302 +8914,6 @@
                 <a:cs typeface="Source Sans Pro"/>
                 <a:sym typeface="Source Sans Pro"/>
               </a:defRPr>
-            </a:lvl9pPr>
-          </a:lstStyle>
-          <a:p>
-            <a:endParaRPr/>
-          </a:p>
-        </p:txBody>
-      </p:sp>
-    </p:spTree>
-  </p:cSld>
-  <p:clrMapOvr>
-    <a:masterClrMapping/>
-  </p:clrMapOvr>
-</p:sldLayout>
-</file>
-
-<file path=ppt/slideLayouts/slideLayout9.xml><?xml version="1.0" encoding="utf-8"?>
-<p:sldLayout xmlns:a="http://schemas.openxmlformats.org/drawingml/2006/main" xmlns:r="http://schemas.openxmlformats.org/officeDocument/2006/relationships" xmlns:p="http://schemas.openxmlformats.org/presentationml/2006/main">
-  <p:cSld name="List - Green">
-    <p:spTree>
-      <p:nvGrpSpPr>
-        <p:cNvPr id="1" name="Shape 36"/>
-        <p:cNvGrpSpPr/>
-        <p:nvPr/>
-      </p:nvGrpSpPr>
-      <p:grpSpPr>
-        <a:xfrm>
-          <a:off x="0" y="0"/>
-          <a:ext cx="0" cy="0"/>
-          <a:chOff x="0" y="0"/>
-          <a:chExt cx="0" cy="0"/>
-        </a:xfrm>
-      </p:grpSpPr>
-      <p:sp>
-        <p:nvSpPr>
-          <p:cNvPr id="37" name="Shape 37"/>
-          <p:cNvSpPr/>
-          <p:nvPr/>
-        </p:nvSpPr>
-        <p:spPr>
-          <a:xfrm>
-            <a:off x="0" y="0"/>
-            <a:ext cx="9144000" cy="1533299"/>
-          </a:xfrm>
-          <a:prstGeom prst="rect">
-            <a:avLst/>
-          </a:prstGeom>
-          <a:solidFill>
-            <a:srgbClr val="6AA84F"/>
-          </a:solidFill>
-          <a:ln>
-            <a:noFill/>
-          </a:ln>
-        </p:spPr>
-        <p:txBody>
-          <a:bodyPr lIns="91425" tIns="45700" rIns="91425" bIns="45700" anchor="ctr" anchorCtr="0">
-            <a:noAutofit/>
-          </a:bodyPr>
-          <a:lstStyle/>
-          <a:p>
-            <a:pPr lvl="0">
-              <a:spcBef>
-                <a:spcPts val="0"/>
-              </a:spcBef>
-              <a:buNone/>
-            </a:pPr>
-            <a:endParaRPr/>
-          </a:p>
-        </p:txBody>
-      </p:sp>
-      <p:cxnSp>
-        <p:nvCxnSpPr>
-          <p:cNvPr id="38" name="Shape 38"/>
-          <p:cNvCxnSpPr/>
-          <p:nvPr/>
-        </p:nvCxnSpPr>
-        <p:spPr>
-          <a:xfrm>
-            <a:off x="0" y="1503833"/>
-            <a:ext cx="9144000" cy="0"/>
-          </a:xfrm>
-          <a:prstGeom prst="straightConnector1">
-            <a:avLst/>
-          </a:prstGeom>
-          <a:noFill/>
-          <a:ln w="57150" cap="flat" cmpd="sng">
-            <a:solidFill>
-              <a:srgbClr val="000000">
-                <a:alpha val="14900"/>
-              </a:srgbClr>
-            </a:solidFill>
-            <a:prstDash val="solid"/>
-            <a:round/>
-            <a:headEnd type="none" w="med" len="med"/>
-            <a:tailEnd type="none" w="med" len="med"/>
-          </a:ln>
-        </p:spPr>
-      </p:cxnSp>
-      <p:sp>
-        <p:nvSpPr>
-          <p:cNvPr id="39" name="Shape 39"/>
-          <p:cNvSpPr txBox="1">
-            <a:spLocks noGrp="1"/>
-          </p:cNvSpPr>
-          <p:nvPr>
-            <p:ph type="title"/>
-          </p:nvPr>
-        </p:nvSpPr>
-        <p:spPr>
-          <a:xfrm>
-            <a:off x="457200" y="274637"/>
-            <a:ext cx="8229600" cy="1143299"/>
-          </a:xfrm>
-          <a:prstGeom prst="rect">
-            <a:avLst/>
-          </a:prstGeom>
-        </p:spPr>
-        <p:txBody>
-          <a:bodyPr lIns="91425" tIns="91425" rIns="91425" bIns="91425" anchor="b" anchorCtr="0"/>
-          <a:lstStyle>
-            <a:lvl1pPr lvl="0" rtl="0">
-              <a:spcBef>
-                <a:spcPts val="0"/>
-              </a:spcBef>
-              <a:buSzPct val="100000"/>
-              <a:buFont typeface="Dosis"/>
-              <a:defRPr sz="4800">
-                <a:latin typeface="Dosis"/>
-                <a:ea typeface="Dosis"/>
-                <a:cs typeface="Dosis"/>
-                <a:sym typeface="Dosis"/>
-              </a:defRPr>
-            </a:lvl1pPr>
-            <a:lvl2pPr lvl="1" rtl="0">
-              <a:spcBef>
-                <a:spcPts val="0"/>
-              </a:spcBef>
-              <a:buSzPct val="100000"/>
-              <a:defRPr sz="4800"/>
-            </a:lvl2pPr>
-            <a:lvl3pPr lvl="2" rtl="0">
-              <a:spcBef>
-                <a:spcPts val="0"/>
-              </a:spcBef>
-              <a:buSzPct val="100000"/>
-              <a:defRPr sz="4800"/>
-            </a:lvl3pPr>
-            <a:lvl4pPr lvl="3" rtl="0">
-              <a:spcBef>
-                <a:spcPts val="0"/>
-              </a:spcBef>
-              <a:buSzPct val="100000"/>
-              <a:defRPr sz="4800"/>
-            </a:lvl4pPr>
-            <a:lvl5pPr lvl="4" rtl="0">
-              <a:spcBef>
-                <a:spcPts val="0"/>
-              </a:spcBef>
-              <a:buSzPct val="100000"/>
-              <a:defRPr sz="4800"/>
-            </a:lvl5pPr>
-            <a:lvl6pPr lvl="5" rtl="0">
-              <a:spcBef>
-                <a:spcPts val="0"/>
-              </a:spcBef>
-              <a:buSzPct val="100000"/>
-              <a:defRPr sz="4800"/>
-            </a:lvl6pPr>
-            <a:lvl7pPr lvl="6" rtl="0">
-              <a:spcBef>
-                <a:spcPts val="0"/>
-              </a:spcBef>
-              <a:buSzPct val="100000"/>
-              <a:defRPr sz="4800"/>
-            </a:lvl7pPr>
-            <a:lvl8pPr lvl="7" rtl="0">
-              <a:spcBef>
-                <a:spcPts val="0"/>
-              </a:spcBef>
-              <a:buSzPct val="100000"/>
-              <a:defRPr sz="4800"/>
-            </a:lvl8pPr>
-            <a:lvl9pPr lvl="8" rtl="0">
-              <a:spcBef>
-                <a:spcPts val="0"/>
-              </a:spcBef>
-              <a:buSzPct val="100000"/>
-              <a:defRPr sz="4800"/>
-            </a:lvl9pPr>
-          </a:lstStyle>
-          <a:p>
-            <a:endParaRPr/>
-          </a:p>
-        </p:txBody>
-      </p:sp>
-      <p:sp>
-        <p:nvSpPr>
-          <p:cNvPr id="40" name="Shape 40"/>
-          <p:cNvSpPr txBox="1">
-            <a:spLocks noGrp="1"/>
-          </p:cNvSpPr>
-          <p:nvPr>
-            <p:ph type="body" idx="1"/>
-          </p:nvPr>
-        </p:nvSpPr>
-        <p:spPr>
-          <a:xfrm>
-            <a:off x="457200" y="1600200"/>
-            <a:ext cx="8229600" cy="4967700"/>
-          </a:xfrm>
-          <a:prstGeom prst="rect">
-            <a:avLst/>
-          </a:prstGeom>
-        </p:spPr>
-        <p:txBody>
-          <a:bodyPr lIns="91425" tIns="91425" rIns="91425" bIns="91425" anchor="t" anchorCtr="0"/>
-          <a:lstStyle>
-            <a:lvl1pPr lvl="0" rtl="0">
-              <a:lnSpc>
-                <a:spcPct val="115000"/>
-              </a:lnSpc>
-              <a:spcBef>
-                <a:spcPts val="0"/>
-              </a:spcBef>
-              <a:defRPr/>
-            </a:lvl1pPr>
-            <a:lvl2pPr lvl="1" rtl="0">
-              <a:lnSpc>
-                <a:spcPct val="115000"/>
-              </a:lnSpc>
-              <a:spcBef>
-                <a:spcPts val="0"/>
-              </a:spcBef>
-              <a:defRPr/>
-            </a:lvl2pPr>
-            <a:lvl3pPr lvl="2" rtl="0">
-              <a:lnSpc>
-                <a:spcPct val="115000"/>
-              </a:lnSpc>
-              <a:spcBef>
-                <a:spcPts val="0"/>
-              </a:spcBef>
-              <a:defRPr/>
-            </a:lvl3pPr>
-            <a:lvl4pPr lvl="3" rtl="0">
-              <a:lnSpc>
-                <a:spcPct val="115000"/>
-              </a:lnSpc>
-              <a:spcBef>
-                <a:spcPts val="0"/>
-              </a:spcBef>
-              <a:defRPr/>
-            </a:lvl4pPr>
-            <a:lvl5pPr lvl="4" rtl="0">
-              <a:lnSpc>
-                <a:spcPct val="115000"/>
-              </a:lnSpc>
-              <a:spcBef>
-                <a:spcPts val="0"/>
-              </a:spcBef>
-              <a:defRPr/>
-            </a:lvl5pPr>
-            <a:lvl6pPr lvl="5" rtl="0">
-              <a:lnSpc>
-                <a:spcPct val="115000"/>
-              </a:lnSpc>
-              <a:spcBef>
-                <a:spcPts val="0"/>
-              </a:spcBef>
-              <a:defRPr/>
-            </a:lvl6pPr>
-            <a:lvl7pPr lvl="6" rtl="0">
-              <a:lnSpc>
-                <a:spcPct val="115000"/>
-              </a:lnSpc>
-              <a:spcBef>
-                <a:spcPts val="0"/>
-              </a:spcBef>
-              <a:defRPr/>
-            </a:lvl7pPr>
-            <a:lvl8pPr lvl="7" rtl="0">
-              <a:lnSpc>
-                <a:spcPct val="115000"/>
-              </a:lnSpc>
-              <a:spcBef>
-                <a:spcPts val="0"/>
-              </a:spcBef>
-              <a:defRPr/>
-            </a:lvl8pPr>
-            <a:lvl9pPr lvl="8" rtl="0">
-              <a:lnSpc>
-                <a:spcPct val="115000"/>
-              </a:lnSpc>
-              <a:spcBef>
-                <a:spcPts val="0"/>
-              </a:spcBef>
-              <a:defRPr/>
             </a:lvl9pPr>
           </a:lstStyle>
           <a:p>
@@ -8834,36 +9333,39 @@
   </p:cSld>
   <p:clrMap bg1="lt1" tx1="dk1" bg2="dk2" tx2="lt2" accent1="accent1" accent2="accent2" accent3="accent3" accent4="accent4" accent5="accent5" accent6="accent6" hlink="hlink" folHlink="folHlink"/>
   <p:sldLayoutIdLst>
-    <p:sldLayoutId id="2147483648" r:id="rId1"/>
-    <p:sldLayoutId id="2147483649" r:id="rId2"/>
-    <p:sldLayoutId id="2147483650" r:id="rId3"/>
-    <p:sldLayoutId id="2147483651" r:id="rId4"/>
-    <p:sldLayoutId id="2147483652" r:id="rId5"/>
-    <p:sldLayoutId id="2147483653" r:id="rId6"/>
-    <p:sldLayoutId id="2147483654" r:id="rId7"/>
-    <p:sldLayoutId id="2147483655" r:id="rId8"/>
-    <p:sldLayoutId id="2147483656" r:id="rId9"/>
-    <p:sldLayoutId id="2147483657" r:id="rId10"/>
-    <p:sldLayoutId id="2147483658" r:id="rId11"/>
-    <p:sldLayoutId id="2147483659" r:id="rId12"/>
-    <p:sldLayoutId id="2147483660" r:id="rId13"/>
-    <p:sldLayoutId id="2147483661" r:id="rId14"/>
-    <p:sldLayoutId id="2147483662" r:id="rId15"/>
-    <p:sldLayoutId id="2147483663" r:id="rId16"/>
-    <p:sldLayoutId id="2147483664" r:id="rId17"/>
-    <p:sldLayoutId id="2147483665" r:id="rId18"/>
-    <p:sldLayoutId id="2147483666" r:id="rId19"/>
-    <p:sldLayoutId id="2147483667" r:id="rId20"/>
-    <p:sldLayoutId id="2147483668" r:id="rId21"/>
-    <p:sldLayoutId id="2147483669" r:id="rId22"/>
-    <p:sldLayoutId id="2147483670" r:id="rId23"/>
-    <p:sldLayoutId id="2147483671" r:id="rId24"/>
-    <p:sldLayoutId id="2147483672" r:id="rId25"/>
-    <p:sldLayoutId id="2147483673" r:id="rId26"/>
-    <p:sldLayoutId id="2147483674" r:id="rId27"/>
-    <p:sldLayoutId id="2147483675" r:id="rId28"/>
-    <p:sldLayoutId id="2147483676" r:id="rId29"/>
-    <p:sldLayoutId id="2147483677" r:id="rId30"/>
+    <p:sldLayoutId id="2147483679" r:id="rId1"/>
+    <p:sldLayoutId id="2147483648" r:id="rId2"/>
+    <p:sldLayoutId id="2147483649" r:id="rId3"/>
+    <p:sldLayoutId id="2147483650" r:id="rId4"/>
+    <p:sldLayoutId id="2147483651" r:id="rId5"/>
+    <p:sldLayoutId id="2147483652" r:id="rId6"/>
+    <p:sldLayoutId id="2147483653" r:id="rId7"/>
+    <p:sldLayoutId id="2147483654" r:id="rId8"/>
+    <p:sldLayoutId id="2147483655" r:id="rId9"/>
+    <p:sldLayoutId id="2147483656" r:id="rId10"/>
+    <p:sldLayoutId id="2147483657" r:id="rId11"/>
+    <p:sldLayoutId id="2147483658" r:id="rId12"/>
+    <p:sldLayoutId id="2147483659" r:id="rId13"/>
+    <p:sldLayoutId id="2147483660" r:id="rId14"/>
+    <p:sldLayoutId id="2147483661" r:id="rId15"/>
+    <p:sldLayoutId id="2147483662" r:id="rId16"/>
+    <p:sldLayoutId id="2147483663" r:id="rId17"/>
+    <p:sldLayoutId id="2147483682" r:id="rId18"/>
+    <p:sldLayoutId id="2147483664" r:id="rId19"/>
+    <p:sldLayoutId id="2147483681" r:id="rId20"/>
+    <p:sldLayoutId id="2147483665" r:id="rId21"/>
+    <p:sldLayoutId id="2147483666" r:id="rId22"/>
+    <p:sldLayoutId id="2147483667" r:id="rId23"/>
+    <p:sldLayoutId id="2147483668" r:id="rId24"/>
+    <p:sldLayoutId id="2147483669" r:id="rId25"/>
+    <p:sldLayoutId id="2147483670" r:id="rId26"/>
+    <p:sldLayoutId id="2147483671" r:id="rId27"/>
+    <p:sldLayoutId id="2147483672" r:id="rId28"/>
+    <p:sldLayoutId id="2147483673" r:id="rId29"/>
+    <p:sldLayoutId id="2147483674" r:id="rId30"/>
+    <p:sldLayoutId id="2147483675" r:id="rId31"/>
+    <p:sldLayoutId id="2147483676" r:id="rId32"/>
+    <p:sldLayoutId id="2147483677" r:id="rId33"/>
   </p:sldLayoutIdLst>
   <p:hf sldNum="0" hdr="0" ftr="0" dt="0"/>
   <p:txStyles>
@@ -9312,6 +9814,20 @@
 <file path=ppt/slides/slide1.xml><?xml version="1.0" encoding="utf-8"?>
 <p:sld xmlns:a="http://schemas.openxmlformats.org/drawingml/2006/main" xmlns:r="http://schemas.openxmlformats.org/officeDocument/2006/relationships" xmlns:p="http://schemas.openxmlformats.org/presentationml/2006/main">
   <p:cSld>
+    <p:bg>
+      <p:bgPr>
+        <a:blipFill dpi="0" rotWithShape="1">
+          <a:blip r:embed="rId3">
+            <a:lum/>
+          </a:blip>
+          <a:srcRect/>
+          <a:stretch>
+            <a:fillRect l="-10000" r="-10000"/>
+          </a:stretch>
+        </a:blipFill>
+        <a:effectLst/>
+      </p:bgPr>
+    </p:bg>
     <p:spTree>
       <p:nvGrpSpPr>
         <p:cNvPr id="1" name="Shape 119"/>
@@ -9333,17 +9849,28 @@
             <a:spLocks noGrp="1"/>
           </p:cNvSpPr>
           <p:nvPr>
-            <p:ph type="ctrTitle" idx="4294967295"/>
+            <p:ph type="title"/>
           </p:nvPr>
         </p:nvSpPr>
         <p:spPr>
           <a:xfrm>
-            <a:off x="267500" y="175125"/>
-            <a:ext cx="8439899" cy="1733399"/>
+            <a:off x="2866292" y="485335"/>
+            <a:ext cx="3411415" cy="1307079"/>
           </a:xfrm>
           <a:prstGeom prst="rect">
             <a:avLst/>
           </a:prstGeom>
+          <a:solidFill>
+            <a:srgbClr val="2A4C93">
+              <a:alpha val="30000"/>
+            </a:srgbClr>
+          </a:solidFill>
+          <a:ln>
+            <a:noFill/>
+          </a:ln>
+          <a:effectLst>
+            <a:softEdge rad="635000"/>
+          </a:effectLst>
         </p:spPr>
         <p:txBody>
           <a:bodyPr lIns="91425" tIns="91425" rIns="91425" bIns="91425" anchor="b" anchorCtr="0">
@@ -9351,43 +9878,34 @@
           </a:bodyPr>
           <a:lstStyle/>
           <a:p>
-            <a:pPr lvl="0" rtl="0">
-              <a:spcBef>
-                <a:spcPts val="0"/>
-              </a:spcBef>
-              <a:buNone/>
-            </a:pPr>
             <a:r>
-              <a:rPr lang="en" sz="4600" dirty="0">
+              <a:rPr lang="en" sz="5400" dirty="0">
                 <a:solidFill>
                   <a:srgbClr val="FFFFFF"/>
                 </a:solidFill>
+                <a:sym typeface="Lato"/>
               </a:rPr>
               <a:t>Be Iceman !</a:t>
             </a:r>
           </a:p>
           <a:p>
-            <a:pPr lvl="0" rtl="0">
-              <a:spcBef>
-                <a:spcPts val="0"/>
-              </a:spcBef>
-              <a:buNone/>
-            </a:pPr>
             <a:r>
-              <a:rPr lang="en-GB" sz="4600" b="0" dirty="0">
+              <a:rPr lang="en-GB" sz="3200" dirty="0">
                 <a:solidFill>
                   <a:srgbClr val="FFFFFF"/>
                 </a:solidFill>
+                <a:sym typeface="Lato"/>
               </a:rPr>
               <a:t>M</a:t>
             </a:r>
             <a:r>
-              <a:rPr lang="en" sz="4600" b="0" dirty="0">
+              <a:rPr lang="en" sz="3200" dirty="0">
                 <a:solidFill>
                   <a:srgbClr val="FFFFFF"/>
                 </a:solidFill>
+                <a:sym typeface="Lato"/>
               </a:rPr>
-              <a:t>ake ice blocks anywhere</a:t>
+              <a:t>ake ice anywhere</a:t>
             </a:r>
           </a:p>
         </p:txBody>
@@ -9399,34 +9917,77 @@
             <a:spLocks noGrp="1"/>
           </p:cNvSpPr>
           <p:nvPr>
-            <p:ph type="subTitle" idx="1"/>
+            <p:ph type="subTitle" idx="4294967295"/>
           </p:nvPr>
         </p:nvSpPr>
         <p:spPr>
           <a:xfrm>
-            <a:off x="685800" y="5742126"/>
-            <a:ext cx="7772400" cy="904499"/>
+            <a:off x="1470072" y="6006905"/>
+            <a:ext cx="6203854" cy="625891"/>
           </a:xfrm>
           <a:prstGeom prst="rect">
             <a:avLst/>
           </a:prstGeom>
+          <a:solidFill>
+            <a:srgbClr val="2A4C93">
+              <a:alpha val="30000"/>
+            </a:srgbClr>
+          </a:solidFill>
+          <a:ln>
+            <a:noFill/>
+          </a:ln>
+          <a:effectLst>
+            <a:softEdge rad="635000"/>
+          </a:effectLst>
         </p:spPr>
         <p:txBody>
-          <a:bodyPr lIns="91425" tIns="91425" rIns="91425" bIns="91425" anchor="t" anchorCtr="0">
+          <a:bodyPr lIns="91425" tIns="91425" rIns="91425" bIns="91425" anchor="b" anchorCtr="0">
             <a:noAutofit/>
           </a:bodyPr>
           <a:lstStyle/>
           <a:p>
-            <a:pPr lvl="0">
-              <a:spcBef>
-                <a:spcPts val="0"/>
-              </a:spcBef>
-              <a:buNone/>
+            <a:pPr algn="ctr">
+              <a:spcBef>
+                <a:spcPts val="0"/>
+              </a:spcBef>
+              <a:buClr>
+                <a:schemeClr val="lt1"/>
+              </a:buClr>
+              <a:buFont typeface="Dosis"/>
             </a:pPr>
             <a:r>
-              <a:rPr lang="en" dirty="0"/>
-              <a:t>Bozhao Jiamin</a:t>
+              <a:rPr lang="en" sz="3200" b="1" dirty="0">
+                <a:solidFill>
+                  <a:srgbClr val="FFFFFF"/>
+                </a:solidFill>
+                <a:latin typeface="Dosis"/>
+                <a:ea typeface="Dosis"/>
+                <a:cs typeface="Dosis"/>
+                <a:sym typeface="Dosis"/>
+              </a:rPr>
+              <a:t>Bozhao                                         Jiamin</a:t>
             </a:r>
+            <a:r>
+              <a:rPr lang="en-US" altLang="zh-CN" sz="3200" b="1" dirty="0">
+                <a:solidFill>
+                  <a:srgbClr val="FFFFFF"/>
+                </a:solidFill>
+                <a:latin typeface="Dosis"/>
+                <a:ea typeface="Dosis"/>
+                <a:cs typeface="Dosis"/>
+                <a:sym typeface="Dosis"/>
+              </a:rPr>
+              <a:t>g</a:t>
+            </a:r>
+            <a:endParaRPr lang="en" sz="3200" b="1" dirty="0">
+              <a:solidFill>
+                <a:srgbClr val="FFFFFF"/>
+              </a:solidFill>
+              <a:latin typeface="Dosis"/>
+              <a:ea typeface="Dosis"/>
+              <a:cs typeface="Dosis"/>
+              <a:sym typeface="Dosis"/>
+            </a:endParaRPr>
           </a:p>
         </p:txBody>
       </p:sp>
@@ -9437,7 +9998,7 @@
           <p:nvPr/>
         </p:nvPicPr>
         <p:blipFill>
-          <a:blip r:embed="rId3">
+          <a:blip r:embed="rId4">
             <a:alphaModFix/>
           </a:blip>
           <a:stretch>
@@ -9449,13 +10010,22 @@
             <a:off x="3143250" y="2151750"/>
             <a:ext cx="2857500" cy="2857500"/>
           </a:xfrm>
-          <a:prstGeom prst="rect">
-            <a:avLst/>
+          <a:prstGeom prst="roundRect">
+            <a:avLst>
+              <a:gd name="adj" fmla="val 8594"/>
+            </a:avLst>
           </a:prstGeom>
-          <a:noFill/>
+          <a:solidFill>
+            <a:srgbClr val="FFFFFF">
+              <a:shade val="85000"/>
+            </a:srgbClr>
+          </a:solidFill>
           <a:ln>
             <a:noFill/>
           </a:ln>
+          <a:effectLst>
+            <a:reflection blurRad="12700" stA="38000" endPos="28000" dist="5000" dir="5400000" sy="-100000" algn="bl" rotWithShape="0"/>
+          </a:effectLst>
         </p:spPr>
       </p:pic>
     </p:spTree>
@@ -9466,7 +10036,659 @@
 </p:sld>
 </file>
 
+<file path=ppt/slides/slide10.xml><?xml version="1.0" encoding="utf-8"?>
+<p:sld xmlns:a="http://schemas.openxmlformats.org/drawingml/2006/main" xmlns:r="http://schemas.openxmlformats.org/officeDocument/2006/relationships" xmlns:p="http://schemas.openxmlformats.org/presentationml/2006/main">
+  <p:cSld>
+    <p:spTree>
+      <p:nvGrpSpPr>
+        <p:cNvPr id="1" name="Shape 141"/>
+        <p:cNvGrpSpPr/>
+        <p:nvPr/>
+      </p:nvGrpSpPr>
+      <p:grpSpPr>
+        <a:xfrm>
+          <a:off x="0" y="0"/>
+          <a:ext cx="0" cy="0"/>
+          <a:chOff x="0" y="0"/>
+          <a:chExt cx="0" cy="0"/>
+        </a:xfrm>
+      </p:grpSpPr>
+      <p:sp>
+        <p:nvSpPr>
+          <p:cNvPr id="142" name="Shape 142"/>
+          <p:cNvSpPr txBox="1">
+            <a:spLocks noGrp="1"/>
+          </p:cNvSpPr>
+          <p:nvPr>
+            <p:ph type="title"/>
+          </p:nvPr>
+        </p:nvSpPr>
+        <p:spPr>
+          <a:prstGeom prst="rect">
+            <a:avLst/>
+          </a:prstGeom>
+        </p:spPr>
+        <p:txBody>
+          <a:bodyPr lIns="91425" tIns="91425" rIns="91425" bIns="91425" anchor="ctr" anchorCtr="0">
+            <a:noAutofit/>
+          </a:bodyPr>
+          <a:lstStyle/>
+          <a:p>
+            <a:pPr lvl="0" rtl="0">
+              <a:spcBef>
+                <a:spcPts val="0"/>
+              </a:spcBef>
+              <a:buNone/>
+            </a:pPr>
+            <a:r>
+              <a:rPr lang="en"/>
+              <a:t>What’s your solution, in one sentence? Can you find an analogy to describe it? </a:t>
+            </a:r>
+          </a:p>
+        </p:txBody>
+      </p:sp>
+    </p:spTree>
+  </p:cSld>
+  <p:clrMapOvr>
+    <a:masterClrMapping/>
+  </p:clrMapOvr>
+</p:sld>
+</file>
+
+<file path=ppt/slides/slide11.xml><?xml version="1.0" encoding="utf-8"?>
+<p:sld xmlns:a="http://schemas.openxmlformats.org/drawingml/2006/main" xmlns:r="http://schemas.openxmlformats.org/officeDocument/2006/relationships" xmlns:p="http://schemas.openxmlformats.org/presentationml/2006/main">
+  <p:cSld>
+    <p:spTree>
+      <p:nvGrpSpPr>
+        <p:cNvPr id="1" name=""/>
+        <p:cNvGrpSpPr/>
+        <p:nvPr/>
+      </p:nvGrpSpPr>
+      <p:grpSpPr>
+        <a:xfrm>
+          <a:off x="0" y="0"/>
+          <a:ext cx="0" cy="0"/>
+          <a:chOff x="0" y="0"/>
+          <a:chExt cx="0" cy="0"/>
+        </a:xfrm>
+      </p:grpSpPr>
+      <p:sp>
+        <p:nvSpPr>
+          <p:cNvPr id="2" name="Title 1"/>
+          <p:cNvSpPr>
+            <a:spLocks noGrp="1"/>
+          </p:cNvSpPr>
+          <p:nvPr>
+            <p:ph type="title"/>
+          </p:nvPr>
+        </p:nvSpPr>
+        <p:spPr/>
+        <p:txBody>
+          <a:bodyPr/>
+          <a:lstStyle/>
+          <a:p>
+            <a:r>
+              <a:rPr lang="en-US" altLang="zh-CN" dirty="0"/>
+              <a:t>Be a metahuman! If you need ice, make it within a minute!</a:t>
+            </a:r>
+            <a:endParaRPr lang="en-GB" dirty="0"/>
+          </a:p>
+        </p:txBody>
+      </p:sp>
+    </p:spTree>
+    <p:extLst>
+      <p:ext uri="{BB962C8B-B14F-4D97-AF65-F5344CB8AC3E}">
+        <p14:creationId xmlns:p14="http://schemas.microsoft.com/office/powerpoint/2010/main" val="2925306747"/>
+      </p:ext>
+    </p:extLst>
+  </p:cSld>
+  <p:clrMapOvr>
+    <a:masterClrMapping/>
+  </p:clrMapOvr>
+</p:sld>
+</file>
+
+<file path=ppt/slides/slide12.xml><?xml version="1.0" encoding="utf-8"?>
+<p:sld xmlns:a="http://schemas.openxmlformats.org/drawingml/2006/main" xmlns:r="http://schemas.openxmlformats.org/officeDocument/2006/relationships" xmlns:p="http://schemas.openxmlformats.org/presentationml/2006/main">
+  <p:cSld>
+    <p:spTree>
+      <p:nvGrpSpPr>
+        <p:cNvPr id="1" name="Shape 146"/>
+        <p:cNvGrpSpPr/>
+        <p:nvPr/>
+      </p:nvGrpSpPr>
+      <p:grpSpPr>
+        <a:xfrm>
+          <a:off x="0" y="0"/>
+          <a:ext cx="0" cy="0"/>
+          <a:chOff x="0" y="0"/>
+          <a:chExt cx="0" cy="0"/>
+        </a:xfrm>
+      </p:grpSpPr>
+      <p:sp>
+        <p:nvSpPr>
+          <p:cNvPr id="147" name="Shape 147"/>
+          <p:cNvSpPr txBox="1">
+            <a:spLocks noGrp="1"/>
+          </p:cNvSpPr>
+          <p:nvPr>
+            <p:ph type="title"/>
+          </p:nvPr>
+        </p:nvSpPr>
+        <p:spPr>
+          <a:prstGeom prst="rect">
+            <a:avLst/>
+          </a:prstGeom>
+        </p:spPr>
+        <p:txBody>
+          <a:bodyPr lIns="91425" tIns="91425" rIns="91425" bIns="91425" anchor="ctr" anchorCtr="0">
+            <a:noAutofit/>
+          </a:bodyPr>
+          <a:lstStyle/>
+          <a:p>
+            <a:pPr lvl="0" rtl="0">
+              <a:spcBef>
+                <a:spcPts val="0"/>
+              </a:spcBef>
+              <a:buNone/>
+            </a:pPr>
+            <a:r>
+              <a:rPr lang="en"/>
+              <a:t>What assumptions are we making?</a:t>
+            </a:r>
+          </a:p>
+        </p:txBody>
+      </p:sp>
+    </p:spTree>
+  </p:cSld>
+  <p:clrMapOvr>
+    <a:masterClrMapping/>
+  </p:clrMapOvr>
+</p:sld>
+</file>
+
+<file path=ppt/slides/slide13.xml><?xml version="1.0" encoding="utf-8"?>
+<p:sld xmlns:a="http://schemas.openxmlformats.org/drawingml/2006/main" xmlns:r="http://schemas.openxmlformats.org/officeDocument/2006/relationships" xmlns:p="http://schemas.openxmlformats.org/presentationml/2006/main">
+  <p:cSld>
+    <p:spTree>
+      <p:nvGrpSpPr>
+        <p:cNvPr id="1" name=""/>
+        <p:cNvGrpSpPr/>
+        <p:nvPr/>
+      </p:nvGrpSpPr>
+      <p:grpSpPr>
+        <a:xfrm>
+          <a:off x="0" y="0"/>
+          <a:ext cx="0" cy="0"/>
+          <a:chOff x="0" y="0"/>
+          <a:chExt cx="0" cy="0"/>
+        </a:xfrm>
+      </p:grpSpPr>
+      <p:sp>
+        <p:nvSpPr>
+          <p:cNvPr id="2" name="Title 1"/>
+          <p:cNvSpPr>
+            <a:spLocks noGrp="1"/>
+          </p:cNvSpPr>
+          <p:nvPr>
+            <p:ph type="title"/>
+          </p:nvPr>
+        </p:nvSpPr>
+        <p:spPr/>
+        <p:txBody>
+          <a:bodyPr/>
+          <a:lstStyle/>
+          <a:p>
+            <a:r>
+              <a:rPr lang="en-GB" dirty="0"/>
+              <a:t>That the thing is actually feasible.</a:t>
+            </a:r>
+          </a:p>
+        </p:txBody>
+      </p:sp>
+    </p:spTree>
+    <p:extLst>
+      <p:ext uri="{BB962C8B-B14F-4D97-AF65-F5344CB8AC3E}">
+        <p14:creationId xmlns:p14="http://schemas.microsoft.com/office/powerpoint/2010/main" val="4272331611"/>
+      </p:ext>
+    </p:extLst>
+  </p:cSld>
+  <p:clrMapOvr>
+    <a:masterClrMapping/>
+  </p:clrMapOvr>
+</p:sld>
+</file>
+
+<file path=ppt/slides/slide14.xml><?xml version="1.0" encoding="utf-8"?>
+<p:sld xmlns:a="http://schemas.openxmlformats.org/drawingml/2006/main" xmlns:r="http://schemas.openxmlformats.org/officeDocument/2006/relationships" xmlns:p="http://schemas.openxmlformats.org/presentationml/2006/main">
+  <p:cSld>
+    <p:spTree>
+      <p:nvGrpSpPr>
+        <p:cNvPr id="1" name="Shape 151"/>
+        <p:cNvGrpSpPr/>
+        <p:nvPr/>
+      </p:nvGrpSpPr>
+      <p:grpSpPr>
+        <a:xfrm>
+          <a:off x="0" y="0"/>
+          <a:ext cx="0" cy="0"/>
+          <a:chOff x="0" y="0"/>
+          <a:chExt cx="0" cy="0"/>
+        </a:xfrm>
+      </p:grpSpPr>
+      <p:sp>
+        <p:nvSpPr>
+          <p:cNvPr id="152" name="Shape 152"/>
+          <p:cNvSpPr txBox="1">
+            <a:spLocks noGrp="1"/>
+          </p:cNvSpPr>
+          <p:nvPr>
+            <p:ph type="title"/>
+          </p:nvPr>
+        </p:nvSpPr>
+        <p:spPr>
+          <a:prstGeom prst="rect">
+            <a:avLst/>
+          </a:prstGeom>
+        </p:spPr>
+        <p:txBody>
+          <a:bodyPr lIns="91425" tIns="91425" rIns="91425" bIns="91425" anchor="ctr" anchorCtr="0">
+            <a:noAutofit/>
+          </a:bodyPr>
+          <a:lstStyle/>
+          <a:p>
+            <a:pPr lvl="0">
+              <a:spcBef>
+                <a:spcPts val="0"/>
+              </a:spcBef>
+              <a:buNone/>
+            </a:pPr>
+            <a:r>
+              <a:rPr lang="en"/>
+              <a:t>Our version will succeed because…</a:t>
+            </a:r>
+          </a:p>
+          <a:p>
+            <a:pPr lvl="0">
+              <a:spcBef>
+                <a:spcPts val="0"/>
+              </a:spcBef>
+              <a:buNone/>
+            </a:pPr>
+            <a:r>
+              <a:rPr lang="en"/>
+              <a:t>What’s our unique selling point? </a:t>
+            </a:r>
+          </a:p>
+        </p:txBody>
+      </p:sp>
+    </p:spTree>
+  </p:cSld>
+  <p:clrMapOvr>
+    <a:masterClrMapping/>
+  </p:clrMapOvr>
+</p:sld>
+</file>
+
+<file path=ppt/slides/slide15.xml><?xml version="1.0" encoding="utf-8"?>
+<p:sld xmlns:a="http://schemas.openxmlformats.org/drawingml/2006/main" xmlns:r="http://schemas.openxmlformats.org/officeDocument/2006/relationships" xmlns:p="http://schemas.openxmlformats.org/presentationml/2006/main">
+  <p:cSld>
+    <p:spTree>
+      <p:nvGrpSpPr>
+        <p:cNvPr id="1" name=""/>
+        <p:cNvGrpSpPr/>
+        <p:nvPr/>
+      </p:nvGrpSpPr>
+      <p:grpSpPr>
+        <a:xfrm>
+          <a:off x="0" y="0"/>
+          <a:ext cx="0" cy="0"/>
+          <a:chOff x="0" y="0"/>
+          <a:chExt cx="0" cy="0"/>
+        </a:xfrm>
+      </p:grpSpPr>
+      <p:sp>
+        <p:nvSpPr>
+          <p:cNvPr id="2" name="Title 1"/>
+          <p:cNvSpPr>
+            <a:spLocks noGrp="1"/>
+          </p:cNvSpPr>
+          <p:nvPr>
+            <p:ph type="title"/>
+          </p:nvPr>
+        </p:nvSpPr>
+        <p:spPr/>
+        <p:txBody>
+          <a:bodyPr/>
+          <a:lstStyle/>
+          <a:p>
+            <a:r>
+              <a:rPr lang="en-GB" dirty="0"/>
+              <a:t>Portable</a:t>
+            </a:r>
+            <a:br>
+              <a:rPr lang="en-GB" dirty="0"/>
+            </a:br>
+            <a:r>
+              <a:rPr lang="en-GB" dirty="0"/>
+              <a:t>Multi-purpose</a:t>
+            </a:r>
+            <a:br>
+              <a:rPr lang="en-GB" dirty="0"/>
+            </a:br>
+            <a:r>
+              <a:rPr lang="en-GB" dirty="0"/>
+              <a:t>Very Cheap</a:t>
+            </a:r>
+            <a:br>
+              <a:rPr lang="en-GB" dirty="0"/>
+            </a:br>
+            <a:r>
+              <a:rPr lang="en-GB" dirty="0"/>
+              <a:t>Reliable</a:t>
+            </a:r>
+            <a:br>
+              <a:rPr lang="en-GB" dirty="0"/>
+            </a:br>
+            <a:r>
+              <a:rPr lang="en-GB" dirty="0"/>
+              <a:t>Completely Green</a:t>
+            </a:r>
+          </a:p>
+        </p:txBody>
+      </p:sp>
+    </p:spTree>
+    <p:extLst>
+      <p:ext uri="{BB962C8B-B14F-4D97-AF65-F5344CB8AC3E}">
+        <p14:creationId xmlns:p14="http://schemas.microsoft.com/office/powerpoint/2010/main" val="2021246843"/>
+      </p:ext>
+    </p:extLst>
+  </p:cSld>
+  <p:clrMapOvr>
+    <a:masterClrMapping/>
+  </p:clrMapOvr>
+</p:sld>
+</file>
+
+<file path=ppt/slides/slide16.xml><?xml version="1.0" encoding="utf-8"?>
+<p:sld xmlns:a="http://schemas.openxmlformats.org/drawingml/2006/main" xmlns:r="http://schemas.openxmlformats.org/officeDocument/2006/relationships" xmlns:p="http://schemas.openxmlformats.org/presentationml/2006/main">
+  <p:cSld>
+    <p:spTree>
+      <p:nvGrpSpPr>
+        <p:cNvPr id="1" name="Shape 156"/>
+        <p:cNvGrpSpPr/>
+        <p:nvPr/>
+      </p:nvGrpSpPr>
+      <p:grpSpPr>
+        <a:xfrm>
+          <a:off x="0" y="0"/>
+          <a:ext cx="0" cy="0"/>
+          <a:chOff x="0" y="0"/>
+          <a:chExt cx="0" cy="0"/>
+        </a:xfrm>
+      </p:grpSpPr>
+      <p:sp>
+        <p:nvSpPr>
+          <p:cNvPr id="157" name="Shape 157"/>
+          <p:cNvSpPr txBox="1">
+            <a:spLocks noGrp="1"/>
+          </p:cNvSpPr>
+          <p:nvPr>
+            <p:ph type="title"/>
+          </p:nvPr>
+        </p:nvSpPr>
+        <p:spPr>
+          <a:prstGeom prst="rect">
+            <a:avLst/>
+          </a:prstGeom>
+        </p:spPr>
+        <p:txBody>
+          <a:bodyPr lIns="91425" tIns="91425" rIns="91425" bIns="91425" anchor="ctr" anchorCtr="0">
+            <a:noAutofit/>
+          </a:bodyPr>
+          <a:lstStyle/>
+          <a:p>
+            <a:pPr lvl="0" rtl="0">
+              <a:spcBef>
+                <a:spcPts val="0"/>
+              </a:spcBef>
+              <a:buNone/>
+            </a:pPr>
+            <a:r>
+              <a:rPr lang="en"/>
+              <a:t>There are competitors, but we’re unique/better because?</a:t>
+            </a:r>
+          </a:p>
+        </p:txBody>
+      </p:sp>
+    </p:spTree>
+  </p:cSld>
+  <p:clrMapOvr>
+    <a:masterClrMapping/>
+  </p:clrMapOvr>
+</p:sld>
+</file>
+
+<file path=ppt/slides/slide17.xml><?xml version="1.0" encoding="utf-8"?>
+<p:sld xmlns:a="http://schemas.openxmlformats.org/drawingml/2006/main" xmlns:r="http://schemas.openxmlformats.org/officeDocument/2006/relationships" xmlns:p="http://schemas.openxmlformats.org/presentationml/2006/main">
+  <p:cSld>
+    <p:spTree>
+      <p:nvGrpSpPr>
+        <p:cNvPr id="1" name=""/>
+        <p:cNvGrpSpPr/>
+        <p:nvPr/>
+      </p:nvGrpSpPr>
+      <p:grpSpPr>
+        <a:xfrm>
+          <a:off x="0" y="0"/>
+          <a:ext cx="0" cy="0"/>
+          <a:chOff x="0" y="0"/>
+          <a:chExt cx="0" cy="0"/>
+        </a:xfrm>
+      </p:grpSpPr>
+      <p:sp>
+        <p:nvSpPr>
+          <p:cNvPr id="2" name="Title 1"/>
+          <p:cNvSpPr>
+            <a:spLocks noGrp="1"/>
+          </p:cNvSpPr>
+          <p:nvPr>
+            <p:ph type="title"/>
+          </p:nvPr>
+        </p:nvSpPr>
+        <p:spPr/>
+        <p:txBody>
+          <a:bodyPr/>
+          <a:lstStyle/>
+          <a:p>
+            <a:r>
+              <a:rPr lang="en-GB" dirty="0"/>
+              <a:t>Theirs are expensive while ours is cheap</a:t>
+            </a:r>
+            <a:br>
+              <a:rPr lang="en-GB" dirty="0"/>
+            </a:br>
+            <a:r>
+              <a:rPr lang="en-GB" dirty="0"/>
+              <a:t>Theirs need large energy input while ours do not</a:t>
+            </a:r>
+            <a:br>
+              <a:rPr lang="en-GB" dirty="0"/>
+            </a:br>
+            <a:r>
+              <a:rPr lang="en-GB" dirty="0"/>
+              <a:t>Theirs are bulky while ours are portable and light-weight</a:t>
+            </a:r>
+            <a:br>
+              <a:rPr lang="en-GB" dirty="0"/>
+            </a:br>
+            <a:r>
+              <a:rPr lang="en-GB" dirty="0"/>
+              <a:t>Theirs has one purpose while ours has many</a:t>
+            </a:r>
+          </a:p>
+        </p:txBody>
+      </p:sp>
+    </p:spTree>
+    <p:extLst>
+      <p:ext uri="{BB962C8B-B14F-4D97-AF65-F5344CB8AC3E}">
+        <p14:creationId xmlns:p14="http://schemas.microsoft.com/office/powerpoint/2010/main" val="85527914"/>
+      </p:ext>
+    </p:extLst>
+  </p:cSld>
+  <p:clrMapOvr>
+    <a:masterClrMapping/>
+  </p:clrMapOvr>
+</p:sld>
+</file>
+
 <file path=ppt/slides/slide2.xml><?xml version="1.0" encoding="utf-8"?>
+<p:sld xmlns:a="http://schemas.openxmlformats.org/drawingml/2006/main" xmlns:r="http://schemas.openxmlformats.org/officeDocument/2006/relationships" xmlns:p="http://schemas.openxmlformats.org/presentationml/2006/main">
+  <p:cSld>
+    <p:spTree>
+      <p:nvGrpSpPr>
+        <p:cNvPr id="1" name=""/>
+        <p:cNvGrpSpPr/>
+        <p:nvPr/>
+      </p:nvGrpSpPr>
+      <p:grpSpPr>
+        <a:xfrm>
+          <a:off x="0" y="0"/>
+          <a:ext cx="0" cy="0"/>
+          <a:chOff x="0" y="0"/>
+          <a:chExt cx="0" cy="0"/>
+        </a:xfrm>
+      </p:grpSpPr>
+      <p:sp>
+        <p:nvSpPr>
+          <p:cNvPr id="3" name="Title 2"/>
+          <p:cNvSpPr>
+            <a:spLocks noGrp="1"/>
+          </p:cNvSpPr>
+          <p:nvPr>
+            <p:ph type="title"/>
+          </p:nvPr>
+        </p:nvSpPr>
+        <p:spPr/>
+        <p:txBody>
+          <a:bodyPr/>
+          <a:lstStyle/>
+          <a:p>
+            <a:endParaRPr lang="en-GB"/>
+          </a:p>
+        </p:txBody>
+      </p:sp>
+      <p:pic>
+        <p:nvPicPr>
+          <p:cNvPr id="4" name="Picture 3"/>
+          <p:cNvPicPr>
+            <a:picLocks noChangeAspect="1"/>
+          </p:cNvPicPr>
+          <p:nvPr/>
+        </p:nvPicPr>
+        <p:blipFill>
+          <a:blip r:embed="rId2"/>
+          <a:stretch>
+            <a:fillRect/>
+          </a:stretch>
+        </p:blipFill>
+        <p:spPr>
+          <a:xfrm>
+            <a:off x="0" y="-1"/>
+            <a:ext cx="9144000" cy="6858001"/>
+          </a:xfrm>
+          <a:prstGeom prst="rect">
+            <a:avLst/>
+          </a:prstGeom>
+        </p:spPr>
+      </p:pic>
+    </p:spTree>
+    <p:extLst>
+      <p:ext uri="{BB962C8B-B14F-4D97-AF65-F5344CB8AC3E}">
+        <p14:creationId xmlns:p14="http://schemas.microsoft.com/office/powerpoint/2010/main" val="2977487906"/>
+      </p:ext>
+    </p:extLst>
+  </p:cSld>
+  <p:clrMapOvr>
+    <a:masterClrMapping/>
+  </p:clrMapOvr>
+</p:sld>
+</file>
+
+<file path=ppt/slides/slide3.xml><?xml version="1.0" encoding="utf-8"?>
+<p:sld xmlns:a="http://schemas.openxmlformats.org/drawingml/2006/main" xmlns:r="http://schemas.openxmlformats.org/officeDocument/2006/relationships" xmlns:p="http://schemas.openxmlformats.org/presentationml/2006/main">
+  <p:cSld>
+    <p:spTree>
+      <p:nvGrpSpPr>
+        <p:cNvPr id="1" name=""/>
+        <p:cNvGrpSpPr/>
+        <p:nvPr/>
+      </p:nvGrpSpPr>
+      <p:grpSpPr>
+        <a:xfrm>
+          <a:off x="0" y="0"/>
+          <a:ext cx="0" cy="0"/>
+          <a:chOff x="0" y="0"/>
+          <a:chExt cx="0" cy="0"/>
+        </a:xfrm>
+      </p:grpSpPr>
+      <p:sp>
+        <p:nvSpPr>
+          <p:cNvPr id="3" name="Title 2"/>
+          <p:cNvSpPr>
+            <a:spLocks noGrp="1"/>
+          </p:cNvSpPr>
+          <p:nvPr>
+            <p:ph type="title"/>
+          </p:nvPr>
+        </p:nvSpPr>
+        <p:spPr/>
+        <p:txBody>
+          <a:bodyPr/>
+          <a:lstStyle/>
+          <a:p>
+            <a:endParaRPr lang="en-GB"/>
+          </a:p>
+        </p:txBody>
+      </p:sp>
+      <p:pic>
+        <p:nvPicPr>
+          <p:cNvPr id="4" name="Picture 3"/>
+          <p:cNvPicPr>
+            <a:picLocks noChangeAspect="1"/>
+          </p:cNvPicPr>
+          <p:nvPr/>
+        </p:nvPicPr>
+        <p:blipFill>
+          <a:blip r:embed="rId2"/>
+          <a:stretch>
+            <a:fillRect/>
+          </a:stretch>
+        </p:blipFill>
+        <p:spPr>
+          <a:xfrm>
+            <a:off x="0" y="-1"/>
+            <a:ext cx="9144000" cy="6858001"/>
+          </a:xfrm>
+          <a:prstGeom prst="rect">
+            <a:avLst/>
+          </a:prstGeom>
+        </p:spPr>
+      </p:pic>
+    </p:spTree>
+    <p:extLst>
+      <p:ext uri="{BB962C8B-B14F-4D97-AF65-F5344CB8AC3E}">
+        <p14:creationId xmlns:p14="http://schemas.microsoft.com/office/powerpoint/2010/main" val="3935943994"/>
+      </p:ext>
+    </p:extLst>
+  </p:cSld>
+  <p:clrMapOvr>
+    <a:masterClrMapping/>
+  </p:clrMapOvr>
+</p:sld>
+</file>
+
+<file path=ppt/slides/slide4.xml><?xml version="1.0" encoding="utf-8"?>
 <p:sld xmlns:a="http://schemas.openxmlformats.org/drawingml/2006/main" xmlns:r="http://schemas.openxmlformats.org/officeDocument/2006/relationships" xmlns:p="http://schemas.openxmlformats.org/presentationml/2006/main">
   <p:cSld>
     <p:spTree>
@@ -9516,8 +10738,8 @@
         </p:nvSpPr>
         <p:spPr>
           <a:xfrm>
-            <a:off x="352050" y="1159863"/>
-            <a:ext cx="8439899" cy="1733399"/>
+            <a:off x="352050" y="281355"/>
+            <a:ext cx="8439899" cy="2771334"/>
           </a:xfrm>
           <a:prstGeom prst="rect">
             <a:avLst/>
@@ -9738,7 +10960,7 @@
                   <a:srgbClr val="FFFFFF"/>
                 </a:solidFill>
               </a:rPr>
-              <a:t>push it</a:t>
+              <a:t>Rotate a handle</a:t>
             </a:r>
             <a:r>
               <a:rPr lang="zh-CN" altLang="en-US" sz="2800" b="0" dirty="0">
@@ -9777,7 +10999,7 @@
 </p:sld>
 </file>
 
-<file path=ppt/slides/slide3.xml><?xml version="1.0" encoding="utf-8"?>
+<file path=ppt/slides/slide5.xml><?xml version="1.0" encoding="utf-8"?>
 <p:sld xmlns:a="http://schemas.openxmlformats.org/drawingml/2006/main" xmlns:r="http://schemas.openxmlformats.org/officeDocument/2006/relationships" xmlns:p="http://schemas.openxmlformats.org/presentationml/2006/main">
   <p:cSld>
     <p:spTree>
@@ -9805,10 +11027,6 @@
           </p:nvPr>
         </p:nvSpPr>
         <p:spPr>
-          <a:xfrm>
-            <a:off x="457200" y="49"/>
-            <a:ext cx="8229600" cy="6858000"/>
-          </a:xfrm>
           <a:prstGeom prst="rect">
             <a:avLst/>
           </a:prstGeom>
@@ -9840,7 +11058,7 @@
 </p:sld>
 </file>
 
-<file path=ppt/slides/slide4.xml><?xml version="1.0" encoding="utf-8"?>
+<file path=ppt/slides/slide6.xml><?xml version="1.0" encoding="utf-8"?>
 <p:sld xmlns:a="http://schemas.openxmlformats.org/drawingml/2006/main" xmlns:r="http://schemas.openxmlformats.org/officeDocument/2006/relationships" xmlns:p="http://schemas.openxmlformats.org/presentationml/2006/main">
   <p:cSld>
     <p:spTree>
@@ -9868,10 +11086,6 @@
           </p:nvPr>
         </p:nvSpPr>
         <p:spPr>
-          <a:xfrm>
-            <a:off x="457200" y="49"/>
-            <a:ext cx="8229600" cy="6858000"/>
-          </a:xfrm>
           <a:prstGeom prst="rect">
             <a:avLst/>
           </a:prstGeom>
@@ -9903,7 +11117,415 @@
 </p:sld>
 </file>
 
-<file path=ppt/slides/slide5.xml><?xml version="1.0" encoding="utf-8"?>
+<file path=ppt/slides/slide7.xml><?xml version="1.0" encoding="utf-8"?>
+<p:sld xmlns:a="http://schemas.openxmlformats.org/drawingml/2006/main" xmlns:r="http://schemas.openxmlformats.org/officeDocument/2006/relationships" xmlns:p="http://schemas.openxmlformats.org/presentationml/2006/main">
+  <p:cSld>
+    <p:spTree>
+      <p:nvGrpSpPr>
+        <p:cNvPr id="1" name=""/>
+        <p:cNvGrpSpPr/>
+        <p:nvPr/>
+      </p:nvGrpSpPr>
+      <p:grpSpPr>
+        <a:xfrm>
+          <a:off x="0" y="0"/>
+          <a:ext cx="0" cy="0"/>
+          <a:chOff x="0" y="0"/>
+          <a:chExt cx="0" cy="0"/>
+        </a:xfrm>
+      </p:grpSpPr>
+      <p:sp>
+        <p:nvSpPr>
+          <p:cNvPr id="2" name="Title 1"/>
+          <p:cNvSpPr>
+            <a:spLocks noGrp="1"/>
+          </p:cNvSpPr>
+          <p:nvPr>
+            <p:ph type="title"/>
+          </p:nvPr>
+        </p:nvSpPr>
+        <p:spPr>
+          <a:xfrm>
+            <a:off x="457200" y="49"/>
+            <a:ext cx="8229600" cy="1670732"/>
+          </a:xfrm>
+        </p:spPr>
+        <p:txBody>
+          <a:bodyPr/>
+          <a:lstStyle/>
+          <a:p>
+            <a:r>
+              <a:rPr lang="en-GB" dirty="0"/>
+              <a:t>Multi-</a:t>
+            </a:r>
+            <a:r>
+              <a:rPr lang="en-GB" dirty="0" err="1"/>
+              <a:t>purposeness</a:t>
+            </a:r>
+            <a:endParaRPr lang="en-GB" dirty="0"/>
+          </a:p>
+        </p:txBody>
+      </p:sp>
+      <p:sp>
+        <p:nvSpPr>
+          <p:cNvPr id="3" name="TextBox 2"/>
+          <p:cNvSpPr txBox="1"/>
+          <p:nvPr/>
+        </p:nvSpPr>
+        <p:spPr>
+          <a:xfrm>
+            <a:off x="886261" y="2413424"/>
+            <a:ext cx="6260123" cy="800219"/>
+          </a:xfrm>
+          <a:prstGeom prst="rect">
+            <a:avLst/>
+          </a:prstGeom>
+          <a:noFill/>
+        </p:spPr>
+        <p:txBody>
+          <a:bodyPr wrap="square" rtlCol="0">
+            <a:spAutoFit/>
+          </a:bodyPr>
+          <a:lstStyle/>
+          <a:p>
+            <a:r>
+              <a:rPr lang="en-GB" sz="2800" b="1" dirty="0">
+                <a:solidFill>
+                  <a:schemeClr val="bg1"/>
+                </a:solidFill>
+              </a:rPr>
+              <a:t>From</a:t>
+            </a:r>
+            <a:r>
+              <a:rPr lang="en-GB" sz="1800" dirty="0">
+                <a:solidFill>
+                  <a:schemeClr val="bg1"/>
+                </a:solidFill>
+              </a:rPr>
+              <a:t> 	providing portable electricity-free 			</a:t>
+            </a:r>
+            <a:r>
+              <a:rPr lang="en-US" altLang="zh-CN" sz="1800" dirty="0">
+                <a:solidFill>
+                  <a:schemeClr val="bg1"/>
+                </a:solidFill>
+              </a:rPr>
+              <a:t>refrigerators to third world countries</a:t>
+            </a:r>
+            <a:endParaRPr lang="en-GB" sz="1800" dirty="0">
+              <a:solidFill>
+                <a:schemeClr val="bg1"/>
+              </a:solidFill>
+            </a:endParaRPr>
+          </a:p>
+        </p:txBody>
+      </p:sp>
+      <p:sp>
+        <p:nvSpPr>
+          <p:cNvPr id="8" name="TextBox 7"/>
+          <p:cNvSpPr txBox="1"/>
+          <p:nvPr/>
+        </p:nvSpPr>
+        <p:spPr>
+          <a:xfrm>
+            <a:off x="886262" y="3571553"/>
+            <a:ext cx="6260123" cy="800219"/>
+          </a:xfrm>
+          <a:prstGeom prst="rect">
+            <a:avLst/>
+          </a:prstGeom>
+          <a:noFill/>
+        </p:spPr>
+        <p:txBody>
+          <a:bodyPr wrap="square" rtlCol="0">
+            <a:spAutoFit/>
+          </a:bodyPr>
+          <a:lstStyle/>
+          <a:p>
+            <a:r>
+              <a:rPr lang="en-GB" sz="2800" b="1" dirty="0">
+                <a:solidFill>
+                  <a:schemeClr val="bg1"/>
+                </a:solidFill>
+              </a:rPr>
+              <a:t>To</a:t>
+            </a:r>
+            <a:r>
+              <a:rPr lang="en-GB" sz="1800" dirty="0">
+                <a:solidFill>
+                  <a:schemeClr val="bg1"/>
+                </a:solidFill>
+              </a:rPr>
+              <a:t> 		giving you a cup of ice drink on a hot 		summer day</a:t>
+            </a:r>
+          </a:p>
+        </p:txBody>
+      </p:sp>
+      <p:sp>
+        <p:nvSpPr>
+          <p:cNvPr id="9" name="TextBox 8"/>
+          <p:cNvSpPr txBox="1"/>
+          <p:nvPr/>
+        </p:nvSpPr>
+        <p:spPr>
+          <a:xfrm>
+            <a:off x="886260" y="4672104"/>
+            <a:ext cx="6260123" cy="800219"/>
+          </a:xfrm>
+          <a:prstGeom prst="rect">
+            <a:avLst/>
+          </a:prstGeom>
+          <a:noFill/>
+        </p:spPr>
+        <p:txBody>
+          <a:bodyPr wrap="square" rtlCol="0">
+            <a:spAutoFit/>
+          </a:bodyPr>
+          <a:lstStyle/>
+          <a:p>
+            <a:r>
+              <a:rPr lang="en-GB" sz="2800" b="1" dirty="0">
+                <a:solidFill>
+                  <a:schemeClr val="bg1"/>
+                </a:solidFill>
+              </a:rPr>
+              <a:t>Or 		</a:t>
+            </a:r>
+            <a:r>
+              <a:rPr lang="en-GB" sz="1800" dirty="0">
+                <a:solidFill>
+                  <a:schemeClr val="bg1"/>
+                </a:solidFill>
+              </a:rPr>
+              <a:t>give you some emergency treatment after 		a sports injury</a:t>
+            </a:r>
+          </a:p>
+        </p:txBody>
+      </p:sp>
+      <p:sp>
+        <p:nvSpPr>
+          <p:cNvPr id="10" name="Rectangle 9"/>
+          <p:cNvSpPr/>
+          <p:nvPr/>
+        </p:nvSpPr>
+        <p:spPr>
+          <a:xfrm>
+            <a:off x="886260" y="4802637"/>
+            <a:ext cx="6260123" cy="800220"/>
+          </a:xfrm>
+          <a:prstGeom prst="rect">
+            <a:avLst/>
+          </a:prstGeom>
+          <a:solidFill>
+            <a:srgbClr val="7979FF"/>
+          </a:solidFill>
+          <a:ln>
+            <a:solidFill>
+              <a:srgbClr val="7979FF"/>
+            </a:solidFill>
+          </a:ln>
+        </p:spPr>
+        <p:style>
+          <a:lnRef idx="2">
+            <a:schemeClr val="accent1">
+              <a:shade val="50000"/>
+            </a:schemeClr>
+          </a:lnRef>
+          <a:fillRef idx="1">
+            <a:schemeClr val="accent1"/>
+          </a:fillRef>
+          <a:effectRef idx="0">
+            <a:schemeClr val="accent1"/>
+          </a:effectRef>
+          <a:fontRef idx="minor">
+            <a:schemeClr val="lt1"/>
+          </a:fontRef>
+        </p:style>
+        <p:txBody>
+          <a:bodyPr rtlCol="0" anchor="ctr"/>
+          <a:lstStyle/>
+          <a:p>
+            <a:pPr algn="ctr"/>
+            <a:endParaRPr lang="en-GB"/>
+          </a:p>
+        </p:txBody>
+      </p:sp>
+      <p:sp>
+        <p:nvSpPr>
+          <p:cNvPr id="11" name="Rectangle 10"/>
+          <p:cNvSpPr/>
+          <p:nvPr/>
+        </p:nvSpPr>
+        <p:spPr>
+          <a:xfrm>
+            <a:off x="886260" y="3708307"/>
+            <a:ext cx="6260123" cy="800220"/>
+          </a:xfrm>
+          <a:prstGeom prst="rect">
+            <a:avLst/>
+          </a:prstGeom>
+          <a:solidFill>
+            <a:srgbClr val="7979FF"/>
+          </a:solidFill>
+          <a:ln>
+            <a:solidFill>
+              <a:srgbClr val="7979FF"/>
+            </a:solidFill>
+          </a:ln>
+        </p:spPr>
+        <p:style>
+          <a:lnRef idx="2">
+            <a:schemeClr val="accent1">
+              <a:shade val="50000"/>
+            </a:schemeClr>
+          </a:lnRef>
+          <a:fillRef idx="1">
+            <a:schemeClr val="accent1"/>
+          </a:fillRef>
+          <a:effectRef idx="0">
+            <a:schemeClr val="accent1"/>
+          </a:effectRef>
+          <a:fontRef idx="minor">
+            <a:schemeClr val="lt1"/>
+          </a:fontRef>
+        </p:style>
+        <p:txBody>
+          <a:bodyPr rtlCol="0" anchor="ctr"/>
+          <a:lstStyle/>
+          <a:p>
+            <a:pPr algn="ctr"/>
+            <a:endParaRPr lang="en-GB"/>
+          </a:p>
+        </p:txBody>
+      </p:sp>
+    </p:spTree>
+    <p:extLst>
+      <p:ext uri="{BB962C8B-B14F-4D97-AF65-F5344CB8AC3E}">
+        <p14:creationId xmlns:p14="http://schemas.microsoft.com/office/powerpoint/2010/main" val="1194501981"/>
+      </p:ext>
+    </p:extLst>
+  </p:cSld>
+  <p:clrMapOvr>
+    <a:masterClrMapping/>
+  </p:clrMapOvr>
+  <p:timing>
+    <p:tnLst>
+      <p:par>
+        <p:cTn id="1" dur="indefinite" restart="never" nodeType="tmRoot">
+          <p:childTnLst>
+            <p:seq concurrent="1" nextAc="seek">
+              <p:cTn id="2" dur="indefinite" nodeType="mainSeq">
+                <p:childTnLst>
+                  <p:par>
+                    <p:cTn id="3" fill="hold">
+                      <p:stCondLst>
+                        <p:cond delay="indefinite"/>
+                      </p:stCondLst>
+                      <p:childTnLst>
+                        <p:par>
+                          <p:cTn id="4" fill="hold">
+                            <p:stCondLst>
+                              <p:cond delay="0"/>
+                            </p:stCondLst>
+                            <p:childTnLst>
+                              <p:par>
+                                <p:cTn id="5" presetID="64" presetClass="path" presetSubtype="0" accel="50000" decel="50000" fill="hold" grpId="0" nodeType="clickEffect">
+                                  <p:stCondLst>
+                                    <p:cond delay="0"/>
+                                  </p:stCondLst>
+                                  <p:childTnLst>
+                                    <p:animMotion origin="layout" path="M 3.88889E-6 -4.07407E-6 L 0.00538 -0.18078 " pathEditMode="relative" rAng="0" ptsTypes="AA">
+                                      <p:cBhvr>
+                                        <p:cTn id="6" dur="1000" fill="hold"/>
+                                        <p:tgtEl>
+                                          <p:spTgt spid="11"/>
+                                        </p:tgtEl>
+                                        <p:attrNameLst>
+                                          <p:attrName>ppt_x</p:attrName>
+                                          <p:attrName>ppt_y</p:attrName>
+                                        </p:attrNameLst>
+                                      </p:cBhvr>
+                                      <p:rCtr x="260" y="-9051"/>
+                                    </p:animMotion>
+                                  </p:childTnLst>
+                                </p:cTn>
+                              </p:par>
+                            </p:childTnLst>
+                          </p:cTn>
+                        </p:par>
+                      </p:childTnLst>
+                    </p:cTn>
+                  </p:par>
+                  <p:par>
+                    <p:cTn id="7" fill="hold">
+                      <p:stCondLst>
+                        <p:cond delay="indefinite"/>
+                      </p:stCondLst>
+                      <p:childTnLst>
+                        <p:par>
+                          <p:cTn id="8" fill="hold">
+                            <p:stCondLst>
+                              <p:cond delay="0"/>
+                            </p:stCondLst>
+                            <p:childTnLst>
+                              <p:par>
+                                <p:cTn id="9" presetID="64" presetClass="path" presetSubtype="0" accel="50000" decel="50000" fill="hold" grpId="0" nodeType="clickEffect">
+                                  <p:stCondLst>
+                                    <p:cond delay="0"/>
+                                  </p:stCondLst>
+                                  <p:childTnLst>
+                                    <p:animMotion origin="layout" path="M 3.88889E-6 -4.81481E-6 L 3.88889E-6 -0.17731 " pathEditMode="relative" rAng="0" ptsTypes="AA">
+                                      <p:cBhvr>
+                                        <p:cTn id="10" dur="1000" fill="hold"/>
+                                        <p:tgtEl>
+                                          <p:spTgt spid="10"/>
+                                        </p:tgtEl>
+                                        <p:attrNameLst>
+                                          <p:attrName>ppt_x</p:attrName>
+                                          <p:attrName>ppt_y</p:attrName>
+                                        </p:attrNameLst>
+                                      </p:cBhvr>
+                                      <p:rCtr x="0" y="-8866"/>
+                                    </p:animMotion>
+                                  </p:childTnLst>
+                                </p:cTn>
+                              </p:par>
+                            </p:childTnLst>
+                          </p:cTn>
+                        </p:par>
+                      </p:childTnLst>
+                    </p:cTn>
+                  </p:par>
+                </p:childTnLst>
+              </p:cTn>
+              <p:prevCondLst>
+                <p:cond evt="onPrev" delay="0">
+                  <p:tgtEl>
+                    <p:sldTgt/>
+                  </p:tgtEl>
+                </p:cond>
+              </p:prevCondLst>
+              <p:nextCondLst>
+                <p:cond evt="onNext" delay="0">
+                  <p:tgtEl>
+                    <p:sldTgt/>
+                  </p:tgtEl>
+                </p:cond>
+              </p:nextCondLst>
+            </p:seq>
+          </p:childTnLst>
+        </p:cTn>
+      </p:par>
+    </p:tnLst>
+    <p:bldLst>
+      <p:bldP spid="10" grpId="0" animBg="1"/>
+      <p:bldP spid="11" grpId="0" animBg="1"/>
+    </p:bldLst>
+  </p:timing>
+</p:sld>
+</file>
+
+<file path=ppt/slides/slide8.xml><?xml version="1.0" encoding="utf-8"?>
 <p:sld xmlns:a="http://schemas.openxmlformats.org/drawingml/2006/main" xmlns:r="http://schemas.openxmlformats.org/officeDocument/2006/relationships" xmlns:p="http://schemas.openxmlformats.org/presentationml/2006/main">
   <p:cSld>
     <p:spTree>
@@ -9931,10 +11553,6 @@
           </p:nvPr>
         </p:nvSpPr>
         <p:spPr>
-          <a:xfrm>
-            <a:off x="457200" y="49"/>
-            <a:ext cx="8229600" cy="6858000"/>
-          </a:xfrm>
           <a:prstGeom prst="rect">
             <a:avLst/>
           </a:prstGeom>
@@ -9966,207 +11584,6 @@
             <a:r>
               <a:rPr lang="en"/>
               <a:t>How are these already being solved?</a:t>
-            </a:r>
-          </a:p>
-        </p:txBody>
-      </p:sp>
-    </p:spTree>
-  </p:cSld>
-  <p:clrMapOvr>
-    <a:masterClrMapping/>
-  </p:clrMapOvr>
-</p:sld>
-</file>
-
-<file path=ppt/slides/slide6.xml><?xml version="1.0" encoding="utf-8"?>
-<p:sld xmlns:a="http://schemas.openxmlformats.org/drawingml/2006/main" xmlns:r="http://schemas.openxmlformats.org/officeDocument/2006/relationships" xmlns:p="http://schemas.openxmlformats.org/presentationml/2006/main">
-  <p:cSld>
-    <p:spTree>
-      <p:nvGrpSpPr>
-        <p:cNvPr id="1" name="Shape 141"/>
-        <p:cNvGrpSpPr/>
-        <p:nvPr/>
-      </p:nvGrpSpPr>
-      <p:grpSpPr>
-        <a:xfrm>
-          <a:off x="0" y="0"/>
-          <a:ext cx="0" cy="0"/>
-          <a:chOff x="0" y="0"/>
-          <a:chExt cx="0" cy="0"/>
-        </a:xfrm>
-      </p:grpSpPr>
-      <p:sp>
-        <p:nvSpPr>
-          <p:cNvPr id="142" name="Shape 142"/>
-          <p:cNvSpPr txBox="1">
-            <a:spLocks noGrp="1"/>
-          </p:cNvSpPr>
-          <p:nvPr>
-            <p:ph type="title"/>
-          </p:nvPr>
-        </p:nvSpPr>
-        <p:spPr>
-          <a:xfrm>
-            <a:off x="457200" y="49"/>
-            <a:ext cx="8229600" cy="6858000"/>
-          </a:xfrm>
-          <a:prstGeom prst="rect">
-            <a:avLst/>
-          </a:prstGeom>
-        </p:spPr>
-        <p:txBody>
-          <a:bodyPr lIns="91425" tIns="91425" rIns="91425" bIns="91425" anchor="ctr" anchorCtr="0">
-            <a:noAutofit/>
-          </a:bodyPr>
-          <a:lstStyle/>
-          <a:p>
-            <a:pPr lvl="0" rtl="0">
-              <a:spcBef>
-                <a:spcPts val="0"/>
-              </a:spcBef>
-              <a:buNone/>
-            </a:pPr>
-            <a:r>
-              <a:rPr lang="en"/>
-              <a:t>What’s your solution, in one sentence? Can you find an analogy to describe it? </a:t>
-            </a:r>
-          </a:p>
-        </p:txBody>
-      </p:sp>
-    </p:spTree>
-  </p:cSld>
-  <p:clrMapOvr>
-    <a:masterClrMapping/>
-  </p:clrMapOvr>
-</p:sld>
-</file>
-
-<file path=ppt/slides/slide7.xml><?xml version="1.0" encoding="utf-8"?>
-<p:sld xmlns:a="http://schemas.openxmlformats.org/drawingml/2006/main" xmlns:r="http://schemas.openxmlformats.org/officeDocument/2006/relationships" xmlns:p="http://schemas.openxmlformats.org/presentationml/2006/main">
-  <p:cSld>
-    <p:spTree>
-      <p:nvGrpSpPr>
-        <p:cNvPr id="1" name="Shape 146"/>
-        <p:cNvGrpSpPr/>
-        <p:nvPr/>
-      </p:nvGrpSpPr>
-      <p:grpSpPr>
-        <a:xfrm>
-          <a:off x="0" y="0"/>
-          <a:ext cx="0" cy="0"/>
-          <a:chOff x="0" y="0"/>
-          <a:chExt cx="0" cy="0"/>
-        </a:xfrm>
-      </p:grpSpPr>
-      <p:sp>
-        <p:nvSpPr>
-          <p:cNvPr id="147" name="Shape 147"/>
-          <p:cNvSpPr txBox="1">
-            <a:spLocks noGrp="1"/>
-          </p:cNvSpPr>
-          <p:nvPr>
-            <p:ph type="title"/>
-          </p:nvPr>
-        </p:nvSpPr>
-        <p:spPr>
-          <a:xfrm>
-            <a:off x="457200" y="49"/>
-            <a:ext cx="8229600" cy="6858000"/>
-          </a:xfrm>
-          <a:prstGeom prst="rect">
-            <a:avLst/>
-          </a:prstGeom>
-        </p:spPr>
-        <p:txBody>
-          <a:bodyPr lIns="91425" tIns="91425" rIns="91425" bIns="91425" anchor="ctr" anchorCtr="0">
-            <a:noAutofit/>
-          </a:bodyPr>
-          <a:lstStyle/>
-          <a:p>
-            <a:pPr lvl="0" rtl="0">
-              <a:spcBef>
-                <a:spcPts val="0"/>
-              </a:spcBef>
-              <a:buNone/>
-            </a:pPr>
-            <a:r>
-              <a:rPr lang="en"/>
-              <a:t>What assumptions are we making?</a:t>
-            </a:r>
-          </a:p>
-        </p:txBody>
-      </p:sp>
-    </p:spTree>
-  </p:cSld>
-  <p:clrMapOvr>
-    <a:masterClrMapping/>
-  </p:clrMapOvr>
-</p:sld>
-</file>
-
-<file path=ppt/slides/slide8.xml><?xml version="1.0" encoding="utf-8"?>
-<p:sld xmlns:a="http://schemas.openxmlformats.org/drawingml/2006/main" xmlns:r="http://schemas.openxmlformats.org/officeDocument/2006/relationships" xmlns:p="http://schemas.openxmlformats.org/presentationml/2006/main">
-  <p:cSld>
-    <p:spTree>
-      <p:nvGrpSpPr>
-        <p:cNvPr id="1" name="Shape 151"/>
-        <p:cNvGrpSpPr/>
-        <p:nvPr/>
-      </p:nvGrpSpPr>
-      <p:grpSpPr>
-        <a:xfrm>
-          <a:off x="0" y="0"/>
-          <a:ext cx="0" cy="0"/>
-          <a:chOff x="0" y="0"/>
-          <a:chExt cx="0" cy="0"/>
-        </a:xfrm>
-      </p:grpSpPr>
-      <p:sp>
-        <p:nvSpPr>
-          <p:cNvPr id="152" name="Shape 152"/>
-          <p:cNvSpPr txBox="1">
-            <a:spLocks noGrp="1"/>
-          </p:cNvSpPr>
-          <p:nvPr>
-            <p:ph type="title"/>
-          </p:nvPr>
-        </p:nvSpPr>
-        <p:spPr>
-          <a:xfrm>
-            <a:off x="457200" y="49"/>
-            <a:ext cx="8229600" cy="6858000"/>
-          </a:xfrm>
-          <a:prstGeom prst="rect">
-            <a:avLst/>
-          </a:prstGeom>
-        </p:spPr>
-        <p:txBody>
-          <a:bodyPr lIns="91425" tIns="91425" rIns="91425" bIns="91425" anchor="ctr" anchorCtr="0">
-            <a:noAutofit/>
-          </a:bodyPr>
-          <a:lstStyle/>
-          <a:p>
-            <a:pPr lvl="0">
-              <a:spcBef>
-                <a:spcPts val="0"/>
-              </a:spcBef>
-              <a:buNone/>
-            </a:pPr>
-            <a:r>
-              <a:rPr lang="en"/>
-              <a:t>Our version will succeed because…</a:t>
-            </a:r>
-          </a:p>
-          <a:p>
-            <a:pPr lvl="0">
-              <a:spcBef>
-                <a:spcPts val="0"/>
-              </a:spcBef>
-              <a:buNone/>
-            </a:pPr>
-            <a:r>
-              <a:rPr lang="en"/>
-              <a:t>What’s our unique selling point? </a:t>
             </a:r>
           </a:p>
         </p:txBody>
@@ -10184,7 +11601,7 @@
   <p:cSld>
     <p:spTree>
       <p:nvGrpSpPr>
-        <p:cNvPr id="1" name="Shape 156"/>
+        <p:cNvPr id="1" name=""/>
         <p:cNvGrpSpPr/>
         <p:nvPr/>
       </p:nvGrpSpPr>
@@ -10198,8 +11615,8 @@
       </p:grpSpPr>
       <p:sp>
         <p:nvSpPr>
-          <p:cNvPr id="157" name="Shape 157"/>
-          <p:cNvSpPr txBox="1">
+          <p:cNvPr id="2" name="Title 1"/>
+          <p:cNvSpPr>
             <a:spLocks noGrp="1"/>
           </p:cNvSpPr>
           <p:nvPr>
@@ -10209,36 +11626,378 @@
         <p:spPr>
           <a:xfrm>
             <a:off x="457200" y="49"/>
-            <a:ext cx="8229600" cy="6858000"/>
+            <a:ext cx="8229600" cy="1773691"/>
+          </a:xfrm>
+        </p:spPr>
+        <p:txBody>
+          <a:bodyPr/>
+          <a:lstStyle/>
+          <a:p>
+            <a:r>
+              <a:rPr lang="en-GB" dirty="0"/>
+              <a:t>Multi-</a:t>
+            </a:r>
+            <a:r>
+              <a:rPr lang="en-GB" dirty="0" err="1"/>
+              <a:t>purposeness</a:t>
+            </a:r>
+            <a:endParaRPr lang="en-GB" dirty="0"/>
+          </a:p>
+        </p:txBody>
+      </p:sp>
+      <p:sp>
+        <p:nvSpPr>
+          <p:cNvPr id="3" name="TextBox 2"/>
+          <p:cNvSpPr txBox="1"/>
+          <p:nvPr/>
+        </p:nvSpPr>
+        <p:spPr>
+          <a:xfrm>
+            <a:off x="886261" y="2413424"/>
+            <a:ext cx="6260123" cy="830997"/>
           </a:xfrm>
           <a:prstGeom prst="rect">
             <a:avLst/>
           </a:prstGeom>
+          <a:noFill/>
         </p:spPr>
         <p:txBody>
-          <a:bodyPr lIns="91425" tIns="91425" rIns="91425" bIns="91425" anchor="ctr" anchorCtr="0">
-            <a:noAutofit/>
+          <a:bodyPr wrap="square" rtlCol="0">
+            <a:spAutoFit/>
           </a:bodyPr>
           <a:lstStyle/>
           <a:p>
-            <a:pPr lvl="0" rtl="0">
-              <a:spcBef>
-                <a:spcPts val="0"/>
-              </a:spcBef>
-              <a:buNone/>
-            </a:pPr>
             <a:r>
-              <a:rPr lang="en"/>
-              <a:t>There are competitors, but we’re unique/better because?</a:t>
+              <a:rPr lang="en-GB" sz="2800" b="1" dirty="0">
+                <a:solidFill>
+                  <a:schemeClr val="bg1"/>
+                </a:solidFill>
+              </a:rPr>
+              <a:t>Electricity </a:t>
+            </a:r>
+            <a:r>
+              <a:rPr lang="en-GB" sz="2000" b="1" dirty="0">
+                <a:solidFill>
+                  <a:schemeClr val="bg1"/>
+                </a:solidFill>
+              </a:rPr>
+              <a:t>shortage while fridge is needed to store necessities like medicines</a:t>
+            </a:r>
+            <a:endParaRPr lang="en-GB" sz="1800" dirty="0">
+              <a:solidFill>
+                <a:schemeClr val="bg1"/>
+              </a:solidFill>
+            </a:endParaRPr>
+          </a:p>
+        </p:txBody>
+      </p:sp>
+      <p:sp>
+        <p:nvSpPr>
+          <p:cNvPr id="8" name="TextBox 7"/>
+          <p:cNvSpPr txBox="1"/>
+          <p:nvPr/>
+        </p:nvSpPr>
+        <p:spPr>
+          <a:xfrm>
+            <a:off x="886262" y="3571553"/>
+            <a:ext cx="6260123" cy="523220"/>
+          </a:xfrm>
+          <a:prstGeom prst="rect">
+            <a:avLst/>
+          </a:prstGeom>
+          <a:noFill/>
+        </p:spPr>
+        <p:txBody>
+          <a:bodyPr wrap="square" rtlCol="0">
+            <a:spAutoFit/>
+          </a:bodyPr>
+          <a:lstStyle/>
+          <a:p>
+            <a:r>
+              <a:rPr lang="en-GB" sz="2800" b="1" dirty="0">
+                <a:solidFill>
+                  <a:schemeClr val="bg1"/>
+                </a:solidFill>
+              </a:rPr>
+              <a:t>No ice </a:t>
+            </a:r>
+            <a:r>
+              <a:rPr lang="en-GB" sz="2000" b="1" dirty="0">
+                <a:solidFill>
+                  <a:schemeClr val="bg1"/>
+                </a:solidFill>
+              </a:rPr>
+              <a:t>at hand when you want some ice drinks</a:t>
             </a:r>
           </a:p>
         </p:txBody>
       </p:sp>
+      <p:sp>
+        <p:nvSpPr>
+          <p:cNvPr id="9" name="TextBox 8"/>
+          <p:cNvSpPr txBox="1"/>
+          <p:nvPr/>
+        </p:nvSpPr>
+        <p:spPr>
+          <a:xfrm>
+            <a:off x="886258" y="4609584"/>
+            <a:ext cx="6260123" cy="830997"/>
+          </a:xfrm>
+          <a:prstGeom prst="rect">
+            <a:avLst/>
+          </a:prstGeom>
+          <a:noFill/>
+        </p:spPr>
+        <p:txBody>
+          <a:bodyPr wrap="square" rtlCol="0">
+            <a:spAutoFit/>
+          </a:bodyPr>
+          <a:lstStyle/>
+          <a:p>
+            <a:r>
+              <a:rPr lang="en-US" altLang="zh-CN" sz="2800" b="1" dirty="0">
+                <a:solidFill>
+                  <a:schemeClr val="bg1"/>
+                </a:solidFill>
+              </a:rPr>
+              <a:t>Sprained </a:t>
+            </a:r>
+            <a:r>
+              <a:rPr lang="en-US" altLang="zh-CN" sz="2000" b="1" dirty="0">
+                <a:solidFill>
+                  <a:schemeClr val="bg1"/>
+                </a:solidFill>
+              </a:rPr>
+              <a:t>when doing sports/hiking in the field but there is no ice in the first aid pack</a:t>
+            </a:r>
+            <a:endParaRPr lang="en-GB" sz="1800" dirty="0">
+              <a:solidFill>
+                <a:schemeClr val="bg1"/>
+              </a:solidFill>
+            </a:endParaRPr>
+          </a:p>
+        </p:txBody>
+      </p:sp>
+      <p:sp>
+        <p:nvSpPr>
+          <p:cNvPr id="10" name="Rectangle 9"/>
+          <p:cNvSpPr/>
+          <p:nvPr/>
+        </p:nvSpPr>
+        <p:spPr>
+          <a:xfrm>
+            <a:off x="886258" y="4734457"/>
+            <a:ext cx="6260123" cy="800220"/>
+          </a:xfrm>
+          <a:prstGeom prst="rect">
+            <a:avLst/>
+          </a:prstGeom>
+          <a:solidFill>
+            <a:srgbClr val="7979FF"/>
+          </a:solidFill>
+          <a:ln>
+            <a:solidFill>
+              <a:srgbClr val="7979FF"/>
+            </a:solidFill>
+          </a:ln>
+        </p:spPr>
+        <p:style>
+          <a:lnRef idx="2">
+            <a:schemeClr val="accent1">
+              <a:shade val="50000"/>
+            </a:schemeClr>
+          </a:lnRef>
+          <a:fillRef idx="1">
+            <a:schemeClr val="accent1"/>
+          </a:fillRef>
+          <a:effectRef idx="0">
+            <a:schemeClr val="accent1"/>
+          </a:effectRef>
+          <a:fontRef idx="minor">
+            <a:schemeClr val="lt1"/>
+          </a:fontRef>
+        </p:style>
+        <p:txBody>
+          <a:bodyPr rtlCol="0" anchor="ctr"/>
+          <a:lstStyle/>
+          <a:p>
+            <a:pPr algn="ctr"/>
+            <a:endParaRPr lang="en-GB"/>
+          </a:p>
+        </p:txBody>
+      </p:sp>
+      <p:sp>
+        <p:nvSpPr>
+          <p:cNvPr id="11" name="Rectangle 10"/>
+          <p:cNvSpPr/>
+          <p:nvPr/>
+        </p:nvSpPr>
+        <p:spPr>
+          <a:xfrm>
+            <a:off x="886259" y="3597501"/>
+            <a:ext cx="6260123" cy="800220"/>
+          </a:xfrm>
+          <a:prstGeom prst="rect">
+            <a:avLst/>
+          </a:prstGeom>
+          <a:solidFill>
+            <a:srgbClr val="7979FF"/>
+          </a:solidFill>
+          <a:ln>
+            <a:solidFill>
+              <a:srgbClr val="7979FF"/>
+            </a:solidFill>
+          </a:ln>
+        </p:spPr>
+        <p:style>
+          <a:lnRef idx="2">
+            <a:schemeClr val="accent1">
+              <a:shade val="50000"/>
+            </a:schemeClr>
+          </a:lnRef>
+          <a:fillRef idx="1">
+            <a:schemeClr val="accent1"/>
+          </a:fillRef>
+          <a:effectRef idx="0">
+            <a:schemeClr val="accent1"/>
+          </a:effectRef>
+          <a:fontRef idx="minor">
+            <a:schemeClr val="lt1"/>
+          </a:fontRef>
+        </p:style>
+        <p:txBody>
+          <a:bodyPr rtlCol="0" anchor="ctr"/>
+          <a:lstStyle/>
+          <a:p>
+            <a:pPr algn="ctr"/>
+            <a:endParaRPr lang="en-GB"/>
+          </a:p>
+        </p:txBody>
+      </p:sp>
     </p:spTree>
+    <p:extLst>
+      <p:ext uri="{BB962C8B-B14F-4D97-AF65-F5344CB8AC3E}">
+        <p14:creationId xmlns:p14="http://schemas.microsoft.com/office/powerpoint/2010/main" val="3428869943"/>
+      </p:ext>
+    </p:extLst>
   </p:cSld>
   <p:clrMapOvr>
     <a:masterClrMapping/>
   </p:clrMapOvr>
+  <p:timing>
+    <p:tnLst>
+      <p:par>
+        <p:cTn id="1" dur="indefinite" restart="never" nodeType="tmRoot">
+          <p:childTnLst>
+            <p:seq concurrent="1" nextAc="seek">
+              <p:cTn id="2" dur="indefinite" nodeType="mainSeq">
+                <p:childTnLst>
+                  <p:par>
+                    <p:cTn id="3" fill="hold">
+                      <p:stCondLst>
+                        <p:cond delay="indefinite"/>
+                      </p:stCondLst>
+                      <p:childTnLst>
+                        <p:par>
+                          <p:cTn id="4" fill="hold">
+                            <p:stCondLst>
+                              <p:cond delay="0"/>
+                            </p:stCondLst>
+                            <p:childTnLst>
+                              <p:par>
+                                <p:cTn id="5" presetID="64" presetClass="path" presetSubtype="0" accel="50000" decel="50000" fill="hold" grpId="0" nodeType="clickEffect">
+                                  <p:stCondLst>
+                                    <p:cond delay="0"/>
+                                  </p:stCondLst>
+                                  <p:childTnLst>
+                                    <p:animMotion origin="layout" path="M 3.88889E-6 -3.7037E-7 L 0.00538 -0.18079 " pathEditMode="relative" rAng="0" ptsTypes="AA">
+                                      <p:cBhvr>
+                                        <p:cTn id="6" dur="1000" fill="hold"/>
+                                        <p:tgtEl>
+                                          <p:spTgt spid="11"/>
+                                        </p:tgtEl>
+                                        <p:attrNameLst>
+                                          <p:attrName>ppt_x</p:attrName>
+                                          <p:attrName>ppt_y</p:attrName>
+                                        </p:attrNameLst>
+                                      </p:cBhvr>
+                                      <p:rCtr x="260" y="-9051"/>
+                                    </p:animMotion>
+                                  </p:childTnLst>
+                                </p:cTn>
+                              </p:par>
+                            </p:childTnLst>
+                          </p:cTn>
+                        </p:par>
+                      </p:childTnLst>
+                    </p:cTn>
+                  </p:par>
+                  <p:par>
+                    <p:cTn id="7" fill="hold">
+                      <p:stCondLst>
+                        <p:cond delay="indefinite"/>
+                      </p:stCondLst>
+                      <p:childTnLst>
+                        <p:par>
+                          <p:cTn id="8" fill="hold">
+                            <p:stCondLst>
+                              <p:cond delay="0"/>
+                            </p:stCondLst>
+                            <p:childTnLst>
+                              <p:par>
+                                <p:cTn id="9" presetID="64" presetClass="path" presetSubtype="0" accel="50000" decel="50000" fill="hold" grpId="0" nodeType="clickEffect">
+                                  <p:stCondLst>
+                                    <p:cond delay="0"/>
+                                  </p:stCondLst>
+                                  <p:childTnLst>
+                                    <p:animMotion origin="layout" path="M 3.88889E-6 -1.11111E-6 L 3.88889E-6 -0.17731 " pathEditMode="relative" rAng="0" ptsTypes="AA">
+                                      <p:cBhvr>
+                                        <p:cTn id="10" dur="1000" fill="hold"/>
+                                        <p:tgtEl>
+                                          <p:spTgt spid="10"/>
+                                        </p:tgtEl>
+                                        <p:attrNameLst>
+                                          <p:attrName>ppt_x</p:attrName>
+                                          <p:attrName>ppt_y</p:attrName>
+                                        </p:attrNameLst>
+                                      </p:cBhvr>
+                                      <p:rCtr x="0" y="-8866"/>
+                                    </p:animMotion>
+                                  </p:childTnLst>
+                                </p:cTn>
+                              </p:par>
+                            </p:childTnLst>
+                          </p:cTn>
+                        </p:par>
+                      </p:childTnLst>
+                    </p:cTn>
+                  </p:par>
+                </p:childTnLst>
+              </p:cTn>
+              <p:prevCondLst>
+                <p:cond evt="onPrev" delay="0">
+                  <p:tgtEl>
+                    <p:sldTgt/>
+                  </p:tgtEl>
+                </p:cond>
+              </p:prevCondLst>
+              <p:nextCondLst>
+                <p:cond evt="onNext" delay="0">
+                  <p:tgtEl>
+                    <p:sldTgt/>
+                  </p:tgtEl>
+                </p:cond>
+              </p:nextCondLst>
+            </p:seq>
+          </p:childTnLst>
+        </p:cTn>
+      </p:par>
+    </p:tnLst>
+    <p:bldLst>
+      <p:bldP spid="10" grpId="0" animBg="1"/>
+      <p:bldP spid="11" grpId="0" animBg="1"/>
+    </p:bldLst>
+  </p:timing>
 </p:sld>
 </file>
 
